--- a/brainWithDots2_ok128.pptx
+++ b/brainWithDots2_ok128.pptx
@@ -9,8 +9,9 @@
     <p:sldId id="257" r:id="rId3"/>
     <p:sldId id="260" r:id="rId4"/>
     <p:sldId id="261" r:id="rId5"/>
-    <p:sldId id="258" r:id="rId6"/>
-    <p:sldId id="259" r:id="rId7"/>
+    <p:sldId id="262" r:id="rId6"/>
+    <p:sldId id="258" r:id="rId7"/>
+    <p:sldId id="259" r:id="rId8"/>
   </p:sldIdLst>
   <p:sldSz cx="12192000" cy="6858000"/>
   <p:notesSz cx="6858000" cy="9144000"/>
@@ -264,7 +265,7 @@
           <a:p>
             <a:fld id="{1A24D228-1539-4782-BDED-2F7A18F65C43}" type="datetimeFigureOut">
               <a:rPr lang="it-IT" smtClean="0"/>
-              <a:t>05/10/2019</a:t>
+              <a:t>01/11/2019</a:t>
             </a:fld>
             <a:endParaRPr lang="it-IT"/>
           </a:p>
@@ -462,7 +463,7 @@
           <a:p>
             <a:fld id="{1A24D228-1539-4782-BDED-2F7A18F65C43}" type="datetimeFigureOut">
               <a:rPr lang="it-IT" smtClean="0"/>
-              <a:t>05/10/2019</a:t>
+              <a:t>01/11/2019</a:t>
             </a:fld>
             <a:endParaRPr lang="it-IT"/>
           </a:p>
@@ -670,7 +671,7 @@
           <a:p>
             <a:fld id="{1A24D228-1539-4782-BDED-2F7A18F65C43}" type="datetimeFigureOut">
               <a:rPr lang="it-IT" smtClean="0"/>
-              <a:t>05/10/2019</a:t>
+              <a:t>01/11/2019</a:t>
             </a:fld>
             <a:endParaRPr lang="it-IT"/>
           </a:p>
@@ -868,7 +869,7 @@
           <a:p>
             <a:fld id="{1A24D228-1539-4782-BDED-2F7A18F65C43}" type="datetimeFigureOut">
               <a:rPr lang="it-IT" smtClean="0"/>
-              <a:t>05/10/2019</a:t>
+              <a:t>01/11/2019</a:t>
             </a:fld>
             <a:endParaRPr lang="it-IT"/>
           </a:p>
@@ -1143,7 +1144,7 @@
           <a:p>
             <a:fld id="{1A24D228-1539-4782-BDED-2F7A18F65C43}" type="datetimeFigureOut">
               <a:rPr lang="it-IT" smtClean="0"/>
-              <a:t>05/10/2019</a:t>
+              <a:t>01/11/2019</a:t>
             </a:fld>
             <a:endParaRPr lang="it-IT"/>
           </a:p>
@@ -1408,7 +1409,7 @@
           <a:p>
             <a:fld id="{1A24D228-1539-4782-BDED-2F7A18F65C43}" type="datetimeFigureOut">
               <a:rPr lang="it-IT" smtClean="0"/>
-              <a:t>05/10/2019</a:t>
+              <a:t>01/11/2019</a:t>
             </a:fld>
             <a:endParaRPr lang="it-IT"/>
           </a:p>
@@ -1820,7 +1821,7 @@
           <a:p>
             <a:fld id="{1A24D228-1539-4782-BDED-2F7A18F65C43}" type="datetimeFigureOut">
               <a:rPr lang="it-IT" smtClean="0"/>
-              <a:t>05/10/2019</a:t>
+              <a:t>01/11/2019</a:t>
             </a:fld>
             <a:endParaRPr lang="it-IT"/>
           </a:p>
@@ -1961,7 +1962,7 @@
           <a:p>
             <a:fld id="{1A24D228-1539-4782-BDED-2F7A18F65C43}" type="datetimeFigureOut">
               <a:rPr lang="it-IT" smtClean="0"/>
-              <a:t>05/10/2019</a:t>
+              <a:t>01/11/2019</a:t>
             </a:fld>
             <a:endParaRPr lang="it-IT"/>
           </a:p>
@@ -2074,7 +2075,7 @@
           <a:p>
             <a:fld id="{1A24D228-1539-4782-BDED-2F7A18F65C43}" type="datetimeFigureOut">
               <a:rPr lang="it-IT" smtClean="0"/>
-              <a:t>05/10/2019</a:t>
+              <a:t>01/11/2019</a:t>
             </a:fld>
             <a:endParaRPr lang="it-IT"/>
           </a:p>
@@ -2385,7 +2386,7 @@
           <a:p>
             <a:fld id="{1A24D228-1539-4782-BDED-2F7A18F65C43}" type="datetimeFigureOut">
               <a:rPr lang="it-IT" smtClean="0"/>
-              <a:t>05/10/2019</a:t>
+              <a:t>01/11/2019</a:t>
             </a:fld>
             <a:endParaRPr lang="it-IT"/>
           </a:p>
@@ -2673,7 +2674,7 @@
           <a:p>
             <a:fld id="{1A24D228-1539-4782-BDED-2F7A18F65C43}" type="datetimeFigureOut">
               <a:rPr lang="it-IT" smtClean="0"/>
-              <a:t>05/10/2019</a:t>
+              <a:t>01/11/2019</a:t>
             </a:fld>
             <a:endParaRPr lang="it-IT"/>
           </a:p>
@@ -2914,7 +2915,7 @@
           <a:p>
             <a:fld id="{1A24D228-1539-4782-BDED-2F7A18F65C43}" type="datetimeFigureOut">
               <a:rPr lang="it-IT" smtClean="0"/>
-              <a:t>05/10/2019</a:t>
+              <a:t>01/11/2019</a:t>
             </a:fld>
             <a:endParaRPr lang="it-IT"/>
           </a:p>
@@ -24805,6 +24806,7164 @@
 </file>
 
 <file path=ppt/slides/slide5.xml><?xml version="1.0" encoding="utf-8"?>
+<p:sld xmlns:a="http://schemas.openxmlformats.org/drawingml/2006/main" xmlns:r="http://schemas.openxmlformats.org/officeDocument/2006/relationships" xmlns:p="http://schemas.openxmlformats.org/presentationml/2006/main">
+  <p:cSld>
+    <p:spTree>
+      <p:nvGrpSpPr>
+        <p:cNvPr id="1" name=""/>
+        <p:cNvGrpSpPr/>
+        <p:nvPr/>
+      </p:nvGrpSpPr>
+      <p:grpSpPr>
+        <a:xfrm>
+          <a:off x="0" y="0"/>
+          <a:ext cx="0" cy="0"/>
+          <a:chOff x="0" y="0"/>
+          <a:chExt cx="0" cy="0"/>
+        </a:xfrm>
+      </p:grpSpPr>
+      <p:sp>
+        <p:nvSpPr>
+          <p:cNvPr id="5" name="Ovale 4">
+            <a:extLst>
+              <a:ext uri="{FF2B5EF4-FFF2-40B4-BE49-F238E27FC236}">
+                <a16:creationId xmlns:a16="http://schemas.microsoft.com/office/drawing/2014/main" id="{2659998B-5503-4891-96D7-BD5AB59C1296}"/>
+              </a:ext>
+            </a:extLst>
+          </p:cNvPr>
+          <p:cNvSpPr/>
+          <p:nvPr/>
+        </p:nvSpPr>
+        <p:spPr>
+          <a:xfrm>
+            <a:off x="4553760" y="1981442"/>
+            <a:ext cx="396000" cy="396000"/>
+          </a:xfrm>
+          <a:prstGeom prst="ellipse">
+            <a:avLst/>
+          </a:prstGeom>
+          <a:solidFill>
+            <a:srgbClr val="FFFF00"/>
+          </a:solidFill>
+          <a:ln>
+            <a:solidFill>
+              <a:srgbClr val="FFFF00"/>
+            </a:solidFill>
+          </a:ln>
+        </p:spPr>
+        <p:style>
+          <a:lnRef idx="2">
+            <a:schemeClr val="accent1">
+              <a:shade val="50000"/>
+            </a:schemeClr>
+          </a:lnRef>
+          <a:fillRef idx="1">
+            <a:schemeClr val="accent1"/>
+          </a:fillRef>
+          <a:effectRef idx="0">
+            <a:schemeClr val="accent1"/>
+          </a:effectRef>
+          <a:fontRef idx="minor">
+            <a:schemeClr val="lt1"/>
+          </a:fontRef>
+        </p:style>
+        <p:txBody>
+          <a:bodyPr rtlCol="0" anchor="ctr"/>
+          <a:lstStyle/>
+          <a:p>
+            <a:pPr algn="ctr"/>
+            <a:endParaRPr lang="it-IT"/>
+          </a:p>
+        </p:txBody>
+      </p:sp>
+      <p:sp>
+        <p:nvSpPr>
+          <p:cNvPr id="6" name="Ovale 5">
+            <a:extLst>
+              <a:ext uri="{FF2B5EF4-FFF2-40B4-BE49-F238E27FC236}">
+                <a16:creationId xmlns:a16="http://schemas.microsoft.com/office/drawing/2014/main" id="{779F0AB4-0A08-4F91-A02F-BBFD72D4C1FF}"/>
+              </a:ext>
+            </a:extLst>
+          </p:cNvPr>
+          <p:cNvSpPr/>
+          <p:nvPr/>
+        </p:nvSpPr>
+        <p:spPr>
+          <a:xfrm>
+            <a:off x="3993230" y="1436495"/>
+            <a:ext cx="396000" cy="396000"/>
+          </a:xfrm>
+          <a:prstGeom prst="ellipse">
+            <a:avLst/>
+          </a:prstGeom>
+          <a:solidFill>
+            <a:srgbClr val="FFFF00"/>
+          </a:solidFill>
+          <a:ln>
+            <a:solidFill>
+              <a:srgbClr val="FFFF00"/>
+            </a:solidFill>
+          </a:ln>
+        </p:spPr>
+        <p:style>
+          <a:lnRef idx="2">
+            <a:schemeClr val="accent1">
+              <a:shade val="50000"/>
+            </a:schemeClr>
+          </a:lnRef>
+          <a:fillRef idx="1">
+            <a:schemeClr val="accent1"/>
+          </a:fillRef>
+          <a:effectRef idx="0">
+            <a:schemeClr val="accent1"/>
+          </a:effectRef>
+          <a:fontRef idx="minor">
+            <a:schemeClr val="lt1"/>
+          </a:fontRef>
+        </p:style>
+        <p:txBody>
+          <a:bodyPr rtlCol="0" anchor="ctr"/>
+          <a:lstStyle/>
+          <a:p>
+            <a:pPr algn="ctr"/>
+            <a:endParaRPr lang="it-IT"/>
+          </a:p>
+        </p:txBody>
+      </p:sp>
+      <p:sp>
+        <p:nvSpPr>
+          <p:cNvPr id="7" name="Ovale 6">
+            <a:extLst>
+              <a:ext uri="{FF2B5EF4-FFF2-40B4-BE49-F238E27FC236}">
+                <a16:creationId xmlns:a16="http://schemas.microsoft.com/office/drawing/2014/main" id="{353E178D-826E-4667-A14E-72F1EF3D1D9A}"/>
+              </a:ext>
+            </a:extLst>
+          </p:cNvPr>
+          <p:cNvSpPr/>
+          <p:nvPr/>
+        </p:nvSpPr>
+        <p:spPr>
+          <a:xfrm>
+            <a:off x="6955181" y="1230690"/>
+            <a:ext cx="396000" cy="396000"/>
+          </a:xfrm>
+          <a:prstGeom prst="ellipse">
+            <a:avLst/>
+          </a:prstGeom>
+          <a:solidFill>
+            <a:srgbClr val="FFFF00"/>
+          </a:solidFill>
+          <a:ln>
+            <a:solidFill>
+              <a:srgbClr val="FFFF00"/>
+            </a:solidFill>
+          </a:ln>
+        </p:spPr>
+        <p:style>
+          <a:lnRef idx="2">
+            <a:schemeClr val="accent1">
+              <a:shade val="50000"/>
+            </a:schemeClr>
+          </a:lnRef>
+          <a:fillRef idx="1">
+            <a:schemeClr val="accent1"/>
+          </a:fillRef>
+          <a:effectRef idx="0">
+            <a:schemeClr val="accent1"/>
+          </a:effectRef>
+          <a:fontRef idx="minor">
+            <a:schemeClr val="lt1"/>
+          </a:fontRef>
+        </p:style>
+        <p:txBody>
+          <a:bodyPr rtlCol="0" anchor="ctr"/>
+          <a:lstStyle/>
+          <a:p>
+            <a:pPr algn="ctr"/>
+            <a:endParaRPr lang="it-IT"/>
+          </a:p>
+        </p:txBody>
+      </p:sp>
+      <p:sp>
+        <p:nvSpPr>
+          <p:cNvPr id="8" name="Ovale 7">
+            <a:extLst>
+              <a:ext uri="{FF2B5EF4-FFF2-40B4-BE49-F238E27FC236}">
+                <a16:creationId xmlns:a16="http://schemas.microsoft.com/office/drawing/2014/main" id="{D0EAF818-2CBF-4E3F-B9F7-B59B160122E1}"/>
+              </a:ext>
+            </a:extLst>
+          </p:cNvPr>
+          <p:cNvSpPr/>
+          <p:nvPr/>
+        </p:nvSpPr>
+        <p:spPr>
+          <a:xfrm>
+            <a:off x="3011595" y="3474177"/>
+            <a:ext cx="396000" cy="396000"/>
+          </a:xfrm>
+          <a:prstGeom prst="ellipse">
+            <a:avLst/>
+          </a:prstGeom>
+          <a:solidFill>
+            <a:srgbClr val="FFFF00"/>
+          </a:solidFill>
+          <a:ln>
+            <a:solidFill>
+              <a:srgbClr val="FFFF00"/>
+            </a:solidFill>
+          </a:ln>
+        </p:spPr>
+        <p:style>
+          <a:lnRef idx="2">
+            <a:schemeClr val="accent1">
+              <a:shade val="50000"/>
+            </a:schemeClr>
+          </a:lnRef>
+          <a:fillRef idx="1">
+            <a:schemeClr val="accent1"/>
+          </a:fillRef>
+          <a:effectRef idx="0">
+            <a:schemeClr val="accent1"/>
+          </a:effectRef>
+          <a:fontRef idx="minor">
+            <a:schemeClr val="lt1"/>
+          </a:fontRef>
+        </p:style>
+        <p:txBody>
+          <a:bodyPr rtlCol="0" anchor="ctr"/>
+          <a:lstStyle/>
+          <a:p>
+            <a:pPr algn="ctr"/>
+            <a:endParaRPr lang="it-IT"/>
+          </a:p>
+        </p:txBody>
+      </p:sp>
+      <p:sp>
+        <p:nvSpPr>
+          <p:cNvPr id="9" name="Ovale 8">
+            <a:extLst>
+              <a:ext uri="{FF2B5EF4-FFF2-40B4-BE49-F238E27FC236}">
+                <a16:creationId xmlns:a16="http://schemas.microsoft.com/office/drawing/2014/main" id="{4CF5337D-0403-4F9B-A97E-99DA9564E1F6}"/>
+              </a:ext>
+            </a:extLst>
+          </p:cNvPr>
+          <p:cNvSpPr/>
+          <p:nvPr/>
+        </p:nvSpPr>
+        <p:spPr>
+          <a:xfrm>
+            <a:off x="3453621" y="3708333"/>
+            <a:ext cx="396000" cy="396000"/>
+          </a:xfrm>
+          <a:prstGeom prst="ellipse">
+            <a:avLst/>
+          </a:prstGeom>
+          <a:solidFill>
+            <a:srgbClr val="FFFF00"/>
+          </a:solidFill>
+          <a:ln>
+            <a:solidFill>
+              <a:srgbClr val="FFFF00"/>
+            </a:solidFill>
+          </a:ln>
+        </p:spPr>
+        <p:style>
+          <a:lnRef idx="2">
+            <a:schemeClr val="accent1">
+              <a:shade val="50000"/>
+            </a:schemeClr>
+          </a:lnRef>
+          <a:fillRef idx="1">
+            <a:schemeClr val="accent1"/>
+          </a:fillRef>
+          <a:effectRef idx="0">
+            <a:schemeClr val="accent1"/>
+          </a:effectRef>
+          <a:fontRef idx="minor">
+            <a:schemeClr val="lt1"/>
+          </a:fontRef>
+        </p:style>
+        <p:txBody>
+          <a:bodyPr rtlCol="0" anchor="ctr"/>
+          <a:lstStyle/>
+          <a:p>
+            <a:pPr algn="ctr"/>
+            <a:endParaRPr lang="it-IT"/>
+          </a:p>
+        </p:txBody>
+      </p:sp>
+      <p:sp>
+        <p:nvSpPr>
+          <p:cNvPr id="10" name="Ovale 9">
+            <a:extLst>
+              <a:ext uri="{FF2B5EF4-FFF2-40B4-BE49-F238E27FC236}">
+                <a16:creationId xmlns:a16="http://schemas.microsoft.com/office/drawing/2014/main" id="{4A960B5F-F079-4E0B-8091-85B2BE4C674E}"/>
+              </a:ext>
+            </a:extLst>
+          </p:cNvPr>
+          <p:cNvSpPr/>
+          <p:nvPr/>
+        </p:nvSpPr>
+        <p:spPr>
+          <a:xfrm>
+            <a:off x="5220256" y="2969823"/>
+            <a:ext cx="396000" cy="396000"/>
+          </a:xfrm>
+          <a:prstGeom prst="ellipse">
+            <a:avLst/>
+          </a:prstGeom>
+          <a:solidFill>
+            <a:srgbClr val="FFFF00"/>
+          </a:solidFill>
+          <a:ln>
+            <a:solidFill>
+              <a:srgbClr val="FFFF00"/>
+            </a:solidFill>
+          </a:ln>
+        </p:spPr>
+        <p:style>
+          <a:lnRef idx="2">
+            <a:schemeClr val="accent1">
+              <a:shade val="50000"/>
+            </a:schemeClr>
+          </a:lnRef>
+          <a:fillRef idx="1">
+            <a:schemeClr val="accent1"/>
+          </a:fillRef>
+          <a:effectRef idx="0">
+            <a:schemeClr val="accent1"/>
+          </a:effectRef>
+          <a:fontRef idx="minor">
+            <a:schemeClr val="lt1"/>
+          </a:fontRef>
+        </p:style>
+        <p:txBody>
+          <a:bodyPr rtlCol="0" anchor="ctr"/>
+          <a:lstStyle/>
+          <a:p>
+            <a:pPr algn="ctr"/>
+            <a:endParaRPr lang="it-IT"/>
+          </a:p>
+        </p:txBody>
+      </p:sp>
+      <p:sp>
+        <p:nvSpPr>
+          <p:cNvPr id="11" name="Ovale 10">
+            <a:extLst>
+              <a:ext uri="{FF2B5EF4-FFF2-40B4-BE49-F238E27FC236}">
+                <a16:creationId xmlns:a16="http://schemas.microsoft.com/office/drawing/2014/main" id="{3D08B28F-F1C2-4FA5-A12F-740251F5C812}"/>
+              </a:ext>
+            </a:extLst>
+          </p:cNvPr>
+          <p:cNvSpPr/>
+          <p:nvPr/>
+        </p:nvSpPr>
+        <p:spPr>
+          <a:xfrm>
+            <a:off x="3111369" y="1852197"/>
+            <a:ext cx="396000" cy="396000"/>
+          </a:xfrm>
+          <a:prstGeom prst="ellipse">
+            <a:avLst/>
+          </a:prstGeom>
+          <a:solidFill>
+            <a:srgbClr val="FFFF00"/>
+          </a:solidFill>
+          <a:ln>
+            <a:solidFill>
+              <a:srgbClr val="FFFF00"/>
+            </a:solidFill>
+          </a:ln>
+        </p:spPr>
+        <p:style>
+          <a:lnRef idx="2">
+            <a:schemeClr val="accent1">
+              <a:shade val="50000"/>
+            </a:schemeClr>
+          </a:lnRef>
+          <a:fillRef idx="1">
+            <a:schemeClr val="accent1"/>
+          </a:fillRef>
+          <a:effectRef idx="0">
+            <a:schemeClr val="accent1"/>
+          </a:effectRef>
+          <a:fontRef idx="minor">
+            <a:schemeClr val="lt1"/>
+          </a:fontRef>
+        </p:style>
+        <p:txBody>
+          <a:bodyPr rtlCol="0" anchor="ctr"/>
+          <a:lstStyle/>
+          <a:p>
+            <a:pPr algn="ctr"/>
+            <a:endParaRPr lang="it-IT"/>
+          </a:p>
+        </p:txBody>
+      </p:sp>
+      <p:sp>
+        <p:nvSpPr>
+          <p:cNvPr id="12" name="Ovale 11">
+            <a:extLst>
+              <a:ext uri="{FF2B5EF4-FFF2-40B4-BE49-F238E27FC236}">
+                <a16:creationId xmlns:a16="http://schemas.microsoft.com/office/drawing/2014/main" id="{011314B1-FC79-41DE-BCF5-0EE2A6E05CD7}"/>
+              </a:ext>
+            </a:extLst>
+          </p:cNvPr>
+          <p:cNvSpPr/>
+          <p:nvPr/>
+        </p:nvSpPr>
+        <p:spPr>
+          <a:xfrm>
+            <a:off x="4004626" y="4474377"/>
+            <a:ext cx="396000" cy="396000"/>
+          </a:xfrm>
+          <a:prstGeom prst="ellipse">
+            <a:avLst/>
+          </a:prstGeom>
+          <a:solidFill>
+            <a:srgbClr val="FFFF00"/>
+          </a:solidFill>
+          <a:ln>
+            <a:solidFill>
+              <a:srgbClr val="FFFF00"/>
+            </a:solidFill>
+          </a:ln>
+        </p:spPr>
+        <p:style>
+          <a:lnRef idx="2">
+            <a:schemeClr val="accent1">
+              <a:shade val="50000"/>
+            </a:schemeClr>
+          </a:lnRef>
+          <a:fillRef idx="1">
+            <a:schemeClr val="accent1"/>
+          </a:fillRef>
+          <a:effectRef idx="0">
+            <a:schemeClr val="accent1"/>
+          </a:effectRef>
+          <a:fontRef idx="minor">
+            <a:schemeClr val="lt1"/>
+          </a:fontRef>
+        </p:style>
+        <p:txBody>
+          <a:bodyPr rtlCol="0" anchor="ctr"/>
+          <a:lstStyle/>
+          <a:p>
+            <a:pPr algn="ctr"/>
+            <a:endParaRPr lang="it-IT"/>
+          </a:p>
+        </p:txBody>
+      </p:sp>
+      <p:sp>
+        <p:nvSpPr>
+          <p:cNvPr id="13" name="Ovale 12">
+            <a:extLst>
+              <a:ext uri="{FF2B5EF4-FFF2-40B4-BE49-F238E27FC236}">
+                <a16:creationId xmlns:a16="http://schemas.microsoft.com/office/drawing/2014/main" id="{39903D0E-0030-49D6-87F0-33CB70F8AF91}"/>
+              </a:ext>
+            </a:extLst>
+          </p:cNvPr>
+          <p:cNvSpPr/>
+          <p:nvPr/>
+        </p:nvSpPr>
+        <p:spPr>
+          <a:xfrm>
+            <a:off x="7026773" y="3424374"/>
+            <a:ext cx="396000" cy="396000"/>
+          </a:xfrm>
+          <a:prstGeom prst="ellipse">
+            <a:avLst/>
+          </a:prstGeom>
+          <a:solidFill>
+            <a:srgbClr val="FFFF00"/>
+          </a:solidFill>
+          <a:ln>
+            <a:solidFill>
+              <a:srgbClr val="FFFF00"/>
+            </a:solidFill>
+          </a:ln>
+        </p:spPr>
+        <p:style>
+          <a:lnRef idx="2">
+            <a:schemeClr val="accent1">
+              <a:shade val="50000"/>
+            </a:schemeClr>
+          </a:lnRef>
+          <a:fillRef idx="1">
+            <a:schemeClr val="accent1"/>
+          </a:fillRef>
+          <a:effectRef idx="0">
+            <a:schemeClr val="accent1"/>
+          </a:effectRef>
+          <a:fontRef idx="minor">
+            <a:schemeClr val="lt1"/>
+          </a:fontRef>
+        </p:style>
+        <p:txBody>
+          <a:bodyPr rtlCol="0" anchor="ctr"/>
+          <a:lstStyle/>
+          <a:p>
+            <a:pPr algn="ctr"/>
+            <a:endParaRPr lang="it-IT"/>
+          </a:p>
+        </p:txBody>
+      </p:sp>
+      <p:sp>
+        <p:nvSpPr>
+          <p:cNvPr id="14" name="Ovale 13">
+            <a:extLst>
+              <a:ext uri="{FF2B5EF4-FFF2-40B4-BE49-F238E27FC236}">
+                <a16:creationId xmlns:a16="http://schemas.microsoft.com/office/drawing/2014/main" id="{E8523B7F-B98D-48F4-8C04-BA4437376BCF}"/>
+              </a:ext>
+            </a:extLst>
+          </p:cNvPr>
+          <p:cNvSpPr/>
+          <p:nvPr/>
+        </p:nvSpPr>
+        <p:spPr>
+          <a:xfrm>
+            <a:off x="6737066" y="1686401"/>
+            <a:ext cx="396000" cy="396000"/>
+          </a:xfrm>
+          <a:prstGeom prst="ellipse">
+            <a:avLst/>
+          </a:prstGeom>
+          <a:solidFill>
+            <a:srgbClr val="FFFF00"/>
+          </a:solidFill>
+          <a:ln>
+            <a:solidFill>
+              <a:srgbClr val="FFFF00"/>
+            </a:solidFill>
+          </a:ln>
+        </p:spPr>
+        <p:style>
+          <a:lnRef idx="2">
+            <a:schemeClr val="accent1">
+              <a:shade val="50000"/>
+            </a:schemeClr>
+          </a:lnRef>
+          <a:fillRef idx="1">
+            <a:schemeClr val="accent1"/>
+          </a:fillRef>
+          <a:effectRef idx="0">
+            <a:schemeClr val="accent1"/>
+          </a:effectRef>
+          <a:fontRef idx="minor">
+            <a:schemeClr val="lt1"/>
+          </a:fontRef>
+        </p:style>
+        <p:txBody>
+          <a:bodyPr rtlCol="0" anchor="ctr"/>
+          <a:lstStyle/>
+          <a:p>
+            <a:pPr algn="ctr"/>
+            <a:endParaRPr lang="it-IT"/>
+          </a:p>
+        </p:txBody>
+      </p:sp>
+      <p:sp>
+        <p:nvSpPr>
+          <p:cNvPr id="15" name="Ovale 14">
+            <a:extLst>
+              <a:ext uri="{FF2B5EF4-FFF2-40B4-BE49-F238E27FC236}">
+                <a16:creationId xmlns:a16="http://schemas.microsoft.com/office/drawing/2014/main" id="{9CFFB34C-A0F2-4FBB-A1B1-6A85369D1BB9}"/>
+              </a:ext>
+            </a:extLst>
+          </p:cNvPr>
+          <p:cNvSpPr/>
+          <p:nvPr/>
+        </p:nvSpPr>
+        <p:spPr>
+          <a:xfrm>
+            <a:off x="5768325" y="2706890"/>
+            <a:ext cx="396000" cy="396000"/>
+          </a:xfrm>
+          <a:prstGeom prst="ellipse">
+            <a:avLst/>
+          </a:prstGeom>
+          <a:solidFill>
+            <a:srgbClr val="FFFF00"/>
+          </a:solidFill>
+          <a:ln>
+            <a:solidFill>
+              <a:srgbClr val="FFFF00"/>
+            </a:solidFill>
+          </a:ln>
+        </p:spPr>
+        <p:style>
+          <a:lnRef idx="2">
+            <a:schemeClr val="accent1">
+              <a:shade val="50000"/>
+            </a:schemeClr>
+          </a:lnRef>
+          <a:fillRef idx="1">
+            <a:schemeClr val="accent1"/>
+          </a:fillRef>
+          <a:effectRef idx="0">
+            <a:schemeClr val="accent1"/>
+          </a:effectRef>
+          <a:fontRef idx="minor">
+            <a:schemeClr val="lt1"/>
+          </a:fontRef>
+        </p:style>
+        <p:txBody>
+          <a:bodyPr rtlCol="0" anchor="ctr"/>
+          <a:lstStyle/>
+          <a:p>
+            <a:pPr algn="ctr"/>
+            <a:endParaRPr lang="it-IT"/>
+          </a:p>
+        </p:txBody>
+      </p:sp>
+      <p:sp>
+        <p:nvSpPr>
+          <p:cNvPr id="16" name="Ovale 15">
+            <a:extLst>
+              <a:ext uri="{FF2B5EF4-FFF2-40B4-BE49-F238E27FC236}">
+                <a16:creationId xmlns:a16="http://schemas.microsoft.com/office/drawing/2014/main" id="{31A5ADC1-5501-4CEE-A8D7-BE8878E11CB8}"/>
+              </a:ext>
+            </a:extLst>
+          </p:cNvPr>
+          <p:cNvSpPr/>
+          <p:nvPr/>
+        </p:nvSpPr>
+        <p:spPr>
+          <a:xfrm>
+            <a:off x="7280462" y="2167185"/>
+            <a:ext cx="396000" cy="396000"/>
+          </a:xfrm>
+          <a:prstGeom prst="ellipse">
+            <a:avLst/>
+          </a:prstGeom>
+          <a:solidFill>
+            <a:srgbClr val="FFFF00"/>
+          </a:solidFill>
+          <a:ln>
+            <a:solidFill>
+              <a:srgbClr val="FFFF00"/>
+            </a:solidFill>
+          </a:ln>
+        </p:spPr>
+        <p:style>
+          <a:lnRef idx="2">
+            <a:schemeClr val="accent1">
+              <a:shade val="50000"/>
+            </a:schemeClr>
+          </a:lnRef>
+          <a:fillRef idx="1">
+            <a:schemeClr val="accent1"/>
+          </a:fillRef>
+          <a:effectRef idx="0">
+            <a:schemeClr val="accent1"/>
+          </a:effectRef>
+          <a:fontRef idx="minor">
+            <a:schemeClr val="lt1"/>
+          </a:fontRef>
+        </p:style>
+        <p:txBody>
+          <a:bodyPr rtlCol="0" anchor="ctr"/>
+          <a:lstStyle/>
+          <a:p>
+            <a:pPr algn="ctr"/>
+            <a:endParaRPr lang="it-IT"/>
+          </a:p>
+        </p:txBody>
+      </p:sp>
+      <p:sp>
+        <p:nvSpPr>
+          <p:cNvPr id="17" name="Ovale 16">
+            <a:extLst>
+              <a:ext uri="{FF2B5EF4-FFF2-40B4-BE49-F238E27FC236}">
+                <a16:creationId xmlns:a16="http://schemas.microsoft.com/office/drawing/2014/main" id="{69D87CE1-D8EE-41F1-8E77-8C6A7A863064}"/>
+              </a:ext>
+            </a:extLst>
+          </p:cNvPr>
+          <p:cNvSpPr/>
+          <p:nvPr/>
+        </p:nvSpPr>
+        <p:spPr>
+          <a:xfrm>
+            <a:off x="4408660" y="4679059"/>
+            <a:ext cx="396000" cy="396000"/>
+          </a:xfrm>
+          <a:prstGeom prst="ellipse">
+            <a:avLst/>
+          </a:prstGeom>
+          <a:solidFill>
+            <a:srgbClr val="FFFF00"/>
+          </a:solidFill>
+          <a:ln>
+            <a:solidFill>
+              <a:srgbClr val="FFFF00"/>
+            </a:solidFill>
+          </a:ln>
+        </p:spPr>
+        <p:style>
+          <a:lnRef idx="2">
+            <a:schemeClr val="accent1">
+              <a:shade val="50000"/>
+            </a:schemeClr>
+          </a:lnRef>
+          <a:fillRef idx="1">
+            <a:schemeClr val="accent1"/>
+          </a:fillRef>
+          <a:effectRef idx="0">
+            <a:schemeClr val="accent1"/>
+          </a:effectRef>
+          <a:fontRef idx="minor">
+            <a:schemeClr val="lt1"/>
+          </a:fontRef>
+        </p:style>
+        <p:txBody>
+          <a:bodyPr rtlCol="0" anchor="ctr"/>
+          <a:lstStyle/>
+          <a:p>
+            <a:pPr algn="ctr"/>
+            <a:endParaRPr lang="it-IT"/>
+          </a:p>
+        </p:txBody>
+      </p:sp>
+      <p:sp>
+        <p:nvSpPr>
+          <p:cNvPr id="18" name="Ovale 17">
+            <a:extLst>
+              <a:ext uri="{FF2B5EF4-FFF2-40B4-BE49-F238E27FC236}">
+                <a16:creationId xmlns:a16="http://schemas.microsoft.com/office/drawing/2014/main" id="{030A9E07-1B15-45A0-A4B2-D7D42B040366}"/>
+              </a:ext>
+            </a:extLst>
+          </p:cNvPr>
+          <p:cNvSpPr/>
+          <p:nvPr/>
+        </p:nvSpPr>
+        <p:spPr>
+          <a:xfrm>
+            <a:off x="4159901" y="4023876"/>
+            <a:ext cx="396000" cy="396000"/>
+          </a:xfrm>
+          <a:prstGeom prst="ellipse">
+            <a:avLst/>
+          </a:prstGeom>
+          <a:solidFill>
+            <a:srgbClr val="FFFF00"/>
+          </a:solidFill>
+          <a:ln>
+            <a:solidFill>
+              <a:srgbClr val="FFFF00"/>
+            </a:solidFill>
+          </a:ln>
+        </p:spPr>
+        <p:style>
+          <a:lnRef idx="2">
+            <a:schemeClr val="accent1">
+              <a:shade val="50000"/>
+            </a:schemeClr>
+          </a:lnRef>
+          <a:fillRef idx="1">
+            <a:schemeClr val="accent1"/>
+          </a:fillRef>
+          <a:effectRef idx="0">
+            <a:schemeClr val="accent1"/>
+          </a:effectRef>
+          <a:fontRef idx="minor">
+            <a:schemeClr val="lt1"/>
+          </a:fontRef>
+        </p:style>
+        <p:txBody>
+          <a:bodyPr rtlCol="0" anchor="ctr"/>
+          <a:lstStyle/>
+          <a:p>
+            <a:pPr algn="ctr"/>
+            <a:endParaRPr lang="it-IT"/>
+          </a:p>
+        </p:txBody>
+      </p:sp>
+      <p:sp>
+        <p:nvSpPr>
+          <p:cNvPr id="19" name="Ovale 18">
+            <a:extLst>
+              <a:ext uri="{FF2B5EF4-FFF2-40B4-BE49-F238E27FC236}">
+                <a16:creationId xmlns:a16="http://schemas.microsoft.com/office/drawing/2014/main" id="{0F748D4D-C3F6-4B72-9176-0F62F4F51A93}"/>
+              </a:ext>
+            </a:extLst>
+          </p:cNvPr>
+          <p:cNvSpPr/>
+          <p:nvPr/>
+        </p:nvSpPr>
+        <p:spPr>
+          <a:xfrm>
+            <a:off x="4385595" y="3352095"/>
+            <a:ext cx="396000" cy="396000"/>
+          </a:xfrm>
+          <a:prstGeom prst="ellipse">
+            <a:avLst/>
+          </a:prstGeom>
+          <a:solidFill>
+            <a:srgbClr val="FFFF00"/>
+          </a:solidFill>
+          <a:ln>
+            <a:solidFill>
+              <a:srgbClr val="FFFF00"/>
+            </a:solidFill>
+          </a:ln>
+        </p:spPr>
+        <p:style>
+          <a:lnRef idx="2">
+            <a:schemeClr val="accent1">
+              <a:shade val="50000"/>
+            </a:schemeClr>
+          </a:lnRef>
+          <a:fillRef idx="1">
+            <a:schemeClr val="accent1"/>
+          </a:fillRef>
+          <a:effectRef idx="0">
+            <a:schemeClr val="accent1"/>
+          </a:effectRef>
+          <a:fontRef idx="minor">
+            <a:schemeClr val="lt1"/>
+          </a:fontRef>
+        </p:style>
+        <p:txBody>
+          <a:bodyPr rtlCol="0" anchor="ctr"/>
+          <a:lstStyle/>
+          <a:p>
+            <a:pPr algn="ctr"/>
+            <a:endParaRPr lang="it-IT"/>
+          </a:p>
+        </p:txBody>
+      </p:sp>
+      <p:sp>
+        <p:nvSpPr>
+          <p:cNvPr id="20" name="Ovale 19">
+            <a:extLst>
+              <a:ext uri="{FF2B5EF4-FFF2-40B4-BE49-F238E27FC236}">
+                <a16:creationId xmlns:a16="http://schemas.microsoft.com/office/drawing/2014/main" id="{1DF2252B-AA60-4A54-AC8E-9A8F58187F80}"/>
+              </a:ext>
+            </a:extLst>
+          </p:cNvPr>
+          <p:cNvSpPr/>
+          <p:nvPr/>
+        </p:nvSpPr>
+        <p:spPr>
+          <a:xfrm>
+            <a:off x="3828506" y="3051275"/>
+            <a:ext cx="396000" cy="396000"/>
+          </a:xfrm>
+          <a:prstGeom prst="ellipse">
+            <a:avLst/>
+          </a:prstGeom>
+          <a:solidFill>
+            <a:srgbClr val="FFFF00"/>
+          </a:solidFill>
+          <a:ln>
+            <a:solidFill>
+              <a:srgbClr val="FFFF00"/>
+            </a:solidFill>
+          </a:ln>
+        </p:spPr>
+        <p:style>
+          <a:lnRef idx="2">
+            <a:schemeClr val="accent1">
+              <a:shade val="50000"/>
+            </a:schemeClr>
+          </a:lnRef>
+          <a:fillRef idx="1">
+            <a:schemeClr val="accent1"/>
+          </a:fillRef>
+          <a:effectRef idx="0">
+            <a:schemeClr val="accent1"/>
+          </a:effectRef>
+          <a:fontRef idx="minor">
+            <a:schemeClr val="lt1"/>
+          </a:fontRef>
+        </p:style>
+        <p:txBody>
+          <a:bodyPr rtlCol="0" anchor="ctr"/>
+          <a:lstStyle/>
+          <a:p>
+            <a:pPr algn="ctr"/>
+            <a:endParaRPr lang="it-IT"/>
+          </a:p>
+        </p:txBody>
+      </p:sp>
+      <p:sp>
+        <p:nvSpPr>
+          <p:cNvPr id="21" name="Ovale 20">
+            <a:extLst>
+              <a:ext uri="{FF2B5EF4-FFF2-40B4-BE49-F238E27FC236}">
+                <a16:creationId xmlns:a16="http://schemas.microsoft.com/office/drawing/2014/main" id="{82D9FA20-EEC1-4A27-A630-6F3C790C161C}"/>
+              </a:ext>
+            </a:extLst>
+          </p:cNvPr>
+          <p:cNvSpPr/>
+          <p:nvPr/>
+        </p:nvSpPr>
+        <p:spPr>
+          <a:xfrm>
+            <a:off x="6002904" y="3445229"/>
+            <a:ext cx="396000" cy="396000"/>
+          </a:xfrm>
+          <a:prstGeom prst="ellipse">
+            <a:avLst/>
+          </a:prstGeom>
+          <a:solidFill>
+            <a:srgbClr val="FFFF00"/>
+          </a:solidFill>
+          <a:ln>
+            <a:solidFill>
+              <a:srgbClr val="FFFF00"/>
+            </a:solidFill>
+          </a:ln>
+        </p:spPr>
+        <p:style>
+          <a:lnRef idx="2">
+            <a:schemeClr val="accent1">
+              <a:shade val="50000"/>
+            </a:schemeClr>
+          </a:lnRef>
+          <a:fillRef idx="1">
+            <a:schemeClr val="accent1"/>
+          </a:fillRef>
+          <a:effectRef idx="0">
+            <a:schemeClr val="accent1"/>
+          </a:effectRef>
+          <a:fontRef idx="minor">
+            <a:schemeClr val="lt1"/>
+          </a:fontRef>
+        </p:style>
+        <p:txBody>
+          <a:bodyPr rtlCol="0" anchor="ctr"/>
+          <a:lstStyle/>
+          <a:p>
+            <a:pPr algn="ctr"/>
+            <a:endParaRPr lang="it-IT"/>
+          </a:p>
+        </p:txBody>
+      </p:sp>
+      <p:sp>
+        <p:nvSpPr>
+          <p:cNvPr id="22" name="Ovale 21">
+            <a:extLst>
+              <a:ext uri="{FF2B5EF4-FFF2-40B4-BE49-F238E27FC236}">
+                <a16:creationId xmlns:a16="http://schemas.microsoft.com/office/drawing/2014/main" id="{49187581-CF77-41C0-B9E7-F17F560CB9A9}"/>
+              </a:ext>
+            </a:extLst>
+          </p:cNvPr>
+          <p:cNvSpPr/>
+          <p:nvPr/>
+        </p:nvSpPr>
+        <p:spPr>
+          <a:xfrm>
+            <a:off x="5324394" y="2466757"/>
+            <a:ext cx="396000" cy="396000"/>
+          </a:xfrm>
+          <a:prstGeom prst="ellipse">
+            <a:avLst/>
+          </a:prstGeom>
+          <a:solidFill>
+            <a:srgbClr val="FFFF00"/>
+          </a:solidFill>
+          <a:ln>
+            <a:solidFill>
+              <a:srgbClr val="FFFF00"/>
+            </a:solidFill>
+          </a:ln>
+        </p:spPr>
+        <p:style>
+          <a:lnRef idx="2">
+            <a:schemeClr val="accent1">
+              <a:shade val="50000"/>
+            </a:schemeClr>
+          </a:lnRef>
+          <a:fillRef idx="1">
+            <a:schemeClr val="accent1"/>
+          </a:fillRef>
+          <a:effectRef idx="0">
+            <a:schemeClr val="accent1"/>
+          </a:effectRef>
+          <a:fontRef idx="minor">
+            <a:schemeClr val="lt1"/>
+          </a:fontRef>
+        </p:style>
+        <p:txBody>
+          <a:bodyPr rtlCol="0" anchor="ctr"/>
+          <a:lstStyle/>
+          <a:p>
+            <a:pPr algn="ctr"/>
+            <a:endParaRPr lang="it-IT"/>
+          </a:p>
+        </p:txBody>
+      </p:sp>
+      <p:sp>
+        <p:nvSpPr>
+          <p:cNvPr id="23" name="Ovale 22">
+            <a:extLst>
+              <a:ext uri="{FF2B5EF4-FFF2-40B4-BE49-F238E27FC236}">
+                <a16:creationId xmlns:a16="http://schemas.microsoft.com/office/drawing/2014/main" id="{35A7FE79-2AB5-4791-941C-ABCA90AF942A}"/>
+              </a:ext>
+            </a:extLst>
+          </p:cNvPr>
+          <p:cNvSpPr/>
+          <p:nvPr/>
+        </p:nvSpPr>
+        <p:spPr>
+          <a:xfrm>
+            <a:off x="4525406" y="3769020"/>
+            <a:ext cx="396000" cy="396000"/>
+          </a:xfrm>
+          <a:prstGeom prst="ellipse">
+            <a:avLst/>
+          </a:prstGeom>
+          <a:solidFill>
+            <a:srgbClr val="FFFF00"/>
+          </a:solidFill>
+          <a:ln>
+            <a:solidFill>
+              <a:srgbClr val="FFFF00"/>
+            </a:solidFill>
+          </a:ln>
+        </p:spPr>
+        <p:style>
+          <a:lnRef idx="2">
+            <a:schemeClr val="accent1">
+              <a:shade val="50000"/>
+            </a:schemeClr>
+          </a:lnRef>
+          <a:fillRef idx="1">
+            <a:schemeClr val="accent1"/>
+          </a:fillRef>
+          <a:effectRef idx="0">
+            <a:schemeClr val="accent1"/>
+          </a:effectRef>
+          <a:fontRef idx="minor">
+            <a:schemeClr val="lt1"/>
+          </a:fontRef>
+        </p:style>
+        <p:txBody>
+          <a:bodyPr rtlCol="0" anchor="ctr"/>
+          <a:lstStyle/>
+          <a:p>
+            <a:pPr algn="ctr"/>
+            <a:endParaRPr lang="it-IT"/>
+          </a:p>
+        </p:txBody>
+      </p:sp>
+      <p:sp>
+        <p:nvSpPr>
+          <p:cNvPr id="24" name="Ovale 23">
+            <a:extLst>
+              <a:ext uri="{FF2B5EF4-FFF2-40B4-BE49-F238E27FC236}">
+                <a16:creationId xmlns:a16="http://schemas.microsoft.com/office/drawing/2014/main" id="{AEAFC571-DF19-4AF4-8C93-BBD82CC0AB87}"/>
+              </a:ext>
+            </a:extLst>
+          </p:cNvPr>
+          <p:cNvSpPr/>
+          <p:nvPr/>
+        </p:nvSpPr>
+        <p:spPr>
+          <a:xfrm>
+            <a:off x="5404438" y="2013340"/>
+            <a:ext cx="396000" cy="396000"/>
+          </a:xfrm>
+          <a:prstGeom prst="ellipse">
+            <a:avLst/>
+          </a:prstGeom>
+          <a:solidFill>
+            <a:srgbClr val="FFFF00"/>
+          </a:solidFill>
+          <a:ln>
+            <a:solidFill>
+              <a:srgbClr val="FFFF00"/>
+            </a:solidFill>
+          </a:ln>
+        </p:spPr>
+        <p:style>
+          <a:lnRef idx="2">
+            <a:schemeClr val="accent1">
+              <a:shade val="50000"/>
+            </a:schemeClr>
+          </a:lnRef>
+          <a:fillRef idx="1">
+            <a:schemeClr val="accent1"/>
+          </a:fillRef>
+          <a:effectRef idx="0">
+            <a:schemeClr val="accent1"/>
+          </a:effectRef>
+          <a:fontRef idx="minor">
+            <a:schemeClr val="lt1"/>
+          </a:fontRef>
+        </p:style>
+        <p:txBody>
+          <a:bodyPr rtlCol="0" anchor="ctr"/>
+          <a:lstStyle/>
+          <a:p>
+            <a:pPr algn="ctr"/>
+            <a:endParaRPr lang="it-IT"/>
+          </a:p>
+        </p:txBody>
+      </p:sp>
+      <p:sp>
+        <p:nvSpPr>
+          <p:cNvPr id="25" name="Ovale 24">
+            <a:extLst>
+              <a:ext uri="{FF2B5EF4-FFF2-40B4-BE49-F238E27FC236}">
+                <a16:creationId xmlns:a16="http://schemas.microsoft.com/office/drawing/2014/main" id="{C463EC09-B254-4F74-BB7D-B265B7016151}"/>
+              </a:ext>
+            </a:extLst>
+          </p:cNvPr>
+          <p:cNvSpPr/>
+          <p:nvPr/>
+        </p:nvSpPr>
+        <p:spPr>
+          <a:xfrm>
+            <a:off x="7458651" y="1329875"/>
+            <a:ext cx="396000" cy="396000"/>
+          </a:xfrm>
+          <a:prstGeom prst="ellipse">
+            <a:avLst/>
+          </a:prstGeom>
+          <a:solidFill>
+            <a:srgbClr val="FFFF00"/>
+          </a:solidFill>
+          <a:ln>
+            <a:solidFill>
+              <a:srgbClr val="FFFF00"/>
+            </a:solidFill>
+          </a:ln>
+        </p:spPr>
+        <p:style>
+          <a:lnRef idx="2">
+            <a:schemeClr val="accent1">
+              <a:shade val="50000"/>
+            </a:schemeClr>
+          </a:lnRef>
+          <a:fillRef idx="1">
+            <a:schemeClr val="accent1"/>
+          </a:fillRef>
+          <a:effectRef idx="0">
+            <a:schemeClr val="accent1"/>
+          </a:effectRef>
+          <a:fontRef idx="minor">
+            <a:schemeClr val="lt1"/>
+          </a:fontRef>
+        </p:style>
+        <p:txBody>
+          <a:bodyPr rtlCol="0" anchor="ctr"/>
+          <a:lstStyle/>
+          <a:p>
+            <a:pPr algn="ctr"/>
+            <a:endParaRPr lang="it-IT"/>
+          </a:p>
+        </p:txBody>
+      </p:sp>
+      <p:sp>
+        <p:nvSpPr>
+          <p:cNvPr id="26" name="Ovale 25">
+            <a:extLst>
+              <a:ext uri="{FF2B5EF4-FFF2-40B4-BE49-F238E27FC236}">
+                <a16:creationId xmlns:a16="http://schemas.microsoft.com/office/drawing/2014/main" id="{BB309DAA-FDEA-4D35-B826-17A27DCDB2F9}"/>
+              </a:ext>
+            </a:extLst>
+          </p:cNvPr>
+          <p:cNvSpPr/>
+          <p:nvPr/>
+        </p:nvSpPr>
+        <p:spPr>
+          <a:xfrm>
+            <a:off x="6627896" y="5483573"/>
+            <a:ext cx="396000" cy="396000"/>
+          </a:xfrm>
+          <a:prstGeom prst="ellipse">
+            <a:avLst/>
+          </a:prstGeom>
+          <a:solidFill>
+            <a:srgbClr val="FFFF00"/>
+          </a:solidFill>
+          <a:ln>
+            <a:solidFill>
+              <a:srgbClr val="FFFF00"/>
+            </a:solidFill>
+          </a:ln>
+        </p:spPr>
+        <p:style>
+          <a:lnRef idx="2">
+            <a:schemeClr val="accent1">
+              <a:shade val="50000"/>
+            </a:schemeClr>
+          </a:lnRef>
+          <a:fillRef idx="1">
+            <a:schemeClr val="accent1"/>
+          </a:fillRef>
+          <a:effectRef idx="0">
+            <a:schemeClr val="accent1"/>
+          </a:effectRef>
+          <a:fontRef idx="minor">
+            <a:schemeClr val="lt1"/>
+          </a:fontRef>
+        </p:style>
+        <p:txBody>
+          <a:bodyPr rtlCol="0" anchor="ctr"/>
+          <a:lstStyle/>
+          <a:p>
+            <a:pPr algn="ctr"/>
+            <a:endParaRPr lang="it-IT"/>
+          </a:p>
+        </p:txBody>
+      </p:sp>
+      <p:sp>
+        <p:nvSpPr>
+          <p:cNvPr id="27" name="Ovale 26">
+            <a:extLst>
+              <a:ext uri="{FF2B5EF4-FFF2-40B4-BE49-F238E27FC236}">
+                <a16:creationId xmlns:a16="http://schemas.microsoft.com/office/drawing/2014/main" id="{8A56176D-F181-4942-A5F1-F071FCDD3773}"/>
+              </a:ext>
+            </a:extLst>
+          </p:cNvPr>
+          <p:cNvSpPr/>
+          <p:nvPr/>
+        </p:nvSpPr>
+        <p:spPr>
+          <a:xfrm>
+            <a:off x="7207521" y="1705411"/>
+            <a:ext cx="396000" cy="396000"/>
+          </a:xfrm>
+          <a:prstGeom prst="ellipse">
+            <a:avLst/>
+          </a:prstGeom>
+          <a:solidFill>
+            <a:srgbClr val="FFFF00"/>
+          </a:solidFill>
+          <a:ln>
+            <a:solidFill>
+              <a:srgbClr val="FFFF00"/>
+            </a:solidFill>
+          </a:ln>
+        </p:spPr>
+        <p:style>
+          <a:lnRef idx="2">
+            <a:schemeClr val="accent1">
+              <a:shade val="50000"/>
+            </a:schemeClr>
+          </a:lnRef>
+          <a:fillRef idx="1">
+            <a:schemeClr val="accent1"/>
+          </a:fillRef>
+          <a:effectRef idx="0">
+            <a:schemeClr val="accent1"/>
+          </a:effectRef>
+          <a:fontRef idx="minor">
+            <a:schemeClr val="lt1"/>
+          </a:fontRef>
+        </p:style>
+        <p:txBody>
+          <a:bodyPr rtlCol="0" anchor="ctr"/>
+          <a:lstStyle/>
+          <a:p>
+            <a:pPr algn="ctr"/>
+            <a:endParaRPr lang="it-IT"/>
+          </a:p>
+        </p:txBody>
+      </p:sp>
+      <p:sp>
+        <p:nvSpPr>
+          <p:cNvPr id="28" name="Ovale 27">
+            <a:extLst>
+              <a:ext uri="{FF2B5EF4-FFF2-40B4-BE49-F238E27FC236}">
+                <a16:creationId xmlns:a16="http://schemas.microsoft.com/office/drawing/2014/main" id="{3437160E-80C0-465B-AA64-30EF9D3E0471}"/>
+              </a:ext>
+            </a:extLst>
+          </p:cNvPr>
+          <p:cNvSpPr/>
+          <p:nvPr/>
+        </p:nvSpPr>
+        <p:spPr>
+          <a:xfrm>
+            <a:off x="3651621" y="4165020"/>
+            <a:ext cx="396000" cy="396000"/>
+          </a:xfrm>
+          <a:prstGeom prst="ellipse">
+            <a:avLst/>
+          </a:prstGeom>
+          <a:solidFill>
+            <a:srgbClr val="FFFF00"/>
+          </a:solidFill>
+          <a:ln>
+            <a:solidFill>
+              <a:srgbClr val="FFFF00"/>
+            </a:solidFill>
+          </a:ln>
+        </p:spPr>
+        <p:style>
+          <a:lnRef idx="2">
+            <a:schemeClr val="accent1">
+              <a:shade val="50000"/>
+            </a:schemeClr>
+          </a:lnRef>
+          <a:fillRef idx="1">
+            <a:schemeClr val="accent1"/>
+          </a:fillRef>
+          <a:effectRef idx="0">
+            <a:schemeClr val="accent1"/>
+          </a:effectRef>
+          <a:fontRef idx="minor">
+            <a:schemeClr val="lt1"/>
+          </a:fontRef>
+        </p:style>
+        <p:txBody>
+          <a:bodyPr rtlCol="0" anchor="ctr"/>
+          <a:lstStyle/>
+          <a:p>
+            <a:pPr algn="ctr"/>
+            <a:endParaRPr lang="it-IT"/>
+          </a:p>
+        </p:txBody>
+      </p:sp>
+      <p:sp>
+        <p:nvSpPr>
+          <p:cNvPr id="29" name="Ovale 28">
+            <a:extLst>
+              <a:ext uri="{FF2B5EF4-FFF2-40B4-BE49-F238E27FC236}">
+                <a16:creationId xmlns:a16="http://schemas.microsoft.com/office/drawing/2014/main" id="{30DB3986-4BFE-459A-917B-A72705E823BE}"/>
+              </a:ext>
+            </a:extLst>
+          </p:cNvPr>
+          <p:cNvSpPr/>
+          <p:nvPr/>
+        </p:nvSpPr>
+        <p:spPr>
+          <a:xfrm>
+            <a:off x="4266178" y="2894912"/>
+            <a:ext cx="396000" cy="396000"/>
+          </a:xfrm>
+          <a:prstGeom prst="ellipse">
+            <a:avLst/>
+          </a:prstGeom>
+          <a:solidFill>
+            <a:srgbClr val="FFFF00"/>
+          </a:solidFill>
+          <a:ln>
+            <a:solidFill>
+              <a:srgbClr val="FFFF00"/>
+            </a:solidFill>
+          </a:ln>
+        </p:spPr>
+        <p:style>
+          <a:lnRef idx="2">
+            <a:schemeClr val="accent1">
+              <a:shade val="50000"/>
+            </a:schemeClr>
+          </a:lnRef>
+          <a:fillRef idx="1">
+            <a:schemeClr val="accent1"/>
+          </a:fillRef>
+          <a:effectRef idx="0">
+            <a:schemeClr val="accent1"/>
+          </a:effectRef>
+          <a:fontRef idx="minor">
+            <a:schemeClr val="lt1"/>
+          </a:fontRef>
+        </p:style>
+        <p:txBody>
+          <a:bodyPr rtlCol="0" anchor="ctr"/>
+          <a:lstStyle/>
+          <a:p>
+            <a:pPr algn="ctr"/>
+            <a:endParaRPr lang="it-IT"/>
+          </a:p>
+        </p:txBody>
+      </p:sp>
+      <p:sp>
+        <p:nvSpPr>
+          <p:cNvPr id="30" name="Ovale 29">
+            <a:extLst>
+              <a:ext uri="{FF2B5EF4-FFF2-40B4-BE49-F238E27FC236}">
+                <a16:creationId xmlns:a16="http://schemas.microsoft.com/office/drawing/2014/main" id="{36899ACA-0BA5-4E31-A7C3-8C1501BBB497}"/>
+              </a:ext>
+            </a:extLst>
+          </p:cNvPr>
+          <p:cNvSpPr/>
+          <p:nvPr/>
+        </p:nvSpPr>
+        <p:spPr>
+          <a:xfrm>
+            <a:off x="3738349" y="920539"/>
+            <a:ext cx="396000" cy="396000"/>
+          </a:xfrm>
+          <a:prstGeom prst="ellipse">
+            <a:avLst/>
+          </a:prstGeom>
+          <a:solidFill>
+            <a:srgbClr val="FFFF00"/>
+          </a:solidFill>
+          <a:ln>
+            <a:solidFill>
+              <a:srgbClr val="FFFF00"/>
+            </a:solidFill>
+          </a:ln>
+        </p:spPr>
+        <p:style>
+          <a:lnRef idx="2">
+            <a:schemeClr val="accent1">
+              <a:shade val="50000"/>
+            </a:schemeClr>
+          </a:lnRef>
+          <a:fillRef idx="1">
+            <a:schemeClr val="accent1"/>
+          </a:fillRef>
+          <a:effectRef idx="0">
+            <a:schemeClr val="accent1"/>
+          </a:effectRef>
+          <a:fontRef idx="minor">
+            <a:schemeClr val="lt1"/>
+          </a:fontRef>
+        </p:style>
+        <p:txBody>
+          <a:bodyPr rtlCol="0" anchor="ctr"/>
+          <a:lstStyle/>
+          <a:p>
+            <a:pPr algn="ctr"/>
+            <a:endParaRPr lang="it-IT"/>
+          </a:p>
+        </p:txBody>
+      </p:sp>
+      <p:sp>
+        <p:nvSpPr>
+          <p:cNvPr id="31" name="Ovale 30">
+            <a:extLst>
+              <a:ext uri="{FF2B5EF4-FFF2-40B4-BE49-F238E27FC236}">
+                <a16:creationId xmlns:a16="http://schemas.microsoft.com/office/drawing/2014/main" id="{C0B402F2-0AE0-4AA6-B282-7F9C2B9CE735}"/>
+              </a:ext>
+            </a:extLst>
+          </p:cNvPr>
+          <p:cNvSpPr/>
+          <p:nvPr/>
+        </p:nvSpPr>
+        <p:spPr>
+          <a:xfrm>
+            <a:off x="4972808" y="4651129"/>
+            <a:ext cx="396000" cy="396000"/>
+          </a:xfrm>
+          <a:prstGeom prst="ellipse">
+            <a:avLst/>
+          </a:prstGeom>
+          <a:solidFill>
+            <a:srgbClr val="FFFF00"/>
+          </a:solidFill>
+          <a:ln>
+            <a:solidFill>
+              <a:srgbClr val="FFFF00"/>
+            </a:solidFill>
+          </a:ln>
+        </p:spPr>
+        <p:style>
+          <a:lnRef idx="2">
+            <a:schemeClr val="accent1">
+              <a:shade val="50000"/>
+            </a:schemeClr>
+          </a:lnRef>
+          <a:fillRef idx="1">
+            <a:schemeClr val="accent1"/>
+          </a:fillRef>
+          <a:effectRef idx="0">
+            <a:schemeClr val="accent1"/>
+          </a:effectRef>
+          <a:fontRef idx="minor">
+            <a:schemeClr val="lt1"/>
+          </a:fontRef>
+        </p:style>
+        <p:txBody>
+          <a:bodyPr rtlCol="0" anchor="ctr"/>
+          <a:lstStyle/>
+          <a:p>
+            <a:pPr algn="ctr"/>
+            <a:endParaRPr lang="it-IT"/>
+          </a:p>
+        </p:txBody>
+      </p:sp>
+      <p:sp>
+        <p:nvSpPr>
+          <p:cNvPr id="32" name="Ovale 31">
+            <a:extLst>
+              <a:ext uri="{FF2B5EF4-FFF2-40B4-BE49-F238E27FC236}">
+                <a16:creationId xmlns:a16="http://schemas.microsoft.com/office/drawing/2014/main" id="{A447E310-40AF-4C7B-87F7-7CC2702D9E57}"/>
+              </a:ext>
+            </a:extLst>
+          </p:cNvPr>
+          <p:cNvSpPr/>
+          <p:nvPr/>
+        </p:nvSpPr>
+        <p:spPr>
+          <a:xfrm>
+            <a:off x="3430732" y="3260688"/>
+            <a:ext cx="396000" cy="396000"/>
+          </a:xfrm>
+          <a:prstGeom prst="ellipse">
+            <a:avLst/>
+          </a:prstGeom>
+          <a:solidFill>
+            <a:srgbClr val="FFFF00"/>
+          </a:solidFill>
+          <a:ln>
+            <a:solidFill>
+              <a:srgbClr val="FFFF00"/>
+            </a:solidFill>
+          </a:ln>
+        </p:spPr>
+        <p:style>
+          <a:lnRef idx="2">
+            <a:schemeClr val="accent1">
+              <a:shade val="50000"/>
+            </a:schemeClr>
+          </a:lnRef>
+          <a:fillRef idx="1">
+            <a:schemeClr val="accent1"/>
+          </a:fillRef>
+          <a:effectRef idx="0">
+            <a:schemeClr val="accent1"/>
+          </a:effectRef>
+          <a:fontRef idx="minor">
+            <a:schemeClr val="lt1"/>
+          </a:fontRef>
+        </p:style>
+        <p:txBody>
+          <a:bodyPr rtlCol="0" anchor="ctr"/>
+          <a:lstStyle/>
+          <a:p>
+            <a:pPr algn="ctr"/>
+            <a:endParaRPr lang="it-IT"/>
+          </a:p>
+        </p:txBody>
+      </p:sp>
+      <p:sp>
+        <p:nvSpPr>
+          <p:cNvPr id="33" name="Ovale 32">
+            <a:extLst>
+              <a:ext uri="{FF2B5EF4-FFF2-40B4-BE49-F238E27FC236}">
+                <a16:creationId xmlns:a16="http://schemas.microsoft.com/office/drawing/2014/main" id="{4EEA5197-AB4A-4438-9FF4-602FF9197FE7}"/>
+              </a:ext>
+            </a:extLst>
+          </p:cNvPr>
+          <p:cNvSpPr/>
+          <p:nvPr/>
+        </p:nvSpPr>
+        <p:spPr>
+          <a:xfrm>
+            <a:off x="6766431" y="607267"/>
+            <a:ext cx="396000" cy="396000"/>
+          </a:xfrm>
+          <a:prstGeom prst="ellipse">
+            <a:avLst/>
+          </a:prstGeom>
+          <a:solidFill>
+            <a:srgbClr val="FFFF00"/>
+          </a:solidFill>
+          <a:ln>
+            <a:solidFill>
+              <a:srgbClr val="FFFF00"/>
+            </a:solidFill>
+          </a:ln>
+        </p:spPr>
+        <p:style>
+          <a:lnRef idx="2">
+            <a:schemeClr val="accent1">
+              <a:shade val="50000"/>
+            </a:schemeClr>
+          </a:lnRef>
+          <a:fillRef idx="1">
+            <a:schemeClr val="accent1"/>
+          </a:fillRef>
+          <a:effectRef idx="0">
+            <a:schemeClr val="accent1"/>
+          </a:effectRef>
+          <a:fontRef idx="minor">
+            <a:schemeClr val="lt1"/>
+          </a:fontRef>
+        </p:style>
+        <p:txBody>
+          <a:bodyPr rtlCol="0" anchor="ctr"/>
+          <a:lstStyle/>
+          <a:p>
+            <a:pPr algn="ctr"/>
+            <a:endParaRPr lang="it-IT"/>
+          </a:p>
+        </p:txBody>
+      </p:sp>
+      <p:sp>
+        <p:nvSpPr>
+          <p:cNvPr id="34" name="Ovale 33">
+            <a:extLst>
+              <a:ext uri="{FF2B5EF4-FFF2-40B4-BE49-F238E27FC236}">
+                <a16:creationId xmlns:a16="http://schemas.microsoft.com/office/drawing/2014/main" id="{6A20B371-E74A-41B1-826C-C1B72374823A}"/>
+              </a:ext>
+            </a:extLst>
+          </p:cNvPr>
+          <p:cNvSpPr/>
+          <p:nvPr/>
+        </p:nvSpPr>
+        <p:spPr>
+          <a:xfrm>
+            <a:off x="6018748" y="949921"/>
+            <a:ext cx="396000" cy="396000"/>
+          </a:xfrm>
+          <a:prstGeom prst="ellipse">
+            <a:avLst/>
+          </a:prstGeom>
+          <a:solidFill>
+            <a:srgbClr val="FFFF00"/>
+          </a:solidFill>
+          <a:ln>
+            <a:solidFill>
+              <a:srgbClr val="FFFF00"/>
+            </a:solidFill>
+          </a:ln>
+        </p:spPr>
+        <p:style>
+          <a:lnRef idx="2">
+            <a:schemeClr val="accent1">
+              <a:shade val="50000"/>
+            </a:schemeClr>
+          </a:lnRef>
+          <a:fillRef idx="1">
+            <a:schemeClr val="accent1"/>
+          </a:fillRef>
+          <a:effectRef idx="0">
+            <a:schemeClr val="accent1"/>
+          </a:effectRef>
+          <a:fontRef idx="minor">
+            <a:schemeClr val="lt1"/>
+          </a:fontRef>
+        </p:style>
+        <p:txBody>
+          <a:bodyPr rtlCol="0" anchor="ctr"/>
+          <a:lstStyle/>
+          <a:p>
+            <a:pPr algn="ctr"/>
+            <a:endParaRPr lang="it-IT"/>
+          </a:p>
+        </p:txBody>
+      </p:sp>
+      <p:sp>
+        <p:nvSpPr>
+          <p:cNvPr id="35" name="Ovale 34">
+            <a:extLst>
+              <a:ext uri="{FF2B5EF4-FFF2-40B4-BE49-F238E27FC236}">
+                <a16:creationId xmlns:a16="http://schemas.microsoft.com/office/drawing/2014/main" id="{DF6C801A-8A64-4506-B3AF-F4D7BD4C33B2}"/>
+              </a:ext>
+            </a:extLst>
+          </p:cNvPr>
+          <p:cNvSpPr/>
+          <p:nvPr/>
+        </p:nvSpPr>
+        <p:spPr>
+          <a:xfrm>
+            <a:off x="6446783" y="1105812"/>
+            <a:ext cx="396000" cy="396000"/>
+          </a:xfrm>
+          <a:prstGeom prst="ellipse">
+            <a:avLst/>
+          </a:prstGeom>
+          <a:solidFill>
+            <a:srgbClr val="FFFF00"/>
+          </a:solidFill>
+          <a:ln>
+            <a:solidFill>
+              <a:srgbClr val="FFFF00"/>
+            </a:solidFill>
+          </a:ln>
+        </p:spPr>
+        <p:style>
+          <a:lnRef idx="2">
+            <a:schemeClr val="accent1">
+              <a:shade val="50000"/>
+            </a:schemeClr>
+          </a:lnRef>
+          <a:fillRef idx="1">
+            <a:schemeClr val="accent1"/>
+          </a:fillRef>
+          <a:effectRef idx="0">
+            <a:schemeClr val="accent1"/>
+          </a:effectRef>
+          <a:fontRef idx="minor">
+            <a:schemeClr val="lt1"/>
+          </a:fontRef>
+        </p:style>
+        <p:txBody>
+          <a:bodyPr rtlCol="0" anchor="ctr"/>
+          <a:lstStyle/>
+          <a:p>
+            <a:pPr algn="ctr"/>
+            <a:endParaRPr lang="it-IT"/>
+          </a:p>
+        </p:txBody>
+      </p:sp>
+      <p:sp>
+        <p:nvSpPr>
+          <p:cNvPr id="36" name="Ovale 35">
+            <a:extLst>
+              <a:ext uri="{FF2B5EF4-FFF2-40B4-BE49-F238E27FC236}">
+                <a16:creationId xmlns:a16="http://schemas.microsoft.com/office/drawing/2014/main" id="{E149805F-D82A-43AA-8788-5418DCFAF136}"/>
+              </a:ext>
+            </a:extLst>
+          </p:cNvPr>
+          <p:cNvSpPr/>
+          <p:nvPr/>
+        </p:nvSpPr>
+        <p:spPr>
+          <a:xfrm>
+            <a:off x="5893821" y="4370227"/>
+            <a:ext cx="396000" cy="396000"/>
+          </a:xfrm>
+          <a:prstGeom prst="ellipse">
+            <a:avLst/>
+          </a:prstGeom>
+          <a:solidFill>
+            <a:srgbClr val="FFFF00"/>
+          </a:solidFill>
+          <a:ln>
+            <a:solidFill>
+              <a:srgbClr val="FFFF00"/>
+            </a:solidFill>
+          </a:ln>
+        </p:spPr>
+        <p:style>
+          <a:lnRef idx="2">
+            <a:schemeClr val="accent1">
+              <a:shade val="50000"/>
+            </a:schemeClr>
+          </a:lnRef>
+          <a:fillRef idx="1">
+            <a:schemeClr val="accent1"/>
+          </a:fillRef>
+          <a:effectRef idx="0">
+            <a:schemeClr val="accent1"/>
+          </a:effectRef>
+          <a:fontRef idx="minor">
+            <a:schemeClr val="lt1"/>
+          </a:fontRef>
+        </p:style>
+        <p:txBody>
+          <a:bodyPr rtlCol="0" anchor="ctr"/>
+          <a:lstStyle/>
+          <a:p>
+            <a:pPr algn="ctr"/>
+            <a:endParaRPr lang="it-IT"/>
+          </a:p>
+        </p:txBody>
+      </p:sp>
+      <p:sp>
+        <p:nvSpPr>
+          <p:cNvPr id="37" name="Ovale 36">
+            <a:extLst>
+              <a:ext uri="{FF2B5EF4-FFF2-40B4-BE49-F238E27FC236}">
+                <a16:creationId xmlns:a16="http://schemas.microsoft.com/office/drawing/2014/main" id="{B4B8E039-964F-427E-A555-1EF4F0F93259}"/>
+              </a:ext>
+            </a:extLst>
+          </p:cNvPr>
+          <p:cNvSpPr/>
+          <p:nvPr/>
+        </p:nvSpPr>
+        <p:spPr>
+          <a:xfrm>
+            <a:off x="5220256" y="4150315"/>
+            <a:ext cx="396000" cy="396000"/>
+          </a:xfrm>
+          <a:prstGeom prst="ellipse">
+            <a:avLst/>
+          </a:prstGeom>
+          <a:solidFill>
+            <a:srgbClr val="FFFF00"/>
+          </a:solidFill>
+          <a:ln>
+            <a:solidFill>
+              <a:srgbClr val="FFFF00"/>
+            </a:solidFill>
+          </a:ln>
+        </p:spPr>
+        <p:style>
+          <a:lnRef idx="2">
+            <a:schemeClr val="accent1">
+              <a:shade val="50000"/>
+            </a:schemeClr>
+          </a:lnRef>
+          <a:fillRef idx="1">
+            <a:schemeClr val="accent1"/>
+          </a:fillRef>
+          <a:effectRef idx="0">
+            <a:schemeClr val="accent1"/>
+          </a:effectRef>
+          <a:fontRef idx="minor">
+            <a:schemeClr val="lt1"/>
+          </a:fontRef>
+        </p:style>
+        <p:txBody>
+          <a:bodyPr rtlCol="0" anchor="ctr"/>
+          <a:lstStyle/>
+          <a:p>
+            <a:pPr algn="ctr"/>
+            <a:endParaRPr lang="it-IT"/>
+          </a:p>
+        </p:txBody>
+      </p:sp>
+      <p:sp>
+        <p:nvSpPr>
+          <p:cNvPr id="38" name="Ovale 37">
+            <a:extLst>
+              <a:ext uri="{FF2B5EF4-FFF2-40B4-BE49-F238E27FC236}">
+                <a16:creationId xmlns:a16="http://schemas.microsoft.com/office/drawing/2014/main" id="{83FD83E4-AD39-479F-913A-DE96B6597CE4}"/>
+              </a:ext>
+            </a:extLst>
+          </p:cNvPr>
+          <p:cNvSpPr/>
+          <p:nvPr/>
+        </p:nvSpPr>
+        <p:spPr>
+          <a:xfrm>
+            <a:off x="4909697" y="2315590"/>
+            <a:ext cx="396000" cy="396000"/>
+          </a:xfrm>
+          <a:prstGeom prst="ellipse">
+            <a:avLst/>
+          </a:prstGeom>
+          <a:solidFill>
+            <a:srgbClr val="FFFF00"/>
+          </a:solidFill>
+          <a:ln>
+            <a:solidFill>
+              <a:srgbClr val="FFFF00"/>
+            </a:solidFill>
+          </a:ln>
+        </p:spPr>
+        <p:style>
+          <a:lnRef idx="2">
+            <a:schemeClr val="accent1">
+              <a:shade val="50000"/>
+            </a:schemeClr>
+          </a:lnRef>
+          <a:fillRef idx="1">
+            <a:schemeClr val="accent1"/>
+          </a:fillRef>
+          <a:effectRef idx="0">
+            <a:schemeClr val="accent1"/>
+          </a:effectRef>
+          <a:fontRef idx="minor">
+            <a:schemeClr val="lt1"/>
+          </a:fontRef>
+        </p:style>
+        <p:txBody>
+          <a:bodyPr rtlCol="0" anchor="ctr"/>
+          <a:lstStyle/>
+          <a:p>
+            <a:pPr algn="ctr"/>
+            <a:endParaRPr lang="it-IT"/>
+          </a:p>
+        </p:txBody>
+      </p:sp>
+      <p:sp>
+        <p:nvSpPr>
+          <p:cNvPr id="39" name="Ovale 38">
+            <a:extLst>
+              <a:ext uri="{FF2B5EF4-FFF2-40B4-BE49-F238E27FC236}">
+                <a16:creationId xmlns:a16="http://schemas.microsoft.com/office/drawing/2014/main" id="{3FFCBD25-0154-42B7-9EFA-756DB8A8B3BB}"/>
+              </a:ext>
+            </a:extLst>
+          </p:cNvPr>
+          <p:cNvSpPr/>
+          <p:nvPr/>
+        </p:nvSpPr>
+        <p:spPr>
+          <a:xfrm>
+            <a:off x="5013831" y="3706784"/>
+            <a:ext cx="396000" cy="396000"/>
+          </a:xfrm>
+          <a:prstGeom prst="ellipse">
+            <a:avLst/>
+          </a:prstGeom>
+          <a:solidFill>
+            <a:srgbClr val="FFFF00"/>
+          </a:solidFill>
+          <a:ln>
+            <a:solidFill>
+              <a:srgbClr val="FFFF00"/>
+            </a:solidFill>
+          </a:ln>
+        </p:spPr>
+        <p:style>
+          <a:lnRef idx="2">
+            <a:schemeClr val="accent1">
+              <a:shade val="50000"/>
+            </a:schemeClr>
+          </a:lnRef>
+          <a:fillRef idx="1">
+            <a:schemeClr val="accent1"/>
+          </a:fillRef>
+          <a:effectRef idx="0">
+            <a:schemeClr val="accent1"/>
+          </a:effectRef>
+          <a:fontRef idx="minor">
+            <a:schemeClr val="lt1"/>
+          </a:fontRef>
+        </p:style>
+        <p:txBody>
+          <a:bodyPr rtlCol="0" anchor="ctr"/>
+          <a:lstStyle/>
+          <a:p>
+            <a:pPr algn="ctr"/>
+            <a:endParaRPr lang="it-IT"/>
+          </a:p>
+        </p:txBody>
+      </p:sp>
+      <p:sp>
+        <p:nvSpPr>
+          <p:cNvPr id="40" name="Ovale 39">
+            <a:extLst>
+              <a:ext uri="{FF2B5EF4-FFF2-40B4-BE49-F238E27FC236}">
+                <a16:creationId xmlns:a16="http://schemas.microsoft.com/office/drawing/2014/main" id="{4BDC7587-9FA3-4F1B-ADE1-C02B0B15B453}"/>
+              </a:ext>
+            </a:extLst>
+          </p:cNvPr>
+          <p:cNvSpPr/>
+          <p:nvPr/>
+        </p:nvSpPr>
+        <p:spPr>
+          <a:xfrm>
+            <a:off x="5945963" y="1423725"/>
+            <a:ext cx="396000" cy="396000"/>
+          </a:xfrm>
+          <a:prstGeom prst="ellipse">
+            <a:avLst/>
+          </a:prstGeom>
+          <a:solidFill>
+            <a:srgbClr val="FFFF00"/>
+          </a:solidFill>
+          <a:ln>
+            <a:solidFill>
+              <a:srgbClr val="FFFF00"/>
+            </a:solidFill>
+          </a:ln>
+        </p:spPr>
+        <p:style>
+          <a:lnRef idx="2">
+            <a:schemeClr val="accent1">
+              <a:shade val="50000"/>
+            </a:schemeClr>
+          </a:lnRef>
+          <a:fillRef idx="1">
+            <a:schemeClr val="accent1"/>
+          </a:fillRef>
+          <a:effectRef idx="0">
+            <a:schemeClr val="accent1"/>
+          </a:effectRef>
+          <a:fontRef idx="minor">
+            <a:schemeClr val="lt1"/>
+          </a:fontRef>
+        </p:style>
+        <p:txBody>
+          <a:bodyPr rtlCol="0" anchor="ctr"/>
+          <a:lstStyle/>
+          <a:p>
+            <a:pPr algn="ctr"/>
+            <a:endParaRPr lang="it-IT"/>
+          </a:p>
+        </p:txBody>
+      </p:sp>
+      <p:sp>
+        <p:nvSpPr>
+          <p:cNvPr id="41" name="Ovale 40">
+            <a:extLst>
+              <a:ext uri="{FF2B5EF4-FFF2-40B4-BE49-F238E27FC236}">
+                <a16:creationId xmlns:a16="http://schemas.microsoft.com/office/drawing/2014/main" id="{305D65A1-9591-47A3-B728-D76042459D3C}"/>
+              </a:ext>
+            </a:extLst>
+          </p:cNvPr>
+          <p:cNvSpPr/>
+          <p:nvPr/>
+        </p:nvSpPr>
+        <p:spPr>
+          <a:xfrm>
+            <a:off x="6257955" y="2999615"/>
+            <a:ext cx="396000" cy="396000"/>
+          </a:xfrm>
+          <a:prstGeom prst="ellipse">
+            <a:avLst/>
+          </a:prstGeom>
+          <a:solidFill>
+            <a:srgbClr val="FFFF00"/>
+          </a:solidFill>
+          <a:ln>
+            <a:solidFill>
+              <a:srgbClr val="FFFF00"/>
+            </a:solidFill>
+          </a:ln>
+        </p:spPr>
+        <p:style>
+          <a:lnRef idx="2">
+            <a:schemeClr val="accent1">
+              <a:shade val="50000"/>
+            </a:schemeClr>
+          </a:lnRef>
+          <a:fillRef idx="1">
+            <a:schemeClr val="accent1"/>
+          </a:fillRef>
+          <a:effectRef idx="0">
+            <a:schemeClr val="accent1"/>
+          </a:effectRef>
+          <a:fontRef idx="minor">
+            <a:schemeClr val="lt1"/>
+          </a:fontRef>
+        </p:style>
+        <p:txBody>
+          <a:bodyPr rtlCol="0" anchor="ctr"/>
+          <a:lstStyle/>
+          <a:p>
+            <a:pPr algn="ctr"/>
+            <a:endParaRPr lang="it-IT"/>
+          </a:p>
+        </p:txBody>
+      </p:sp>
+      <p:sp>
+        <p:nvSpPr>
+          <p:cNvPr id="42" name="Ovale 41">
+            <a:extLst>
+              <a:ext uri="{FF2B5EF4-FFF2-40B4-BE49-F238E27FC236}">
+                <a16:creationId xmlns:a16="http://schemas.microsoft.com/office/drawing/2014/main" id="{F099DDB5-36F8-4080-B6B6-40F0E1F45F61}"/>
+              </a:ext>
+            </a:extLst>
+          </p:cNvPr>
+          <p:cNvSpPr/>
+          <p:nvPr/>
+        </p:nvSpPr>
+        <p:spPr>
+          <a:xfrm>
+            <a:off x="4738866" y="2811105"/>
+            <a:ext cx="396000" cy="396000"/>
+          </a:xfrm>
+          <a:prstGeom prst="ellipse">
+            <a:avLst/>
+          </a:prstGeom>
+          <a:solidFill>
+            <a:srgbClr val="FFFF00"/>
+          </a:solidFill>
+          <a:ln>
+            <a:solidFill>
+              <a:srgbClr val="FFFF00"/>
+            </a:solidFill>
+          </a:ln>
+        </p:spPr>
+        <p:style>
+          <a:lnRef idx="2">
+            <a:schemeClr val="accent1">
+              <a:shade val="50000"/>
+            </a:schemeClr>
+          </a:lnRef>
+          <a:fillRef idx="1">
+            <a:schemeClr val="accent1"/>
+          </a:fillRef>
+          <a:effectRef idx="0">
+            <a:schemeClr val="accent1"/>
+          </a:effectRef>
+          <a:fontRef idx="minor">
+            <a:schemeClr val="lt1"/>
+          </a:fontRef>
+        </p:style>
+        <p:txBody>
+          <a:bodyPr rtlCol="0" anchor="ctr"/>
+          <a:lstStyle/>
+          <a:p>
+            <a:pPr algn="ctr"/>
+            <a:endParaRPr lang="it-IT"/>
+          </a:p>
+        </p:txBody>
+      </p:sp>
+      <p:sp>
+        <p:nvSpPr>
+          <p:cNvPr id="43" name="Ovale 42">
+            <a:extLst>
+              <a:ext uri="{FF2B5EF4-FFF2-40B4-BE49-F238E27FC236}">
+                <a16:creationId xmlns:a16="http://schemas.microsoft.com/office/drawing/2014/main" id="{FD39DF35-B502-416F-BDF1-E9B1E5467C86}"/>
+              </a:ext>
+            </a:extLst>
+          </p:cNvPr>
+          <p:cNvSpPr/>
+          <p:nvPr/>
+        </p:nvSpPr>
+        <p:spPr>
+          <a:xfrm>
+            <a:off x="4255945" y="2414599"/>
+            <a:ext cx="396000" cy="396000"/>
+          </a:xfrm>
+          <a:prstGeom prst="ellipse">
+            <a:avLst/>
+          </a:prstGeom>
+          <a:solidFill>
+            <a:srgbClr val="FFFF00"/>
+          </a:solidFill>
+          <a:ln>
+            <a:solidFill>
+              <a:srgbClr val="FFFF00"/>
+            </a:solidFill>
+          </a:ln>
+        </p:spPr>
+        <p:style>
+          <a:lnRef idx="2">
+            <a:schemeClr val="accent1">
+              <a:shade val="50000"/>
+            </a:schemeClr>
+          </a:lnRef>
+          <a:fillRef idx="1">
+            <a:schemeClr val="accent1"/>
+          </a:fillRef>
+          <a:effectRef idx="0">
+            <a:schemeClr val="accent1"/>
+          </a:effectRef>
+          <a:fontRef idx="minor">
+            <a:schemeClr val="lt1"/>
+          </a:fontRef>
+        </p:style>
+        <p:txBody>
+          <a:bodyPr rtlCol="0" anchor="ctr"/>
+          <a:lstStyle/>
+          <a:p>
+            <a:pPr algn="ctr"/>
+            <a:endParaRPr lang="it-IT"/>
+          </a:p>
+        </p:txBody>
+      </p:sp>
+      <p:sp>
+        <p:nvSpPr>
+          <p:cNvPr id="44" name="Ovale 43">
+            <a:extLst>
+              <a:ext uri="{FF2B5EF4-FFF2-40B4-BE49-F238E27FC236}">
+                <a16:creationId xmlns:a16="http://schemas.microsoft.com/office/drawing/2014/main" id="{B10E85E7-8535-40BF-81FA-DD19198EF444}"/>
+              </a:ext>
+            </a:extLst>
+          </p:cNvPr>
+          <p:cNvSpPr/>
+          <p:nvPr/>
+        </p:nvSpPr>
+        <p:spPr>
+          <a:xfrm>
+            <a:off x="5475207" y="3636670"/>
+            <a:ext cx="396000" cy="396000"/>
+          </a:xfrm>
+          <a:prstGeom prst="ellipse">
+            <a:avLst/>
+          </a:prstGeom>
+          <a:solidFill>
+            <a:srgbClr val="FFFF00"/>
+          </a:solidFill>
+          <a:ln>
+            <a:solidFill>
+              <a:srgbClr val="FFFF00"/>
+            </a:solidFill>
+          </a:ln>
+        </p:spPr>
+        <p:style>
+          <a:lnRef idx="2">
+            <a:schemeClr val="accent1">
+              <a:shade val="50000"/>
+            </a:schemeClr>
+          </a:lnRef>
+          <a:fillRef idx="1">
+            <a:schemeClr val="accent1"/>
+          </a:fillRef>
+          <a:effectRef idx="0">
+            <a:schemeClr val="accent1"/>
+          </a:effectRef>
+          <a:fontRef idx="minor">
+            <a:schemeClr val="lt1"/>
+          </a:fontRef>
+        </p:style>
+        <p:txBody>
+          <a:bodyPr rtlCol="0" anchor="ctr"/>
+          <a:lstStyle/>
+          <a:p>
+            <a:pPr algn="ctr"/>
+            <a:endParaRPr lang="it-IT"/>
+          </a:p>
+        </p:txBody>
+      </p:sp>
+      <p:sp>
+        <p:nvSpPr>
+          <p:cNvPr id="45" name="Ovale 44">
+            <a:extLst>
+              <a:ext uri="{FF2B5EF4-FFF2-40B4-BE49-F238E27FC236}">
+                <a16:creationId xmlns:a16="http://schemas.microsoft.com/office/drawing/2014/main" id="{65D489C2-C1DD-4C6E-9E7A-6D66167719F3}"/>
+              </a:ext>
+            </a:extLst>
+          </p:cNvPr>
+          <p:cNvSpPr/>
+          <p:nvPr/>
+        </p:nvSpPr>
+        <p:spPr>
+          <a:xfrm>
+            <a:off x="6540813" y="3458052"/>
+            <a:ext cx="396000" cy="396000"/>
+          </a:xfrm>
+          <a:prstGeom prst="ellipse">
+            <a:avLst/>
+          </a:prstGeom>
+          <a:solidFill>
+            <a:srgbClr val="FFFF00"/>
+          </a:solidFill>
+          <a:ln>
+            <a:solidFill>
+              <a:srgbClr val="FFFF00"/>
+            </a:solidFill>
+          </a:ln>
+        </p:spPr>
+        <p:style>
+          <a:lnRef idx="2">
+            <a:schemeClr val="accent1">
+              <a:shade val="50000"/>
+            </a:schemeClr>
+          </a:lnRef>
+          <a:fillRef idx="1">
+            <a:schemeClr val="accent1"/>
+          </a:fillRef>
+          <a:effectRef idx="0">
+            <a:schemeClr val="accent1"/>
+          </a:effectRef>
+          <a:fontRef idx="minor">
+            <a:schemeClr val="lt1"/>
+          </a:fontRef>
+        </p:style>
+        <p:txBody>
+          <a:bodyPr rtlCol="0" anchor="ctr"/>
+          <a:lstStyle/>
+          <a:p>
+            <a:pPr algn="ctr"/>
+            <a:endParaRPr lang="it-IT"/>
+          </a:p>
+        </p:txBody>
+      </p:sp>
+      <p:sp>
+        <p:nvSpPr>
+          <p:cNvPr id="46" name="Ovale 45">
+            <a:extLst>
+              <a:ext uri="{FF2B5EF4-FFF2-40B4-BE49-F238E27FC236}">
+                <a16:creationId xmlns:a16="http://schemas.microsoft.com/office/drawing/2014/main" id="{AFE78F47-F326-4421-9EFA-9E62057D838E}"/>
+              </a:ext>
+            </a:extLst>
+          </p:cNvPr>
+          <p:cNvSpPr/>
+          <p:nvPr/>
+        </p:nvSpPr>
+        <p:spPr>
+          <a:xfrm>
+            <a:off x="5470262" y="4579694"/>
+            <a:ext cx="396000" cy="396000"/>
+          </a:xfrm>
+          <a:prstGeom prst="ellipse">
+            <a:avLst/>
+          </a:prstGeom>
+          <a:solidFill>
+            <a:srgbClr val="FFFF00"/>
+          </a:solidFill>
+          <a:ln>
+            <a:solidFill>
+              <a:srgbClr val="FFFF00"/>
+            </a:solidFill>
+          </a:ln>
+        </p:spPr>
+        <p:style>
+          <a:lnRef idx="2">
+            <a:schemeClr val="accent1">
+              <a:shade val="50000"/>
+            </a:schemeClr>
+          </a:lnRef>
+          <a:fillRef idx="1">
+            <a:schemeClr val="accent1"/>
+          </a:fillRef>
+          <a:effectRef idx="0">
+            <a:schemeClr val="accent1"/>
+          </a:effectRef>
+          <a:fontRef idx="minor">
+            <a:schemeClr val="lt1"/>
+          </a:fontRef>
+        </p:style>
+        <p:txBody>
+          <a:bodyPr rtlCol="0" anchor="ctr"/>
+          <a:lstStyle/>
+          <a:p>
+            <a:pPr algn="ctr"/>
+            <a:endParaRPr lang="it-IT"/>
+          </a:p>
+        </p:txBody>
+      </p:sp>
+      <p:sp>
+        <p:nvSpPr>
+          <p:cNvPr id="47" name="Ovale 46">
+            <a:extLst>
+              <a:ext uri="{FF2B5EF4-FFF2-40B4-BE49-F238E27FC236}">
+                <a16:creationId xmlns:a16="http://schemas.microsoft.com/office/drawing/2014/main" id="{08FB8C82-BAD6-429B-8B28-CD2A3B57CBE3}"/>
+              </a:ext>
+            </a:extLst>
+          </p:cNvPr>
+          <p:cNvSpPr/>
+          <p:nvPr/>
+        </p:nvSpPr>
+        <p:spPr>
+          <a:xfrm>
+            <a:off x="6560960" y="2154808"/>
+            <a:ext cx="396000" cy="396000"/>
+          </a:xfrm>
+          <a:prstGeom prst="ellipse">
+            <a:avLst/>
+          </a:prstGeom>
+          <a:solidFill>
+            <a:srgbClr val="FFFF00"/>
+          </a:solidFill>
+          <a:ln>
+            <a:solidFill>
+              <a:srgbClr val="FFFF00"/>
+            </a:solidFill>
+          </a:ln>
+        </p:spPr>
+        <p:style>
+          <a:lnRef idx="2">
+            <a:schemeClr val="accent1">
+              <a:shade val="50000"/>
+            </a:schemeClr>
+          </a:lnRef>
+          <a:fillRef idx="1">
+            <a:schemeClr val="accent1"/>
+          </a:fillRef>
+          <a:effectRef idx="0">
+            <a:schemeClr val="accent1"/>
+          </a:effectRef>
+          <a:fontRef idx="minor">
+            <a:schemeClr val="lt1"/>
+          </a:fontRef>
+        </p:style>
+        <p:txBody>
+          <a:bodyPr rtlCol="0" anchor="ctr"/>
+          <a:lstStyle/>
+          <a:p>
+            <a:pPr algn="ctr"/>
+            <a:endParaRPr lang="it-IT"/>
+          </a:p>
+        </p:txBody>
+      </p:sp>
+      <p:sp>
+        <p:nvSpPr>
+          <p:cNvPr id="48" name="Ovale 47">
+            <a:extLst>
+              <a:ext uri="{FF2B5EF4-FFF2-40B4-BE49-F238E27FC236}">
+                <a16:creationId xmlns:a16="http://schemas.microsoft.com/office/drawing/2014/main" id="{C8BF5404-E43D-4D66-BA1C-D22BDFC619F7}"/>
+              </a:ext>
+            </a:extLst>
+          </p:cNvPr>
+          <p:cNvSpPr/>
+          <p:nvPr/>
+        </p:nvSpPr>
+        <p:spPr>
+          <a:xfrm>
+            <a:off x="7162924" y="805267"/>
+            <a:ext cx="396000" cy="396000"/>
+          </a:xfrm>
+          <a:prstGeom prst="ellipse">
+            <a:avLst/>
+          </a:prstGeom>
+          <a:solidFill>
+            <a:srgbClr val="FFFF00"/>
+          </a:solidFill>
+          <a:ln>
+            <a:solidFill>
+              <a:srgbClr val="FFFF00"/>
+            </a:solidFill>
+          </a:ln>
+        </p:spPr>
+        <p:style>
+          <a:lnRef idx="2">
+            <a:schemeClr val="accent1">
+              <a:shade val="50000"/>
+            </a:schemeClr>
+          </a:lnRef>
+          <a:fillRef idx="1">
+            <a:schemeClr val="accent1"/>
+          </a:fillRef>
+          <a:effectRef idx="0">
+            <a:schemeClr val="accent1"/>
+          </a:effectRef>
+          <a:fontRef idx="minor">
+            <a:schemeClr val="lt1"/>
+          </a:fontRef>
+        </p:style>
+        <p:txBody>
+          <a:bodyPr rtlCol="0" anchor="ctr"/>
+          <a:lstStyle/>
+          <a:p>
+            <a:pPr algn="ctr"/>
+            <a:endParaRPr lang="it-IT"/>
+          </a:p>
+        </p:txBody>
+      </p:sp>
+      <p:sp>
+        <p:nvSpPr>
+          <p:cNvPr id="49" name="Ovale 48">
+            <a:extLst>
+              <a:ext uri="{FF2B5EF4-FFF2-40B4-BE49-F238E27FC236}">
+                <a16:creationId xmlns:a16="http://schemas.microsoft.com/office/drawing/2014/main" id="{F85CEB03-7030-410C-A192-85FF3FD3C2C1}"/>
+              </a:ext>
+            </a:extLst>
+          </p:cNvPr>
+          <p:cNvSpPr/>
+          <p:nvPr/>
+        </p:nvSpPr>
+        <p:spPr>
+          <a:xfrm>
+            <a:off x="6595890" y="4845035"/>
+            <a:ext cx="396000" cy="396000"/>
+          </a:xfrm>
+          <a:prstGeom prst="ellipse">
+            <a:avLst/>
+          </a:prstGeom>
+          <a:solidFill>
+            <a:srgbClr val="FFFF00"/>
+          </a:solidFill>
+          <a:ln>
+            <a:solidFill>
+              <a:srgbClr val="FFFF00"/>
+            </a:solidFill>
+          </a:ln>
+        </p:spPr>
+        <p:style>
+          <a:lnRef idx="2">
+            <a:schemeClr val="accent1">
+              <a:shade val="50000"/>
+            </a:schemeClr>
+          </a:lnRef>
+          <a:fillRef idx="1">
+            <a:schemeClr val="accent1"/>
+          </a:fillRef>
+          <a:effectRef idx="0">
+            <a:schemeClr val="accent1"/>
+          </a:effectRef>
+          <a:fontRef idx="minor">
+            <a:schemeClr val="lt1"/>
+          </a:fontRef>
+        </p:style>
+        <p:txBody>
+          <a:bodyPr rtlCol="0" anchor="ctr"/>
+          <a:lstStyle/>
+          <a:p>
+            <a:pPr algn="ctr"/>
+            <a:endParaRPr lang="it-IT"/>
+          </a:p>
+        </p:txBody>
+      </p:sp>
+      <p:sp>
+        <p:nvSpPr>
+          <p:cNvPr id="50" name="Ovale 49">
+            <a:extLst>
+              <a:ext uri="{FF2B5EF4-FFF2-40B4-BE49-F238E27FC236}">
+                <a16:creationId xmlns:a16="http://schemas.microsoft.com/office/drawing/2014/main" id="{242AC8A6-A568-489D-A35A-8D8AEDE8DC86}"/>
+              </a:ext>
+            </a:extLst>
+          </p:cNvPr>
+          <p:cNvSpPr/>
+          <p:nvPr/>
+        </p:nvSpPr>
+        <p:spPr>
+          <a:xfrm>
+            <a:off x="7481744" y="3317796"/>
+            <a:ext cx="396000" cy="396000"/>
+          </a:xfrm>
+          <a:prstGeom prst="ellipse">
+            <a:avLst/>
+          </a:prstGeom>
+          <a:solidFill>
+            <a:srgbClr val="FFFF00"/>
+          </a:solidFill>
+          <a:ln>
+            <a:solidFill>
+              <a:srgbClr val="FFFF00"/>
+            </a:solidFill>
+          </a:ln>
+        </p:spPr>
+        <p:style>
+          <a:lnRef idx="2">
+            <a:schemeClr val="accent1">
+              <a:shade val="50000"/>
+            </a:schemeClr>
+          </a:lnRef>
+          <a:fillRef idx="1">
+            <a:schemeClr val="accent1"/>
+          </a:fillRef>
+          <a:effectRef idx="0">
+            <a:schemeClr val="accent1"/>
+          </a:effectRef>
+          <a:fontRef idx="minor">
+            <a:schemeClr val="lt1"/>
+          </a:fontRef>
+        </p:style>
+        <p:txBody>
+          <a:bodyPr rtlCol="0" anchor="ctr"/>
+          <a:lstStyle/>
+          <a:p>
+            <a:pPr algn="ctr"/>
+            <a:endParaRPr lang="it-IT"/>
+          </a:p>
+        </p:txBody>
+      </p:sp>
+      <p:sp>
+        <p:nvSpPr>
+          <p:cNvPr id="51" name="Ovale 50">
+            <a:extLst>
+              <a:ext uri="{FF2B5EF4-FFF2-40B4-BE49-F238E27FC236}">
+                <a16:creationId xmlns:a16="http://schemas.microsoft.com/office/drawing/2014/main" id="{81C92201-9B0D-4289-A91C-0F8CE96F8B8D}"/>
+              </a:ext>
+            </a:extLst>
+          </p:cNvPr>
+          <p:cNvSpPr/>
+          <p:nvPr/>
+        </p:nvSpPr>
+        <p:spPr>
+          <a:xfrm>
+            <a:off x="6763183" y="3028374"/>
+            <a:ext cx="396000" cy="396000"/>
+          </a:xfrm>
+          <a:prstGeom prst="ellipse">
+            <a:avLst/>
+          </a:prstGeom>
+          <a:solidFill>
+            <a:srgbClr val="FFFF00"/>
+          </a:solidFill>
+          <a:ln>
+            <a:solidFill>
+              <a:srgbClr val="FFFF00"/>
+            </a:solidFill>
+          </a:ln>
+        </p:spPr>
+        <p:style>
+          <a:lnRef idx="2">
+            <a:schemeClr val="accent1">
+              <a:shade val="50000"/>
+            </a:schemeClr>
+          </a:lnRef>
+          <a:fillRef idx="1">
+            <a:schemeClr val="accent1"/>
+          </a:fillRef>
+          <a:effectRef idx="0">
+            <a:schemeClr val="accent1"/>
+          </a:effectRef>
+          <a:fontRef idx="minor">
+            <a:schemeClr val="lt1"/>
+          </a:fontRef>
+        </p:style>
+        <p:txBody>
+          <a:bodyPr rtlCol="0" anchor="ctr"/>
+          <a:lstStyle/>
+          <a:p>
+            <a:pPr algn="ctr"/>
+            <a:endParaRPr lang="it-IT"/>
+          </a:p>
+        </p:txBody>
+      </p:sp>
+      <p:sp>
+        <p:nvSpPr>
+          <p:cNvPr id="52" name="Ovale 51">
+            <a:extLst>
+              <a:ext uri="{FF2B5EF4-FFF2-40B4-BE49-F238E27FC236}">
+                <a16:creationId xmlns:a16="http://schemas.microsoft.com/office/drawing/2014/main" id="{279C329B-691A-4288-B624-A074DF44109D}"/>
+              </a:ext>
+            </a:extLst>
+          </p:cNvPr>
+          <p:cNvSpPr/>
+          <p:nvPr/>
+        </p:nvSpPr>
+        <p:spPr>
+          <a:xfrm>
+            <a:off x="6269789" y="5750639"/>
+            <a:ext cx="396000" cy="396000"/>
+          </a:xfrm>
+          <a:prstGeom prst="ellipse">
+            <a:avLst/>
+          </a:prstGeom>
+          <a:solidFill>
+            <a:srgbClr val="FFFF00"/>
+          </a:solidFill>
+          <a:ln>
+            <a:solidFill>
+              <a:srgbClr val="FFFF00"/>
+            </a:solidFill>
+          </a:ln>
+        </p:spPr>
+        <p:style>
+          <a:lnRef idx="2">
+            <a:schemeClr val="accent1">
+              <a:shade val="50000"/>
+            </a:schemeClr>
+          </a:lnRef>
+          <a:fillRef idx="1">
+            <a:schemeClr val="accent1"/>
+          </a:fillRef>
+          <a:effectRef idx="0">
+            <a:schemeClr val="accent1"/>
+          </a:effectRef>
+          <a:fontRef idx="minor">
+            <a:schemeClr val="lt1"/>
+          </a:fontRef>
+        </p:style>
+        <p:txBody>
+          <a:bodyPr rtlCol="0" anchor="ctr"/>
+          <a:lstStyle/>
+          <a:p>
+            <a:pPr algn="ctr"/>
+            <a:endParaRPr lang="it-IT"/>
+          </a:p>
+        </p:txBody>
+      </p:sp>
+      <p:sp>
+        <p:nvSpPr>
+          <p:cNvPr id="53" name="Ovale 52">
+            <a:extLst>
+              <a:ext uri="{FF2B5EF4-FFF2-40B4-BE49-F238E27FC236}">
+                <a16:creationId xmlns:a16="http://schemas.microsoft.com/office/drawing/2014/main" id="{1B1094CB-52BA-4765-97FC-400932D9345D}"/>
+              </a:ext>
+            </a:extLst>
+          </p:cNvPr>
+          <p:cNvSpPr/>
+          <p:nvPr/>
+        </p:nvSpPr>
+        <p:spPr>
+          <a:xfrm>
+            <a:off x="7023943" y="4701508"/>
+            <a:ext cx="396000" cy="396000"/>
+          </a:xfrm>
+          <a:prstGeom prst="ellipse">
+            <a:avLst/>
+          </a:prstGeom>
+          <a:solidFill>
+            <a:srgbClr val="FFFF00"/>
+          </a:solidFill>
+          <a:ln>
+            <a:solidFill>
+              <a:srgbClr val="FFFF00"/>
+            </a:solidFill>
+          </a:ln>
+        </p:spPr>
+        <p:style>
+          <a:lnRef idx="2">
+            <a:schemeClr val="accent1">
+              <a:shade val="50000"/>
+            </a:schemeClr>
+          </a:lnRef>
+          <a:fillRef idx="1">
+            <a:schemeClr val="accent1"/>
+          </a:fillRef>
+          <a:effectRef idx="0">
+            <a:schemeClr val="accent1"/>
+          </a:effectRef>
+          <a:fontRef idx="minor">
+            <a:schemeClr val="lt1"/>
+          </a:fontRef>
+        </p:style>
+        <p:txBody>
+          <a:bodyPr rtlCol="0" anchor="ctr"/>
+          <a:lstStyle/>
+          <a:p>
+            <a:pPr algn="ctr"/>
+            <a:endParaRPr lang="it-IT"/>
+          </a:p>
+        </p:txBody>
+      </p:sp>
+      <p:sp>
+        <p:nvSpPr>
+          <p:cNvPr id="54" name="Ovale 53">
+            <a:extLst>
+              <a:ext uri="{FF2B5EF4-FFF2-40B4-BE49-F238E27FC236}">
+                <a16:creationId xmlns:a16="http://schemas.microsoft.com/office/drawing/2014/main" id="{2EC9F297-3CD8-443A-871E-D008F4D32906}"/>
+              </a:ext>
+            </a:extLst>
+          </p:cNvPr>
+          <p:cNvSpPr/>
+          <p:nvPr/>
+        </p:nvSpPr>
+        <p:spPr>
+          <a:xfrm>
+            <a:off x="6616541" y="6049203"/>
+            <a:ext cx="396000" cy="396000"/>
+          </a:xfrm>
+          <a:prstGeom prst="ellipse">
+            <a:avLst/>
+          </a:prstGeom>
+          <a:solidFill>
+            <a:srgbClr val="FFFF00"/>
+          </a:solidFill>
+          <a:ln>
+            <a:solidFill>
+              <a:srgbClr val="FFFF00"/>
+            </a:solidFill>
+          </a:ln>
+        </p:spPr>
+        <p:style>
+          <a:lnRef idx="2">
+            <a:schemeClr val="accent1">
+              <a:shade val="50000"/>
+            </a:schemeClr>
+          </a:lnRef>
+          <a:fillRef idx="1">
+            <a:schemeClr val="accent1"/>
+          </a:fillRef>
+          <a:effectRef idx="0">
+            <a:schemeClr val="accent1"/>
+          </a:effectRef>
+          <a:fontRef idx="minor">
+            <a:schemeClr val="lt1"/>
+          </a:fontRef>
+        </p:style>
+        <p:txBody>
+          <a:bodyPr rtlCol="0" anchor="ctr"/>
+          <a:lstStyle/>
+          <a:p>
+            <a:pPr algn="ctr"/>
+            <a:endParaRPr lang="it-IT"/>
+          </a:p>
+        </p:txBody>
+      </p:sp>
+      <p:sp>
+        <p:nvSpPr>
+          <p:cNvPr id="55" name="Ovale 54">
+            <a:extLst>
+              <a:ext uri="{FF2B5EF4-FFF2-40B4-BE49-F238E27FC236}">
+                <a16:creationId xmlns:a16="http://schemas.microsoft.com/office/drawing/2014/main" id="{FED21B9C-A574-4328-B451-26961F9EDB47}"/>
+              </a:ext>
+            </a:extLst>
+          </p:cNvPr>
+          <p:cNvSpPr/>
+          <p:nvPr/>
+        </p:nvSpPr>
+        <p:spPr>
+          <a:xfrm>
+            <a:off x="6259082" y="3985951"/>
+            <a:ext cx="396000" cy="396000"/>
+          </a:xfrm>
+          <a:prstGeom prst="ellipse">
+            <a:avLst/>
+          </a:prstGeom>
+          <a:solidFill>
+            <a:srgbClr val="FFFF00"/>
+          </a:solidFill>
+          <a:ln>
+            <a:solidFill>
+              <a:srgbClr val="FFFF00"/>
+            </a:solidFill>
+          </a:ln>
+        </p:spPr>
+        <p:style>
+          <a:lnRef idx="2">
+            <a:schemeClr val="accent1">
+              <a:shade val="50000"/>
+            </a:schemeClr>
+          </a:lnRef>
+          <a:fillRef idx="1">
+            <a:schemeClr val="accent1"/>
+          </a:fillRef>
+          <a:effectRef idx="0">
+            <a:schemeClr val="accent1"/>
+          </a:effectRef>
+          <a:fontRef idx="minor">
+            <a:schemeClr val="lt1"/>
+          </a:fontRef>
+        </p:style>
+        <p:txBody>
+          <a:bodyPr rtlCol="0" anchor="ctr"/>
+          <a:lstStyle/>
+          <a:p>
+            <a:pPr algn="ctr"/>
+            <a:endParaRPr lang="it-IT"/>
+          </a:p>
+        </p:txBody>
+      </p:sp>
+      <p:sp>
+        <p:nvSpPr>
+          <p:cNvPr id="56" name="Ovale 55">
+            <a:extLst>
+              <a:ext uri="{FF2B5EF4-FFF2-40B4-BE49-F238E27FC236}">
+                <a16:creationId xmlns:a16="http://schemas.microsoft.com/office/drawing/2014/main" id="{301C13B5-AAC9-425C-BF06-42DF3CD02C93}"/>
+              </a:ext>
+            </a:extLst>
+          </p:cNvPr>
+          <p:cNvSpPr/>
+          <p:nvPr/>
+        </p:nvSpPr>
+        <p:spPr>
+          <a:xfrm>
+            <a:off x="7528416" y="4561415"/>
+            <a:ext cx="396000" cy="396000"/>
+          </a:xfrm>
+          <a:prstGeom prst="ellipse">
+            <a:avLst/>
+          </a:prstGeom>
+          <a:solidFill>
+            <a:srgbClr val="FFFF00"/>
+          </a:solidFill>
+          <a:ln>
+            <a:solidFill>
+              <a:srgbClr val="FFFF00"/>
+            </a:solidFill>
+          </a:ln>
+        </p:spPr>
+        <p:style>
+          <a:lnRef idx="2">
+            <a:schemeClr val="accent1">
+              <a:shade val="50000"/>
+            </a:schemeClr>
+          </a:lnRef>
+          <a:fillRef idx="1">
+            <a:schemeClr val="accent1"/>
+          </a:fillRef>
+          <a:effectRef idx="0">
+            <a:schemeClr val="accent1"/>
+          </a:effectRef>
+          <a:fontRef idx="minor">
+            <a:schemeClr val="lt1"/>
+          </a:fontRef>
+        </p:style>
+        <p:txBody>
+          <a:bodyPr rtlCol="0" anchor="ctr"/>
+          <a:lstStyle/>
+          <a:p>
+            <a:pPr algn="ctr"/>
+            <a:endParaRPr lang="it-IT"/>
+          </a:p>
+        </p:txBody>
+      </p:sp>
+      <p:sp>
+        <p:nvSpPr>
+          <p:cNvPr id="57" name="Ovale 56">
+            <a:extLst>
+              <a:ext uri="{FF2B5EF4-FFF2-40B4-BE49-F238E27FC236}">
+                <a16:creationId xmlns:a16="http://schemas.microsoft.com/office/drawing/2014/main" id="{3F232B04-36F5-4905-8357-1D9D2E6D0094}"/>
+              </a:ext>
+            </a:extLst>
+          </p:cNvPr>
+          <p:cNvSpPr/>
+          <p:nvPr/>
+        </p:nvSpPr>
+        <p:spPr>
+          <a:xfrm>
+            <a:off x="8080483" y="5327739"/>
+            <a:ext cx="396000" cy="396000"/>
+          </a:xfrm>
+          <a:prstGeom prst="ellipse">
+            <a:avLst/>
+          </a:prstGeom>
+          <a:solidFill>
+            <a:srgbClr val="FFFF00"/>
+          </a:solidFill>
+          <a:ln>
+            <a:solidFill>
+              <a:srgbClr val="FFFF00"/>
+            </a:solidFill>
+          </a:ln>
+        </p:spPr>
+        <p:style>
+          <a:lnRef idx="2">
+            <a:schemeClr val="accent1">
+              <a:shade val="50000"/>
+            </a:schemeClr>
+          </a:lnRef>
+          <a:fillRef idx="1">
+            <a:schemeClr val="accent1"/>
+          </a:fillRef>
+          <a:effectRef idx="0">
+            <a:schemeClr val="accent1"/>
+          </a:effectRef>
+          <a:fontRef idx="minor">
+            <a:schemeClr val="lt1"/>
+          </a:fontRef>
+        </p:style>
+        <p:txBody>
+          <a:bodyPr rtlCol="0" anchor="ctr"/>
+          <a:lstStyle/>
+          <a:p>
+            <a:pPr algn="ctr"/>
+            <a:endParaRPr lang="it-IT"/>
+          </a:p>
+        </p:txBody>
+      </p:sp>
+      <p:sp>
+        <p:nvSpPr>
+          <p:cNvPr id="58" name="Ovale 57">
+            <a:extLst>
+              <a:ext uri="{FF2B5EF4-FFF2-40B4-BE49-F238E27FC236}">
+                <a16:creationId xmlns:a16="http://schemas.microsoft.com/office/drawing/2014/main" id="{7C696553-FB02-444C-88E4-37433819E4EF}"/>
+              </a:ext>
+            </a:extLst>
+          </p:cNvPr>
+          <p:cNvSpPr/>
+          <p:nvPr/>
+        </p:nvSpPr>
+        <p:spPr>
+          <a:xfrm>
+            <a:off x="6948812" y="5155304"/>
+            <a:ext cx="396000" cy="396000"/>
+          </a:xfrm>
+          <a:prstGeom prst="ellipse">
+            <a:avLst/>
+          </a:prstGeom>
+          <a:solidFill>
+            <a:srgbClr val="FFFF00"/>
+          </a:solidFill>
+          <a:ln>
+            <a:solidFill>
+              <a:srgbClr val="FFFF00"/>
+            </a:solidFill>
+          </a:ln>
+        </p:spPr>
+        <p:style>
+          <a:lnRef idx="2">
+            <a:schemeClr val="accent1">
+              <a:shade val="50000"/>
+            </a:schemeClr>
+          </a:lnRef>
+          <a:fillRef idx="1">
+            <a:schemeClr val="accent1"/>
+          </a:fillRef>
+          <a:effectRef idx="0">
+            <a:schemeClr val="accent1"/>
+          </a:effectRef>
+          <a:fontRef idx="minor">
+            <a:schemeClr val="lt1"/>
+          </a:fontRef>
+        </p:style>
+        <p:txBody>
+          <a:bodyPr rtlCol="0" anchor="ctr"/>
+          <a:lstStyle/>
+          <a:p>
+            <a:pPr algn="ctr"/>
+            <a:endParaRPr lang="it-IT"/>
+          </a:p>
+        </p:txBody>
+      </p:sp>
+      <p:sp>
+        <p:nvSpPr>
+          <p:cNvPr id="59" name="Ovale 58">
+            <a:extLst>
+              <a:ext uri="{FF2B5EF4-FFF2-40B4-BE49-F238E27FC236}">
+                <a16:creationId xmlns:a16="http://schemas.microsoft.com/office/drawing/2014/main" id="{01CCD78F-C381-47B4-9EE3-74C3C43BB90F}"/>
+              </a:ext>
+            </a:extLst>
+          </p:cNvPr>
+          <p:cNvSpPr/>
+          <p:nvPr/>
+        </p:nvSpPr>
+        <p:spPr>
+          <a:xfrm>
+            <a:off x="7984091" y="4780340"/>
+            <a:ext cx="396000" cy="396000"/>
+          </a:xfrm>
+          <a:prstGeom prst="ellipse">
+            <a:avLst/>
+          </a:prstGeom>
+          <a:solidFill>
+            <a:srgbClr val="FFFF00"/>
+          </a:solidFill>
+          <a:ln>
+            <a:solidFill>
+              <a:srgbClr val="FFFF00"/>
+            </a:solidFill>
+          </a:ln>
+        </p:spPr>
+        <p:style>
+          <a:lnRef idx="2">
+            <a:schemeClr val="accent1">
+              <a:shade val="50000"/>
+            </a:schemeClr>
+          </a:lnRef>
+          <a:fillRef idx="1">
+            <a:schemeClr val="accent1"/>
+          </a:fillRef>
+          <a:effectRef idx="0">
+            <a:schemeClr val="accent1"/>
+          </a:effectRef>
+          <a:fontRef idx="minor">
+            <a:schemeClr val="lt1"/>
+          </a:fontRef>
+        </p:style>
+        <p:txBody>
+          <a:bodyPr rtlCol="0" anchor="ctr"/>
+          <a:lstStyle/>
+          <a:p>
+            <a:pPr algn="ctr"/>
+            <a:endParaRPr lang="it-IT"/>
+          </a:p>
+        </p:txBody>
+      </p:sp>
+      <p:sp>
+        <p:nvSpPr>
+          <p:cNvPr id="60" name="Ovale 59">
+            <a:extLst>
+              <a:ext uri="{FF2B5EF4-FFF2-40B4-BE49-F238E27FC236}">
+                <a16:creationId xmlns:a16="http://schemas.microsoft.com/office/drawing/2014/main" id="{5A274124-6775-4C03-9828-E00288A1D8FF}"/>
+              </a:ext>
+            </a:extLst>
+          </p:cNvPr>
+          <p:cNvSpPr/>
+          <p:nvPr/>
+        </p:nvSpPr>
+        <p:spPr>
+          <a:xfrm>
+            <a:off x="8712014" y="2853275"/>
+            <a:ext cx="396000" cy="396000"/>
+          </a:xfrm>
+          <a:prstGeom prst="ellipse">
+            <a:avLst/>
+          </a:prstGeom>
+          <a:solidFill>
+            <a:srgbClr val="FFFF00"/>
+          </a:solidFill>
+          <a:ln>
+            <a:solidFill>
+              <a:srgbClr val="FFFF00"/>
+            </a:solidFill>
+          </a:ln>
+        </p:spPr>
+        <p:style>
+          <a:lnRef idx="2">
+            <a:schemeClr val="accent1">
+              <a:shade val="50000"/>
+            </a:schemeClr>
+          </a:lnRef>
+          <a:fillRef idx="1">
+            <a:schemeClr val="accent1"/>
+          </a:fillRef>
+          <a:effectRef idx="0">
+            <a:schemeClr val="accent1"/>
+          </a:effectRef>
+          <a:fontRef idx="minor">
+            <a:schemeClr val="lt1"/>
+          </a:fontRef>
+        </p:style>
+        <p:txBody>
+          <a:bodyPr rtlCol="0" anchor="ctr"/>
+          <a:lstStyle/>
+          <a:p>
+            <a:pPr algn="ctr"/>
+            <a:endParaRPr lang="it-IT"/>
+          </a:p>
+        </p:txBody>
+      </p:sp>
+      <p:sp>
+        <p:nvSpPr>
+          <p:cNvPr id="61" name="Ovale 60">
+            <a:extLst>
+              <a:ext uri="{FF2B5EF4-FFF2-40B4-BE49-F238E27FC236}">
+                <a16:creationId xmlns:a16="http://schemas.microsoft.com/office/drawing/2014/main" id="{984260E3-8172-4BFA-B50D-F23DBFB90FA4}"/>
+              </a:ext>
+            </a:extLst>
+          </p:cNvPr>
+          <p:cNvSpPr/>
+          <p:nvPr/>
+        </p:nvSpPr>
+        <p:spPr>
+          <a:xfrm>
+            <a:off x="6164685" y="4715556"/>
+            <a:ext cx="396000" cy="396000"/>
+          </a:xfrm>
+          <a:prstGeom prst="ellipse">
+            <a:avLst/>
+          </a:prstGeom>
+          <a:solidFill>
+            <a:srgbClr val="FFFF00"/>
+          </a:solidFill>
+          <a:ln>
+            <a:solidFill>
+              <a:srgbClr val="FFFF00"/>
+            </a:solidFill>
+          </a:ln>
+        </p:spPr>
+        <p:style>
+          <a:lnRef idx="2">
+            <a:schemeClr val="accent1">
+              <a:shade val="50000"/>
+            </a:schemeClr>
+          </a:lnRef>
+          <a:fillRef idx="1">
+            <a:schemeClr val="accent1"/>
+          </a:fillRef>
+          <a:effectRef idx="0">
+            <a:schemeClr val="accent1"/>
+          </a:effectRef>
+          <a:fontRef idx="minor">
+            <a:schemeClr val="lt1"/>
+          </a:fontRef>
+        </p:style>
+        <p:txBody>
+          <a:bodyPr rtlCol="0" anchor="ctr"/>
+          <a:lstStyle/>
+          <a:p>
+            <a:pPr algn="ctr"/>
+            <a:endParaRPr lang="it-IT"/>
+          </a:p>
+        </p:txBody>
+      </p:sp>
+      <p:sp>
+        <p:nvSpPr>
+          <p:cNvPr id="62" name="Ovale 61">
+            <a:extLst>
+              <a:ext uri="{FF2B5EF4-FFF2-40B4-BE49-F238E27FC236}">
+                <a16:creationId xmlns:a16="http://schemas.microsoft.com/office/drawing/2014/main" id="{C71ED0E4-E938-4731-B2D2-62805ECB6111}"/>
+              </a:ext>
+            </a:extLst>
+          </p:cNvPr>
+          <p:cNvSpPr/>
+          <p:nvPr/>
+        </p:nvSpPr>
+        <p:spPr>
+          <a:xfrm>
+            <a:off x="7143346" y="5551304"/>
+            <a:ext cx="396000" cy="396000"/>
+          </a:xfrm>
+          <a:prstGeom prst="ellipse">
+            <a:avLst/>
+          </a:prstGeom>
+          <a:solidFill>
+            <a:srgbClr val="FFFF00"/>
+          </a:solidFill>
+          <a:ln>
+            <a:solidFill>
+              <a:srgbClr val="FFFF00"/>
+            </a:solidFill>
+          </a:ln>
+        </p:spPr>
+        <p:style>
+          <a:lnRef idx="2">
+            <a:schemeClr val="accent1">
+              <a:shade val="50000"/>
+            </a:schemeClr>
+          </a:lnRef>
+          <a:fillRef idx="1">
+            <a:schemeClr val="accent1"/>
+          </a:fillRef>
+          <a:effectRef idx="0">
+            <a:schemeClr val="accent1"/>
+          </a:effectRef>
+          <a:fontRef idx="minor">
+            <a:schemeClr val="lt1"/>
+          </a:fontRef>
+        </p:style>
+        <p:txBody>
+          <a:bodyPr rtlCol="0" anchor="ctr"/>
+          <a:lstStyle/>
+          <a:p>
+            <a:pPr algn="ctr"/>
+            <a:endParaRPr lang="it-IT"/>
+          </a:p>
+        </p:txBody>
+      </p:sp>
+      <p:sp>
+        <p:nvSpPr>
+          <p:cNvPr id="63" name="Ovale 62">
+            <a:extLst>
+              <a:ext uri="{FF2B5EF4-FFF2-40B4-BE49-F238E27FC236}">
+                <a16:creationId xmlns:a16="http://schemas.microsoft.com/office/drawing/2014/main" id="{945D5300-6C4E-4F47-9CC9-24368F225D0A}"/>
+              </a:ext>
+            </a:extLst>
+          </p:cNvPr>
+          <p:cNvSpPr/>
+          <p:nvPr/>
+        </p:nvSpPr>
+        <p:spPr>
+          <a:xfrm>
+            <a:off x="6189689" y="5260654"/>
+            <a:ext cx="396000" cy="396000"/>
+          </a:xfrm>
+          <a:prstGeom prst="ellipse">
+            <a:avLst/>
+          </a:prstGeom>
+          <a:solidFill>
+            <a:srgbClr val="FFFF00"/>
+          </a:solidFill>
+          <a:ln>
+            <a:solidFill>
+              <a:srgbClr val="FFFF00"/>
+            </a:solidFill>
+          </a:ln>
+        </p:spPr>
+        <p:style>
+          <a:lnRef idx="2">
+            <a:schemeClr val="accent1">
+              <a:shade val="50000"/>
+            </a:schemeClr>
+          </a:lnRef>
+          <a:fillRef idx="1">
+            <a:schemeClr val="accent1"/>
+          </a:fillRef>
+          <a:effectRef idx="0">
+            <a:schemeClr val="accent1"/>
+          </a:effectRef>
+          <a:fontRef idx="minor">
+            <a:schemeClr val="lt1"/>
+          </a:fontRef>
+        </p:style>
+        <p:txBody>
+          <a:bodyPr rtlCol="0" anchor="ctr"/>
+          <a:lstStyle/>
+          <a:p>
+            <a:pPr algn="ctr"/>
+            <a:endParaRPr lang="it-IT"/>
+          </a:p>
+        </p:txBody>
+      </p:sp>
+      <p:sp>
+        <p:nvSpPr>
+          <p:cNvPr id="64" name="Ovale 63">
+            <a:extLst>
+              <a:ext uri="{FF2B5EF4-FFF2-40B4-BE49-F238E27FC236}">
+                <a16:creationId xmlns:a16="http://schemas.microsoft.com/office/drawing/2014/main" id="{00CDD376-601D-40C0-94B1-50AC99F1D114}"/>
+              </a:ext>
+            </a:extLst>
+          </p:cNvPr>
+          <p:cNvSpPr/>
+          <p:nvPr/>
+        </p:nvSpPr>
+        <p:spPr>
+          <a:xfrm>
+            <a:off x="7552213" y="5062654"/>
+            <a:ext cx="396000" cy="396000"/>
+          </a:xfrm>
+          <a:prstGeom prst="ellipse">
+            <a:avLst/>
+          </a:prstGeom>
+          <a:solidFill>
+            <a:srgbClr val="FFFF00"/>
+          </a:solidFill>
+          <a:ln>
+            <a:solidFill>
+              <a:srgbClr val="FFFF00"/>
+            </a:solidFill>
+          </a:ln>
+        </p:spPr>
+        <p:style>
+          <a:lnRef idx="2">
+            <a:schemeClr val="accent1">
+              <a:shade val="50000"/>
+            </a:schemeClr>
+          </a:lnRef>
+          <a:fillRef idx="1">
+            <a:schemeClr val="accent1"/>
+          </a:fillRef>
+          <a:effectRef idx="0">
+            <a:schemeClr val="accent1"/>
+          </a:effectRef>
+          <a:fontRef idx="minor">
+            <a:schemeClr val="lt1"/>
+          </a:fontRef>
+        </p:style>
+        <p:txBody>
+          <a:bodyPr rtlCol="0" anchor="ctr"/>
+          <a:lstStyle/>
+          <a:p>
+            <a:pPr algn="ctr"/>
+            <a:endParaRPr lang="it-IT"/>
+          </a:p>
+        </p:txBody>
+      </p:sp>
+      <p:sp>
+        <p:nvSpPr>
+          <p:cNvPr id="65" name="Ovale 64">
+            <a:extLst>
+              <a:ext uri="{FF2B5EF4-FFF2-40B4-BE49-F238E27FC236}">
+                <a16:creationId xmlns:a16="http://schemas.microsoft.com/office/drawing/2014/main" id="{1AD80E62-EC26-4948-8C37-160AD86FD2BB}"/>
+              </a:ext>
+            </a:extLst>
+          </p:cNvPr>
+          <p:cNvSpPr/>
+          <p:nvPr/>
+        </p:nvSpPr>
+        <p:spPr>
+          <a:xfrm>
+            <a:off x="9078616" y="4253174"/>
+            <a:ext cx="396000" cy="396000"/>
+          </a:xfrm>
+          <a:prstGeom prst="ellipse">
+            <a:avLst/>
+          </a:prstGeom>
+          <a:solidFill>
+            <a:srgbClr val="FFFF00"/>
+          </a:solidFill>
+          <a:ln>
+            <a:solidFill>
+              <a:srgbClr val="FFFF00"/>
+            </a:solidFill>
+          </a:ln>
+        </p:spPr>
+        <p:style>
+          <a:lnRef idx="2">
+            <a:schemeClr val="accent1">
+              <a:shade val="50000"/>
+            </a:schemeClr>
+          </a:lnRef>
+          <a:fillRef idx="1">
+            <a:schemeClr val="accent1"/>
+          </a:fillRef>
+          <a:effectRef idx="0">
+            <a:schemeClr val="accent1"/>
+          </a:effectRef>
+          <a:fontRef idx="minor">
+            <a:schemeClr val="lt1"/>
+          </a:fontRef>
+        </p:style>
+        <p:txBody>
+          <a:bodyPr rtlCol="0" anchor="ctr"/>
+          <a:lstStyle/>
+          <a:p>
+            <a:pPr algn="ctr"/>
+            <a:endParaRPr lang="it-IT"/>
+          </a:p>
+        </p:txBody>
+      </p:sp>
+      <p:sp>
+        <p:nvSpPr>
+          <p:cNvPr id="66" name="Ovale 65">
+            <a:extLst>
+              <a:ext uri="{FF2B5EF4-FFF2-40B4-BE49-F238E27FC236}">
+                <a16:creationId xmlns:a16="http://schemas.microsoft.com/office/drawing/2014/main" id="{54F29EEF-5280-4EF1-ABA5-E7F64630D3B9}"/>
+              </a:ext>
+            </a:extLst>
+          </p:cNvPr>
+          <p:cNvSpPr/>
+          <p:nvPr/>
+        </p:nvSpPr>
+        <p:spPr>
+          <a:xfrm>
+            <a:off x="7587801" y="5515640"/>
+            <a:ext cx="396000" cy="396000"/>
+          </a:xfrm>
+          <a:prstGeom prst="ellipse">
+            <a:avLst/>
+          </a:prstGeom>
+          <a:solidFill>
+            <a:srgbClr val="FFFF00"/>
+          </a:solidFill>
+          <a:ln>
+            <a:solidFill>
+              <a:srgbClr val="FFFF00"/>
+            </a:solidFill>
+          </a:ln>
+        </p:spPr>
+        <p:style>
+          <a:lnRef idx="2">
+            <a:schemeClr val="accent1">
+              <a:shade val="50000"/>
+            </a:schemeClr>
+          </a:lnRef>
+          <a:fillRef idx="1">
+            <a:schemeClr val="accent1"/>
+          </a:fillRef>
+          <a:effectRef idx="0">
+            <a:schemeClr val="accent1"/>
+          </a:effectRef>
+          <a:fontRef idx="minor">
+            <a:schemeClr val="lt1"/>
+          </a:fontRef>
+        </p:style>
+        <p:txBody>
+          <a:bodyPr rtlCol="0" anchor="ctr"/>
+          <a:lstStyle/>
+          <a:p>
+            <a:pPr algn="ctr"/>
+            <a:endParaRPr lang="it-IT"/>
+          </a:p>
+        </p:txBody>
+      </p:sp>
+      <p:sp>
+        <p:nvSpPr>
+          <p:cNvPr id="67" name="Ovale 66">
+            <a:extLst>
+              <a:ext uri="{FF2B5EF4-FFF2-40B4-BE49-F238E27FC236}">
+                <a16:creationId xmlns:a16="http://schemas.microsoft.com/office/drawing/2014/main" id="{E590B71B-A77D-4C4B-8F3E-76375D589CC9}"/>
+              </a:ext>
+            </a:extLst>
+          </p:cNvPr>
+          <p:cNvSpPr/>
+          <p:nvPr/>
+        </p:nvSpPr>
+        <p:spPr>
+          <a:xfrm>
+            <a:off x="5864937" y="1906286"/>
+            <a:ext cx="396000" cy="396000"/>
+          </a:xfrm>
+          <a:prstGeom prst="ellipse">
+            <a:avLst/>
+          </a:prstGeom>
+          <a:solidFill>
+            <a:srgbClr val="FFFF00"/>
+          </a:solidFill>
+          <a:ln>
+            <a:solidFill>
+              <a:srgbClr val="FFFF00"/>
+            </a:solidFill>
+          </a:ln>
+        </p:spPr>
+        <p:style>
+          <a:lnRef idx="2">
+            <a:schemeClr val="accent1">
+              <a:shade val="50000"/>
+            </a:schemeClr>
+          </a:lnRef>
+          <a:fillRef idx="1">
+            <a:schemeClr val="accent1"/>
+          </a:fillRef>
+          <a:effectRef idx="0">
+            <a:schemeClr val="accent1"/>
+          </a:effectRef>
+          <a:fontRef idx="minor">
+            <a:schemeClr val="lt1"/>
+          </a:fontRef>
+        </p:style>
+        <p:txBody>
+          <a:bodyPr rtlCol="0" anchor="ctr"/>
+          <a:lstStyle/>
+          <a:p>
+            <a:pPr algn="ctr"/>
+            <a:endParaRPr lang="it-IT"/>
+          </a:p>
+        </p:txBody>
+      </p:sp>
+      <p:sp>
+        <p:nvSpPr>
+          <p:cNvPr id="68" name="Ovale 67">
+            <a:extLst>
+              <a:ext uri="{FF2B5EF4-FFF2-40B4-BE49-F238E27FC236}">
+                <a16:creationId xmlns:a16="http://schemas.microsoft.com/office/drawing/2014/main" id="{C2D4073A-4E2B-4C18-A60B-342ADE28ACFF}"/>
+              </a:ext>
+            </a:extLst>
+          </p:cNvPr>
+          <p:cNvSpPr/>
+          <p:nvPr/>
+        </p:nvSpPr>
+        <p:spPr>
+          <a:xfrm rot="13488022">
+            <a:off x="2475303" y="2621445"/>
+            <a:ext cx="396000" cy="396000"/>
+          </a:xfrm>
+          <a:prstGeom prst="ellipse">
+            <a:avLst/>
+          </a:prstGeom>
+          <a:solidFill>
+            <a:srgbClr val="FFFF00"/>
+          </a:solidFill>
+          <a:ln>
+            <a:solidFill>
+              <a:srgbClr val="FFFF00"/>
+            </a:solidFill>
+          </a:ln>
+        </p:spPr>
+        <p:style>
+          <a:lnRef idx="2">
+            <a:schemeClr val="accent1">
+              <a:shade val="50000"/>
+            </a:schemeClr>
+          </a:lnRef>
+          <a:fillRef idx="1">
+            <a:schemeClr val="accent1"/>
+          </a:fillRef>
+          <a:effectRef idx="0">
+            <a:schemeClr val="accent1"/>
+          </a:effectRef>
+          <a:fontRef idx="minor">
+            <a:schemeClr val="lt1"/>
+          </a:fontRef>
+        </p:style>
+        <p:txBody>
+          <a:bodyPr rtlCol="0" anchor="ctr"/>
+          <a:lstStyle/>
+          <a:p>
+            <a:pPr algn="ctr"/>
+            <a:endParaRPr lang="it-IT"/>
+          </a:p>
+        </p:txBody>
+      </p:sp>
+      <p:sp>
+        <p:nvSpPr>
+          <p:cNvPr id="69" name="Ovale 68">
+            <a:extLst>
+              <a:ext uri="{FF2B5EF4-FFF2-40B4-BE49-F238E27FC236}">
+                <a16:creationId xmlns:a16="http://schemas.microsoft.com/office/drawing/2014/main" id="{5EE2D397-69BC-4D4D-8643-493CC3C32E2E}"/>
+              </a:ext>
+            </a:extLst>
+          </p:cNvPr>
+          <p:cNvSpPr/>
+          <p:nvPr/>
+        </p:nvSpPr>
+        <p:spPr>
+          <a:xfrm rot="13488022">
+            <a:off x="5859306" y="476001"/>
+            <a:ext cx="396000" cy="396000"/>
+          </a:xfrm>
+          <a:prstGeom prst="ellipse">
+            <a:avLst/>
+          </a:prstGeom>
+          <a:solidFill>
+            <a:srgbClr val="FFFF00"/>
+          </a:solidFill>
+          <a:ln>
+            <a:solidFill>
+              <a:srgbClr val="FFFF00"/>
+            </a:solidFill>
+          </a:ln>
+        </p:spPr>
+        <p:style>
+          <a:lnRef idx="2">
+            <a:schemeClr val="accent1">
+              <a:shade val="50000"/>
+            </a:schemeClr>
+          </a:lnRef>
+          <a:fillRef idx="1">
+            <a:schemeClr val="accent1"/>
+          </a:fillRef>
+          <a:effectRef idx="0">
+            <a:schemeClr val="accent1"/>
+          </a:effectRef>
+          <a:fontRef idx="minor">
+            <a:schemeClr val="lt1"/>
+          </a:fontRef>
+        </p:style>
+        <p:txBody>
+          <a:bodyPr rtlCol="0" anchor="ctr"/>
+          <a:lstStyle/>
+          <a:p>
+            <a:pPr algn="ctr"/>
+            <a:endParaRPr lang="it-IT"/>
+          </a:p>
+        </p:txBody>
+      </p:sp>
+      <p:sp>
+        <p:nvSpPr>
+          <p:cNvPr id="70" name="Ovale 69">
+            <a:extLst>
+              <a:ext uri="{FF2B5EF4-FFF2-40B4-BE49-F238E27FC236}">
+                <a16:creationId xmlns:a16="http://schemas.microsoft.com/office/drawing/2014/main" id="{091A012A-CDE7-4568-A5B5-334AC11F30CD}"/>
+              </a:ext>
+            </a:extLst>
+          </p:cNvPr>
+          <p:cNvSpPr/>
+          <p:nvPr/>
+        </p:nvSpPr>
+        <p:spPr>
+          <a:xfrm rot="13488022">
+            <a:off x="5439097" y="1427933"/>
+            <a:ext cx="396000" cy="396000"/>
+          </a:xfrm>
+          <a:prstGeom prst="ellipse">
+            <a:avLst/>
+          </a:prstGeom>
+          <a:solidFill>
+            <a:srgbClr val="FFFF00"/>
+          </a:solidFill>
+          <a:ln>
+            <a:solidFill>
+              <a:srgbClr val="FFFF00"/>
+            </a:solidFill>
+          </a:ln>
+        </p:spPr>
+        <p:style>
+          <a:lnRef idx="2">
+            <a:schemeClr val="accent1">
+              <a:shade val="50000"/>
+            </a:schemeClr>
+          </a:lnRef>
+          <a:fillRef idx="1">
+            <a:schemeClr val="accent1"/>
+          </a:fillRef>
+          <a:effectRef idx="0">
+            <a:schemeClr val="accent1"/>
+          </a:effectRef>
+          <a:fontRef idx="minor">
+            <a:schemeClr val="lt1"/>
+          </a:fontRef>
+        </p:style>
+        <p:txBody>
+          <a:bodyPr rtlCol="0" anchor="ctr"/>
+          <a:lstStyle/>
+          <a:p>
+            <a:pPr algn="ctr"/>
+            <a:endParaRPr lang="it-IT"/>
+          </a:p>
+        </p:txBody>
+      </p:sp>
+      <p:sp>
+        <p:nvSpPr>
+          <p:cNvPr id="71" name="Ovale 70">
+            <a:extLst>
+              <a:ext uri="{FF2B5EF4-FFF2-40B4-BE49-F238E27FC236}">
+                <a16:creationId xmlns:a16="http://schemas.microsoft.com/office/drawing/2014/main" id="{FBBBE9A1-8270-4EFA-98DA-F48BBD4FA082}"/>
+              </a:ext>
+            </a:extLst>
+          </p:cNvPr>
+          <p:cNvSpPr/>
+          <p:nvPr/>
+        </p:nvSpPr>
+        <p:spPr>
+          <a:xfrm rot="13488022">
+            <a:off x="5047520" y="1724819"/>
+            <a:ext cx="396000" cy="396000"/>
+          </a:xfrm>
+          <a:prstGeom prst="ellipse">
+            <a:avLst/>
+          </a:prstGeom>
+          <a:solidFill>
+            <a:srgbClr val="FFFF00"/>
+          </a:solidFill>
+          <a:ln>
+            <a:solidFill>
+              <a:srgbClr val="FFFF00"/>
+            </a:solidFill>
+          </a:ln>
+        </p:spPr>
+        <p:style>
+          <a:lnRef idx="2">
+            <a:schemeClr val="accent1">
+              <a:shade val="50000"/>
+            </a:schemeClr>
+          </a:lnRef>
+          <a:fillRef idx="1">
+            <a:schemeClr val="accent1"/>
+          </a:fillRef>
+          <a:effectRef idx="0">
+            <a:schemeClr val="accent1"/>
+          </a:effectRef>
+          <a:fontRef idx="minor">
+            <a:schemeClr val="lt1"/>
+          </a:fontRef>
+        </p:style>
+        <p:txBody>
+          <a:bodyPr rtlCol="0" anchor="ctr"/>
+          <a:lstStyle/>
+          <a:p>
+            <a:pPr algn="ctr"/>
+            <a:endParaRPr lang="it-IT"/>
+          </a:p>
+        </p:txBody>
+      </p:sp>
+      <p:sp>
+        <p:nvSpPr>
+          <p:cNvPr id="72" name="Ovale 71">
+            <a:extLst>
+              <a:ext uri="{FF2B5EF4-FFF2-40B4-BE49-F238E27FC236}">
+                <a16:creationId xmlns:a16="http://schemas.microsoft.com/office/drawing/2014/main" id="{18802E87-103B-4312-82AA-A2D5B5D8E28F}"/>
+              </a:ext>
+            </a:extLst>
+          </p:cNvPr>
+          <p:cNvSpPr/>
+          <p:nvPr/>
+        </p:nvSpPr>
+        <p:spPr>
+          <a:xfrm rot="13488022">
+            <a:off x="7970512" y="3625833"/>
+            <a:ext cx="396000" cy="396000"/>
+          </a:xfrm>
+          <a:prstGeom prst="ellipse">
+            <a:avLst/>
+          </a:prstGeom>
+          <a:solidFill>
+            <a:srgbClr val="FFFF00"/>
+          </a:solidFill>
+          <a:ln>
+            <a:solidFill>
+              <a:srgbClr val="FFFF00"/>
+            </a:solidFill>
+          </a:ln>
+        </p:spPr>
+        <p:style>
+          <a:lnRef idx="2">
+            <a:schemeClr val="accent1">
+              <a:shade val="50000"/>
+            </a:schemeClr>
+          </a:lnRef>
+          <a:fillRef idx="1">
+            <a:schemeClr val="accent1"/>
+          </a:fillRef>
+          <a:effectRef idx="0">
+            <a:schemeClr val="accent1"/>
+          </a:effectRef>
+          <a:fontRef idx="minor">
+            <a:schemeClr val="lt1"/>
+          </a:fontRef>
+        </p:style>
+        <p:txBody>
+          <a:bodyPr rtlCol="0" anchor="ctr"/>
+          <a:lstStyle/>
+          <a:p>
+            <a:pPr algn="ctr"/>
+            <a:endParaRPr lang="it-IT"/>
+          </a:p>
+        </p:txBody>
+      </p:sp>
+      <p:sp>
+        <p:nvSpPr>
+          <p:cNvPr id="73" name="Ovale 72">
+            <a:extLst>
+              <a:ext uri="{FF2B5EF4-FFF2-40B4-BE49-F238E27FC236}">
+                <a16:creationId xmlns:a16="http://schemas.microsoft.com/office/drawing/2014/main" id="{1458F047-482C-4696-AE8A-19B37A301099}"/>
+              </a:ext>
+            </a:extLst>
+          </p:cNvPr>
+          <p:cNvSpPr/>
+          <p:nvPr/>
+        </p:nvSpPr>
+        <p:spPr>
+          <a:xfrm rot="13488022">
+            <a:off x="8451590" y="4904399"/>
+            <a:ext cx="396000" cy="396000"/>
+          </a:xfrm>
+          <a:prstGeom prst="ellipse">
+            <a:avLst/>
+          </a:prstGeom>
+          <a:solidFill>
+            <a:srgbClr val="FFFF00"/>
+          </a:solidFill>
+          <a:ln>
+            <a:solidFill>
+              <a:srgbClr val="FFFF00"/>
+            </a:solidFill>
+          </a:ln>
+        </p:spPr>
+        <p:style>
+          <a:lnRef idx="2">
+            <a:schemeClr val="accent1">
+              <a:shade val="50000"/>
+            </a:schemeClr>
+          </a:lnRef>
+          <a:fillRef idx="1">
+            <a:schemeClr val="accent1"/>
+          </a:fillRef>
+          <a:effectRef idx="0">
+            <a:schemeClr val="accent1"/>
+          </a:effectRef>
+          <a:fontRef idx="minor">
+            <a:schemeClr val="lt1"/>
+          </a:fontRef>
+        </p:style>
+        <p:txBody>
+          <a:bodyPr rtlCol="0" anchor="ctr"/>
+          <a:lstStyle/>
+          <a:p>
+            <a:pPr algn="ctr"/>
+            <a:endParaRPr lang="it-IT"/>
+          </a:p>
+        </p:txBody>
+      </p:sp>
+      <p:sp>
+        <p:nvSpPr>
+          <p:cNvPr id="74" name="Ovale 73">
+            <a:extLst>
+              <a:ext uri="{FF2B5EF4-FFF2-40B4-BE49-F238E27FC236}">
+                <a16:creationId xmlns:a16="http://schemas.microsoft.com/office/drawing/2014/main" id="{45CA6CDB-4955-4862-9D82-4CB4751C81B4}"/>
+              </a:ext>
+            </a:extLst>
+          </p:cNvPr>
+          <p:cNvSpPr/>
+          <p:nvPr/>
+        </p:nvSpPr>
+        <p:spPr>
+          <a:xfrm rot="13488022">
+            <a:off x="5618119" y="3201592"/>
+            <a:ext cx="396000" cy="396000"/>
+          </a:xfrm>
+          <a:prstGeom prst="ellipse">
+            <a:avLst/>
+          </a:prstGeom>
+          <a:solidFill>
+            <a:srgbClr val="FFFF00"/>
+          </a:solidFill>
+          <a:ln>
+            <a:solidFill>
+              <a:srgbClr val="FFFF00"/>
+            </a:solidFill>
+          </a:ln>
+        </p:spPr>
+        <p:style>
+          <a:lnRef idx="2">
+            <a:schemeClr val="accent1">
+              <a:shade val="50000"/>
+            </a:schemeClr>
+          </a:lnRef>
+          <a:fillRef idx="1">
+            <a:schemeClr val="accent1"/>
+          </a:fillRef>
+          <a:effectRef idx="0">
+            <a:schemeClr val="accent1"/>
+          </a:effectRef>
+          <a:fontRef idx="minor">
+            <a:schemeClr val="lt1"/>
+          </a:fontRef>
+        </p:style>
+        <p:txBody>
+          <a:bodyPr rtlCol="0" anchor="ctr"/>
+          <a:lstStyle/>
+          <a:p>
+            <a:pPr algn="ctr"/>
+            <a:endParaRPr lang="it-IT"/>
+          </a:p>
+        </p:txBody>
+      </p:sp>
+      <p:sp>
+        <p:nvSpPr>
+          <p:cNvPr id="75" name="Ovale 74">
+            <a:extLst>
+              <a:ext uri="{FF2B5EF4-FFF2-40B4-BE49-F238E27FC236}">
+                <a16:creationId xmlns:a16="http://schemas.microsoft.com/office/drawing/2014/main" id="{37C75710-3891-47B1-B327-FA58647664FB}"/>
+              </a:ext>
+            </a:extLst>
+          </p:cNvPr>
+          <p:cNvSpPr/>
+          <p:nvPr/>
+        </p:nvSpPr>
+        <p:spPr>
+          <a:xfrm rot="13488022">
+            <a:off x="7121437" y="4240141"/>
+            <a:ext cx="396000" cy="396000"/>
+          </a:xfrm>
+          <a:prstGeom prst="ellipse">
+            <a:avLst/>
+          </a:prstGeom>
+          <a:solidFill>
+            <a:srgbClr val="FFFF00"/>
+          </a:solidFill>
+          <a:ln>
+            <a:solidFill>
+              <a:srgbClr val="FFFF00"/>
+            </a:solidFill>
+          </a:ln>
+        </p:spPr>
+        <p:style>
+          <a:lnRef idx="2">
+            <a:schemeClr val="accent1">
+              <a:shade val="50000"/>
+            </a:schemeClr>
+          </a:lnRef>
+          <a:fillRef idx="1">
+            <a:schemeClr val="accent1"/>
+          </a:fillRef>
+          <a:effectRef idx="0">
+            <a:schemeClr val="accent1"/>
+          </a:effectRef>
+          <a:fontRef idx="minor">
+            <a:schemeClr val="lt1"/>
+          </a:fontRef>
+        </p:style>
+        <p:txBody>
+          <a:bodyPr rtlCol="0" anchor="ctr"/>
+          <a:lstStyle/>
+          <a:p>
+            <a:pPr algn="ctr"/>
+            <a:endParaRPr lang="it-IT"/>
+          </a:p>
+        </p:txBody>
+      </p:sp>
+      <p:sp>
+        <p:nvSpPr>
+          <p:cNvPr id="76" name="Ovale 75">
+            <a:extLst>
+              <a:ext uri="{FF2B5EF4-FFF2-40B4-BE49-F238E27FC236}">
+                <a16:creationId xmlns:a16="http://schemas.microsoft.com/office/drawing/2014/main" id="{5EFCFCB0-52CD-43F0-A4C8-F4DA5032EEE2}"/>
+              </a:ext>
+            </a:extLst>
+          </p:cNvPr>
+          <p:cNvSpPr/>
+          <p:nvPr/>
+        </p:nvSpPr>
+        <p:spPr>
+          <a:xfrm>
+            <a:off x="2566651" y="3414459"/>
+            <a:ext cx="396000" cy="396000"/>
+          </a:xfrm>
+          <a:prstGeom prst="ellipse">
+            <a:avLst/>
+          </a:prstGeom>
+          <a:solidFill>
+            <a:srgbClr val="FFFF00"/>
+          </a:solidFill>
+          <a:ln>
+            <a:solidFill>
+              <a:srgbClr val="FFFF00"/>
+            </a:solidFill>
+          </a:ln>
+        </p:spPr>
+        <p:style>
+          <a:lnRef idx="2">
+            <a:schemeClr val="accent1">
+              <a:shade val="50000"/>
+            </a:schemeClr>
+          </a:lnRef>
+          <a:fillRef idx="1">
+            <a:schemeClr val="accent1"/>
+          </a:fillRef>
+          <a:effectRef idx="0">
+            <a:schemeClr val="accent1"/>
+          </a:effectRef>
+          <a:fontRef idx="minor">
+            <a:schemeClr val="lt1"/>
+          </a:fontRef>
+        </p:style>
+        <p:txBody>
+          <a:bodyPr rtlCol="0" anchor="ctr"/>
+          <a:lstStyle/>
+          <a:p>
+            <a:pPr algn="ctr"/>
+            <a:endParaRPr lang="it-IT"/>
+          </a:p>
+        </p:txBody>
+      </p:sp>
+      <p:sp>
+        <p:nvSpPr>
+          <p:cNvPr id="77" name="Ovale 76">
+            <a:extLst>
+              <a:ext uri="{FF2B5EF4-FFF2-40B4-BE49-F238E27FC236}">
+                <a16:creationId xmlns:a16="http://schemas.microsoft.com/office/drawing/2014/main" id="{2BF32315-1D99-4F60-89E9-2BF87D4D2BC2}"/>
+              </a:ext>
+            </a:extLst>
+          </p:cNvPr>
+          <p:cNvSpPr/>
+          <p:nvPr/>
+        </p:nvSpPr>
+        <p:spPr>
+          <a:xfrm>
+            <a:off x="3838635" y="2600774"/>
+            <a:ext cx="396000" cy="396000"/>
+          </a:xfrm>
+          <a:prstGeom prst="ellipse">
+            <a:avLst/>
+          </a:prstGeom>
+          <a:solidFill>
+            <a:srgbClr val="FFFF00"/>
+          </a:solidFill>
+          <a:ln>
+            <a:solidFill>
+              <a:srgbClr val="FFFF00"/>
+            </a:solidFill>
+          </a:ln>
+        </p:spPr>
+        <p:style>
+          <a:lnRef idx="2">
+            <a:schemeClr val="accent1">
+              <a:shade val="50000"/>
+            </a:schemeClr>
+          </a:lnRef>
+          <a:fillRef idx="1">
+            <a:schemeClr val="accent1"/>
+          </a:fillRef>
+          <a:effectRef idx="0">
+            <a:schemeClr val="accent1"/>
+          </a:effectRef>
+          <a:fontRef idx="minor">
+            <a:schemeClr val="lt1"/>
+          </a:fontRef>
+        </p:style>
+        <p:txBody>
+          <a:bodyPr rtlCol="0" anchor="ctr"/>
+          <a:lstStyle/>
+          <a:p>
+            <a:pPr algn="ctr"/>
+            <a:endParaRPr lang="it-IT"/>
+          </a:p>
+        </p:txBody>
+      </p:sp>
+      <p:sp>
+        <p:nvSpPr>
+          <p:cNvPr id="78" name="Ovale 77">
+            <a:extLst>
+              <a:ext uri="{FF2B5EF4-FFF2-40B4-BE49-F238E27FC236}">
+                <a16:creationId xmlns:a16="http://schemas.microsoft.com/office/drawing/2014/main" id="{1DCE2A8D-3980-43C0-B993-286AA9E14889}"/>
+              </a:ext>
+            </a:extLst>
+          </p:cNvPr>
+          <p:cNvSpPr/>
+          <p:nvPr/>
+        </p:nvSpPr>
+        <p:spPr>
+          <a:xfrm>
+            <a:off x="2827423" y="2986175"/>
+            <a:ext cx="396000" cy="396000"/>
+          </a:xfrm>
+          <a:prstGeom prst="ellipse">
+            <a:avLst/>
+          </a:prstGeom>
+          <a:solidFill>
+            <a:srgbClr val="FFFF00"/>
+          </a:solidFill>
+          <a:ln>
+            <a:solidFill>
+              <a:srgbClr val="FFFF00"/>
+            </a:solidFill>
+          </a:ln>
+        </p:spPr>
+        <p:style>
+          <a:lnRef idx="2">
+            <a:schemeClr val="accent1">
+              <a:shade val="50000"/>
+            </a:schemeClr>
+          </a:lnRef>
+          <a:fillRef idx="1">
+            <a:schemeClr val="accent1"/>
+          </a:fillRef>
+          <a:effectRef idx="0">
+            <a:schemeClr val="accent1"/>
+          </a:effectRef>
+          <a:fontRef idx="minor">
+            <a:schemeClr val="lt1"/>
+          </a:fontRef>
+        </p:style>
+        <p:txBody>
+          <a:bodyPr rtlCol="0" anchor="ctr"/>
+          <a:lstStyle/>
+          <a:p>
+            <a:pPr algn="ctr"/>
+            <a:endParaRPr lang="it-IT"/>
+          </a:p>
+        </p:txBody>
+      </p:sp>
+      <p:sp>
+        <p:nvSpPr>
+          <p:cNvPr id="79" name="Ovale 78">
+            <a:extLst>
+              <a:ext uri="{FF2B5EF4-FFF2-40B4-BE49-F238E27FC236}">
+                <a16:creationId xmlns:a16="http://schemas.microsoft.com/office/drawing/2014/main" id="{579B419A-6409-4E1E-95EB-2C95682D6D8D}"/>
+              </a:ext>
+            </a:extLst>
+          </p:cNvPr>
+          <p:cNvSpPr/>
+          <p:nvPr/>
+        </p:nvSpPr>
+        <p:spPr>
+          <a:xfrm>
+            <a:off x="3447953" y="2302286"/>
+            <a:ext cx="396000" cy="396000"/>
+          </a:xfrm>
+          <a:prstGeom prst="ellipse">
+            <a:avLst/>
+          </a:prstGeom>
+          <a:solidFill>
+            <a:srgbClr val="FFFF00"/>
+          </a:solidFill>
+          <a:ln>
+            <a:solidFill>
+              <a:srgbClr val="FFFF00"/>
+            </a:solidFill>
+          </a:ln>
+        </p:spPr>
+        <p:style>
+          <a:lnRef idx="2">
+            <a:schemeClr val="accent1">
+              <a:shade val="50000"/>
+            </a:schemeClr>
+          </a:lnRef>
+          <a:fillRef idx="1">
+            <a:schemeClr val="accent1"/>
+          </a:fillRef>
+          <a:effectRef idx="0">
+            <a:schemeClr val="accent1"/>
+          </a:effectRef>
+          <a:fontRef idx="minor">
+            <a:schemeClr val="lt1"/>
+          </a:fontRef>
+        </p:style>
+        <p:txBody>
+          <a:bodyPr rtlCol="0" anchor="ctr"/>
+          <a:lstStyle/>
+          <a:p>
+            <a:pPr algn="ctr"/>
+            <a:endParaRPr lang="it-IT"/>
+          </a:p>
+        </p:txBody>
+      </p:sp>
+      <p:sp>
+        <p:nvSpPr>
+          <p:cNvPr id="80" name="Ovale 79">
+            <a:extLst>
+              <a:ext uri="{FF2B5EF4-FFF2-40B4-BE49-F238E27FC236}">
+                <a16:creationId xmlns:a16="http://schemas.microsoft.com/office/drawing/2014/main" id="{887FA786-ECFC-4F0F-9894-59F3A0FF119D}"/>
+              </a:ext>
+            </a:extLst>
+          </p:cNvPr>
+          <p:cNvSpPr/>
+          <p:nvPr/>
+        </p:nvSpPr>
+        <p:spPr>
+          <a:xfrm>
+            <a:off x="3377955" y="2810599"/>
+            <a:ext cx="396000" cy="396000"/>
+          </a:xfrm>
+          <a:prstGeom prst="ellipse">
+            <a:avLst/>
+          </a:prstGeom>
+          <a:solidFill>
+            <a:srgbClr val="FFFF00"/>
+          </a:solidFill>
+          <a:ln>
+            <a:solidFill>
+              <a:srgbClr val="FFFF00"/>
+            </a:solidFill>
+          </a:ln>
+        </p:spPr>
+        <p:style>
+          <a:lnRef idx="2">
+            <a:schemeClr val="accent1">
+              <a:shade val="50000"/>
+            </a:schemeClr>
+          </a:lnRef>
+          <a:fillRef idx="1">
+            <a:schemeClr val="accent1"/>
+          </a:fillRef>
+          <a:effectRef idx="0">
+            <a:schemeClr val="accent1"/>
+          </a:effectRef>
+          <a:fontRef idx="minor">
+            <a:schemeClr val="lt1"/>
+          </a:fontRef>
+        </p:style>
+        <p:txBody>
+          <a:bodyPr rtlCol="0" anchor="ctr"/>
+          <a:lstStyle/>
+          <a:p>
+            <a:pPr algn="ctr"/>
+            <a:endParaRPr lang="it-IT"/>
+          </a:p>
+        </p:txBody>
+      </p:sp>
+      <p:sp>
+        <p:nvSpPr>
+          <p:cNvPr id="81" name="Ovale 80">
+            <a:extLst>
+              <a:ext uri="{FF2B5EF4-FFF2-40B4-BE49-F238E27FC236}">
+                <a16:creationId xmlns:a16="http://schemas.microsoft.com/office/drawing/2014/main" id="{15ADD38D-FCBE-4AE4-858E-56E9BA9A8604}"/>
+              </a:ext>
+            </a:extLst>
+          </p:cNvPr>
+          <p:cNvSpPr/>
+          <p:nvPr/>
+        </p:nvSpPr>
+        <p:spPr>
+          <a:xfrm>
+            <a:off x="4992249" y="607267"/>
+            <a:ext cx="396000" cy="396000"/>
+          </a:xfrm>
+          <a:prstGeom prst="ellipse">
+            <a:avLst/>
+          </a:prstGeom>
+          <a:solidFill>
+            <a:srgbClr val="FFFF00"/>
+          </a:solidFill>
+          <a:ln>
+            <a:solidFill>
+              <a:srgbClr val="FFFF00"/>
+            </a:solidFill>
+          </a:ln>
+        </p:spPr>
+        <p:style>
+          <a:lnRef idx="2">
+            <a:schemeClr val="accent1">
+              <a:shade val="50000"/>
+            </a:schemeClr>
+          </a:lnRef>
+          <a:fillRef idx="1">
+            <a:schemeClr val="accent1"/>
+          </a:fillRef>
+          <a:effectRef idx="0">
+            <a:schemeClr val="accent1"/>
+          </a:effectRef>
+          <a:fontRef idx="minor">
+            <a:schemeClr val="lt1"/>
+          </a:fontRef>
+        </p:style>
+        <p:txBody>
+          <a:bodyPr rtlCol="0" anchor="ctr"/>
+          <a:lstStyle/>
+          <a:p>
+            <a:pPr algn="ctr"/>
+            <a:endParaRPr lang="it-IT"/>
+          </a:p>
+        </p:txBody>
+      </p:sp>
+      <p:sp>
+        <p:nvSpPr>
+          <p:cNvPr id="82" name="Ovale 81">
+            <a:extLst>
+              <a:ext uri="{FF2B5EF4-FFF2-40B4-BE49-F238E27FC236}">
+                <a16:creationId xmlns:a16="http://schemas.microsoft.com/office/drawing/2014/main" id="{9E99ABF1-D415-47B0-8726-FF16E5E2C6DC}"/>
+              </a:ext>
+            </a:extLst>
+          </p:cNvPr>
+          <p:cNvSpPr/>
+          <p:nvPr/>
+        </p:nvSpPr>
+        <p:spPr>
+          <a:xfrm>
+            <a:off x="4617831" y="1444447"/>
+            <a:ext cx="396000" cy="396000"/>
+          </a:xfrm>
+          <a:prstGeom prst="ellipse">
+            <a:avLst/>
+          </a:prstGeom>
+          <a:solidFill>
+            <a:srgbClr val="FFFF00"/>
+          </a:solidFill>
+          <a:ln>
+            <a:solidFill>
+              <a:srgbClr val="FFFF00"/>
+            </a:solidFill>
+          </a:ln>
+        </p:spPr>
+        <p:style>
+          <a:lnRef idx="2">
+            <a:schemeClr val="accent1">
+              <a:shade val="50000"/>
+            </a:schemeClr>
+          </a:lnRef>
+          <a:fillRef idx="1">
+            <a:schemeClr val="accent1"/>
+          </a:fillRef>
+          <a:effectRef idx="0">
+            <a:schemeClr val="accent1"/>
+          </a:effectRef>
+          <a:fontRef idx="minor">
+            <a:schemeClr val="lt1"/>
+          </a:fontRef>
+        </p:style>
+        <p:txBody>
+          <a:bodyPr rtlCol="0" anchor="ctr"/>
+          <a:lstStyle/>
+          <a:p>
+            <a:pPr algn="ctr"/>
+            <a:endParaRPr lang="it-IT"/>
+          </a:p>
+        </p:txBody>
+      </p:sp>
+      <p:sp>
+        <p:nvSpPr>
+          <p:cNvPr id="83" name="Ovale 82">
+            <a:extLst>
+              <a:ext uri="{FF2B5EF4-FFF2-40B4-BE49-F238E27FC236}">
+                <a16:creationId xmlns:a16="http://schemas.microsoft.com/office/drawing/2014/main" id="{CD1E6F48-E879-4D29-9C24-63D440E835A7}"/>
+              </a:ext>
+            </a:extLst>
+          </p:cNvPr>
+          <p:cNvSpPr/>
+          <p:nvPr/>
+        </p:nvSpPr>
+        <p:spPr>
+          <a:xfrm>
+            <a:off x="7902919" y="4158128"/>
+            <a:ext cx="396000" cy="396000"/>
+          </a:xfrm>
+          <a:prstGeom prst="ellipse">
+            <a:avLst/>
+          </a:prstGeom>
+          <a:solidFill>
+            <a:srgbClr val="FFFF00"/>
+          </a:solidFill>
+          <a:ln>
+            <a:solidFill>
+              <a:srgbClr val="FFFF00"/>
+            </a:solidFill>
+          </a:ln>
+        </p:spPr>
+        <p:style>
+          <a:lnRef idx="2">
+            <a:schemeClr val="accent1">
+              <a:shade val="50000"/>
+            </a:schemeClr>
+          </a:lnRef>
+          <a:fillRef idx="1">
+            <a:schemeClr val="accent1"/>
+          </a:fillRef>
+          <a:effectRef idx="0">
+            <a:schemeClr val="accent1"/>
+          </a:effectRef>
+          <a:fontRef idx="minor">
+            <a:schemeClr val="lt1"/>
+          </a:fontRef>
+        </p:style>
+        <p:txBody>
+          <a:bodyPr rtlCol="0" anchor="ctr"/>
+          <a:lstStyle/>
+          <a:p>
+            <a:pPr algn="ctr"/>
+            <a:endParaRPr lang="it-IT"/>
+          </a:p>
+        </p:txBody>
+      </p:sp>
+      <p:sp>
+        <p:nvSpPr>
+          <p:cNvPr id="84" name="Ovale 83">
+            <a:extLst>
+              <a:ext uri="{FF2B5EF4-FFF2-40B4-BE49-F238E27FC236}">
+                <a16:creationId xmlns:a16="http://schemas.microsoft.com/office/drawing/2014/main" id="{6B9E0A65-82D9-4650-A87F-19E72E06309E}"/>
+              </a:ext>
+            </a:extLst>
+          </p:cNvPr>
+          <p:cNvSpPr/>
+          <p:nvPr/>
+        </p:nvSpPr>
+        <p:spPr>
+          <a:xfrm>
+            <a:off x="8451590" y="4382261"/>
+            <a:ext cx="396000" cy="396000"/>
+          </a:xfrm>
+          <a:prstGeom prst="ellipse">
+            <a:avLst/>
+          </a:prstGeom>
+          <a:solidFill>
+            <a:srgbClr val="FFFF00"/>
+          </a:solidFill>
+          <a:ln>
+            <a:solidFill>
+              <a:srgbClr val="FFFF00"/>
+            </a:solidFill>
+          </a:ln>
+        </p:spPr>
+        <p:style>
+          <a:lnRef idx="2">
+            <a:schemeClr val="accent1">
+              <a:shade val="50000"/>
+            </a:schemeClr>
+          </a:lnRef>
+          <a:fillRef idx="1">
+            <a:schemeClr val="accent1"/>
+          </a:fillRef>
+          <a:effectRef idx="0">
+            <a:schemeClr val="accent1"/>
+          </a:effectRef>
+          <a:fontRef idx="minor">
+            <a:schemeClr val="lt1"/>
+          </a:fontRef>
+        </p:style>
+        <p:txBody>
+          <a:bodyPr rtlCol="0" anchor="ctr"/>
+          <a:lstStyle/>
+          <a:p>
+            <a:pPr algn="ctr"/>
+            <a:endParaRPr lang="it-IT"/>
+          </a:p>
+        </p:txBody>
+      </p:sp>
+      <p:sp>
+        <p:nvSpPr>
+          <p:cNvPr id="85" name="Ovale 84">
+            <a:extLst>
+              <a:ext uri="{FF2B5EF4-FFF2-40B4-BE49-F238E27FC236}">
+                <a16:creationId xmlns:a16="http://schemas.microsoft.com/office/drawing/2014/main" id="{14465AB0-27EF-4ECA-BFAD-2E4F102B6FB4}"/>
+              </a:ext>
+            </a:extLst>
+          </p:cNvPr>
+          <p:cNvSpPr/>
+          <p:nvPr/>
+        </p:nvSpPr>
+        <p:spPr>
+          <a:xfrm>
+            <a:off x="8796668" y="3334516"/>
+            <a:ext cx="396000" cy="396000"/>
+          </a:xfrm>
+          <a:prstGeom prst="ellipse">
+            <a:avLst/>
+          </a:prstGeom>
+          <a:solidFill>
+            <a:srgbClr val="FFFF00"/>
+          </a:solidFill>
+          <a:ln>
+            <a:solidFill>
+              <a:srgbClr val="FFFF00"/>
+            </a:solidFill>
+          </a:ln>
+        </p:spPr>
+        <p:style>
+          <a:lnRef idx="2">
+            <a:schemeClr val="accent1">
+              <a:shade val="50000"/>
+            </a:schemeClr>
+          </a:lnRef>
+          <a:fillRef idx="1">
+            <a:schemeClr val="accent1"/>
+          </a:fillRef>
+          <a:effectRef idx="0">
+            <a:schemeClr val="accent1"/>
+          </a:effectRef>
+          <a:fontRef idx="minor">
+            <a:schemeClr val="lt1"/>
+          </a:fontRef>
+        </p:style>
+        <p:txBody>
+          <a:bodyPr rtlCol="0" anchor="ctr"/>
+          <a:lstStyle/>
+          <a:p>
+            <a:pPr algn="ctr"/>
+            <a:endParaRPr lang="it-IT"/>
+          </a:p>
+        </p:txBody>
+      </p:sp>
+      <p:sp>
+        <p:nvSpPr>
+          <p:cNvPr id="86" name="Ovale 85">
+            <a:extLst>
+              <a:ext uri="{FF2B5EF4-FFF2-40B4-BE49-F238E27FC236}">
+                <a16:creationId xmlns:a16="http://schemas.microsoft.com/office/drawing/2014/main" id="{A37E0C85-5FD8-48E4-8375-2B05DDA68AC1}"/>
+              </a:ext>
+            </a:extLst>
+          </p:cNvPr>
+          <p:cNvSpPr/>
+          <p:nvPr/>
+        </p:nvSpPr>
+        <p:spPr>
+          <a:xfrm>
+            <a:off x="4093653" y="1931371"/>
+            <a:ext cx="396000" cy="396000"/>
+          </a:xfrm>
+          <a:prstGeom prst="ellipse">
+            <a:avLst/>
+          </a:prstGeom>
+          <a:solidFill>
+            <a:srgbClr val="FFFF00"/>
+          </a:solidFill>
+          <a:ln>
+            <a:solidFill>
+              <a:srgbClr val="FFFF00"/>
+            </a:solidFill>
+          </a:ln>
+        </p:spPr>
+        <p:style>
+          <a:lnRef idx="2">
+            <a:schemeClr val="accent1">
+              <a:shade val="50000"/>
+            </a:schemeClr>
+          </a:lnRef>
+          <a:fillRef idx="1">
+            <a:schemeClr val="accent1"/>
+          </a:fillRef>
+          <a:effectRef idx="0">
+            <a:schemeClr val="accent1"/>
+          </a:effectRef>
+          <a:fontRef idx="minor">
+            <a:schemeClr val="lt1"/>
+          </a:fontRef>
+        </p:style>
+        <p:txBody>
+          <a:bodyPr rtlCol="0" anchor="ctr"/>
+          <a:lstStyle/>
+          <a:p>
+            <a:pPr algn="ctr"/>
+            <a:endParaRPr lang="it-IT"/>
+          </a:p>
+        </p:txBody>
+      </p:sp>
+      <p:sp>
+        <p:nvSpPr>
+          <p:cNvPr id="87" name="Ovale 86">
+            <a:extLst>
+              <a:ext uri="{FF2B5EF4-FFF2-40B4-BE49-F238E27FC236}">
+                <a16:creationId xmlns:a16="http://schemas.microsoft.com/office/drawing/2014/main" id="{09023487-58C3-46F6-B8C4-5989857C72B9}"/>
+              </a:ext>
+            </a:extLst>
+          </p:cNvPr>
+          <p:cNvSpPr/>
+          <p:nvPr/>
+        </p:nvSpPr>
+        <p:spPr>
+          <a:xfrm>
+            <a:off x="5457867" y="909221"/>
+            <a:ext cx="396000" cy="396000"/>
+          </a:xfrm>
+          <a:prstGeom prst="ellipse">
+            <a:avLst/>
+          </a:prstGeom>
+          <a:solidFill>
+            <a:srgbClr val="FFFF00"/>
+          </a:solidFill>
+          <a:ln>
+            <a:solidFill>
+              <a:srgbClr val="FFFF00"/>
+            </a:solidFill>
+          </a:ln>
+        </p:spPr>
+        <p:style>
+          <a:lnRef idx="2">
+            <a:schemeClr val="accent1">
+              <a:shade val="50000"/>
+            </a:schemeClr>
+          </a:lnRef>
+          <a:fillRef idx="1">
+            <a:schemeClr val="accent1"/>
+          </a:fillRef>
+          <a:effectRef idx="0">
+            <a:schemeClr val="accent1"/>
+          </a:effectRef>
+          <a:fontRef idx="minor">
+            <a:schemeClr val="lt1"/>
+          </a:fontRef>
+        </p:style>
+        <p:txBody>
+          <a:bodyPr rtlCol="0" anchor="ctr"/>
+          <a:lstStyle/>
+          <a:p>
+            <a:pPr algn="ctr"/>
+            <a:endParaRPr lang="it-IT"/>
+          </a:p>
+        </p:txBody>
+      </p:sp>
+      <p:sp>
+        <p:nvSpPr>
+          <p:cNvPr id="88" name="Ovale 87">
+            <a:extLst>
+              <a:ext uri="{FF2B5EF4-FFF2-40B4-BE49-F238E27FC236}">
+                <a16:creationId xmlns:a16="http://schemas.microsoft.com/office/drawing/2014/main" id="{83398732-B94D-424A-AE8F-2A7B8B84F6BD}"/>
+              </a:ext>
+            </a:extLst>
+          </p:cNvPr>
+          <p:cNvSpPr/>
+          <p:nvPr/>
+        </p:nvSpPr>
+        <p:spPr>
+          <a:xfrm>
+            <a:off x="4964022" y="1102621"/>
+            <a:ext cx="396000" cy="396000"/>
+          </a:xfrm>
+          <a:prstGeom prst="ellipse">
+            <a:avLst/>
+          </a:prstGeom>
+          <a:solidFill>
+            <a:srgbClr val="FFFF00"/>
+          </a:solidFill>
+          <a:ln>
+            <a:solidFill>
+              <a:srgbClr val="FFFF00"/>
+            </a:solidFill>
+          </a:ln>
+        </p:spPr>
+        <p:style>
+          <a:lnRef idx="2">
+            <a:schemeClr val="accent1">
+              <a:shade val="50000"/>
+            </a:schemeClr>
+          </a:lnRef>
+          <a:fillRef idx="1">
+            <a:schemeClr val="accent1"/>
+          </a:fillRef>
+          <a:effectRef idx="0">
+            <a:schemeClr val="accent1"/>
+          </a:effectRef>
+          <a:fontRef idx="minor">
+            <a:schemeClr val="lt1"/>
+          </a:fontRef>
+        </p:style>
+        <p:txBody>
+          <a:bodyPr rtlCol="0" anchor="ctr"/>
+          <a:lstStyle/>
+          <a:p>
+            <a:pPr algn="ctr"/>
+            <a:endParaRPr lang="it-IT"/>
+          </a:p>
+        </p:txBody>
+      </p:sp>
+      <p:sp>
+        <p:nvSpPr>
+          <p:cNvPr id="89" name="Ovale 88">
+            <a:extLst>
+              <a:ext uri="{FF2B5EF4-FFF2-40B4-BE49-F238E27FC236}">
+                <a16:creationId xmlns:a16="http://schemas.microsoft.com/office/drawing/2014/main" id="{91E9D83B-14EC-47DB-A5A8-4B52B62A58A9}"/>
+              </a:ext>
+            </a:extLst>
+          </p:cNvPr>
+          <p:cNvSpPr/>
+          <p:nvPr/>
+        </p:nvSpPr>
+        <p:spPr>
+          <a:xfrm>
+            <a:off x="7701800" y="2651842"/>
+            <a:ext cx="396000" cy="396000"/>
+          </a:xfrm>
+          <a:prstGeom prst="ellipse">
+            <a:avLst/>
+          </a:prstGeom>
+          <a:solidFill>
+            <a:srgbClr val="FFFF00"/>
+          </a:solidFill>
+          <a:ln>
+            <a:solidFill>
+              <a:srgbClr val="FFFF00"/>
+            </a:solidFill>
+          </a:ln>
+        </p:spPr>
+        <p:style>
+          <a:lnRef idx="2">
+            <a:schemeClr val="accent1">
+              <a:shade val="50000"/>
+            </a:schemeClr>
+          </a:lnRef>
+          <a:fillRef idx="1">
+            <a:schemeClr val="accent1"/>
+          </a:fillRef>
+          <a:effectRef idx="0">
+            <a:schemeClr val="accent1"/>
+          </a:effectRef>
+          <a:fontRef idx="minor">
+            <a:schemeClr val="lt1"/>
+          </a:fontRef>
+        </p:style>
+        <p:txBody>
+          <a:bodyPr rtlCol="0" anchor="ctr"/>
+          <a:lstStyle/>
+          <a:p>
+            <a:pPr algn="ctr"/>
+            <a:endParaRPr lang="it-IT"/>
+          </a:p>
+        </p:txBody>
+      </p:sp>
+      <p:sp>
+        <p:nvSpPr>
+          <p:cNvPr id="90" name="Ovale 89">
+            <a:extLst>
+              <a:ext uri="{FF2B5EF4-FFF2-40B4-BE49-F238E27FC236}">
+                <a16:creationId xmlns:a16="http://schemas.microsoft.com/office/drawing/2014/main" id="{2959169D-201C-48A8-BB5D-3D8D4E9EEC9B}"/>
+              </a:ext>
+            </a:extLst>
+          </p:cNvPr>
+          <p:cNvSpPr/>
+          <p:nvPr/>
+        </p:nvSpPr>
+        <p:spPr>
+          <a:xfrm>
+            <a:off x="7248339" y="2880367"/>
+            <a:ext cx="396000" cy="396000"/>
+          </a:xfrm>
+          <a:prstGeom prst="ellipse">
+            <a:avLst/>
+          </a:prstGeom>
+          <a:solidFill>
+            <a:srgbClr val="FFFF00"/>
+          </a:solidFill>
+          <a:ln>
+            <a:solidFill>
+              <a:srgbClr val="FFFF00"/>
+            </a:solidFill>
+          </a:ln>
+        </p:spPr>
+        <p:style>
+          <a:lnRef idx="2">
+            <a:schemeClr val="accent1">
+              <a:shade val="50000"/>
+            </a:schemeClr>
+          </a:lnRef>
+          <a:fillRef idx="1">
+            <a:schemeClr val="accent1"/>
+          </a:fillRef>
+          <a:effectRef idx="0">
+            <a:schemeClr val="accent1"/>
+          </a:effectRef>
+          <a:fontRef idx="minor">
+            <a:schemeClr val="lt1"/>
+          </a:fontRef>
+        </p:style>
+        <p:txBody>
+          <a:bodyPr rtlCol="0" anchor="ctr"/>
+          <a:lstStyle/>
+          <a:p>
+            <a:pPr algn="ctr"/>
+            <a:endParaRPr lang="it-IT"/>
+          </a:p>
+        </p:txBody>
+      </p:sp>
+      <p:sp>
+        <p:nvSpPr>
+          <p:cNvPr id="91" name="Ovale 90">
+            <a:extLst>
+              <a:ext uri="{FF2B5EF4-FFF2-40B4-BE49-F238E27FC236}">
+                <a16:creationId xmlns:a16="http://schemas.microsoft.com/office/drawing/2014/main" id="{B83A863A-F0FC-4428-8769-D4F2CA7D4926}"/>
+              </a:ext>
+            </a:extLst>
+          </p:cNvPr>
+          <p:cNvSpPr/>
+          <p:nvPr/>
+        </p:nvSpPr>
+        <p:spPr>
+          <a:xfrm>
+            <a:off x="8714037" y="2222812"/>
+            <a:ext cx="396000" cy="396000"/>
+          </a:xfrm>
+          <a:prstGeom prst="ellipse">
+            <a:avLst/>
+          </a:prstGeom>
+          <a:solidFill>
+            <a:srgbClr val="FFFF00"/>
+          </a:solidFill>
+          <a:ln>
+            <a:solidFill>
+              <a:srgbClr val="FFFF00"/>
+            </a:solidFill>
+          </a:ln>
+        </p:spPr>
+        <p:style>
+          <a:lnRef idx="2">
+            <a:schemeClr val="accent1">
+              <a:shade val="50000"/>
+            </a:schemeClr>
+          </a:lnRef>
+          <a:fillRef idx="1">
+            <a:schemeClr val="accent1"/>
+          </a:fillRef>
+          <a:effectRef idx="0">
+            <a:schemeClr val="accent1"/>
+          </a:effectRef>
+          <a:fontRef idx="minor">
+            <a:schemeClr val="lt1"/>
+          </a:fontRef>
+        </p:style>
+        <p:txBody>
+          <a:bodyPr rtlCol="0" anchor="ctr"/>
+          <a:lstStyle/>
+          <a:p>
+            <a:pPr algn="ctr"/>
+            <a:endParaRPr lang="it-IT"/>
+          </a:p>
+        </p:txBody>
+      </p:sp>
+      <p:sp>
+        <p:nvSpPr>
+          <p:cNvPr id="92" name="Ovale 91">
+            <a:extLst>
+              <a:ext uri="{FF2B5EF4-FFF2-40B4-BE49-F238E27FC236}">
+                <a16:creationId xmlns:a16="http://schemas.microsoft.com/office/drawing/2014/main" id="{2A2F2CAA-688A-439C-B6EB-73E4432DDBC7}"/>
+              </a:ext>
+            </a:extLst>
+          </p:cNvPr>
+          <p:cNvSpPr/>
+          <p:nvPr/>
+        </p:nvSpPr>
+        <p:spPr>
+          <a:xfrm>
+            <a:off x="6559181" y="4380027"/>
+            <a:ext cx="396000" cy="396000"/>
+          </a:xfrm>
+          <a:prstGeom prst="ellipse">
+            <a:avLst/>
+          </a:prstGeom>
+          <a:solidFill>
+            <a:srgbClr val="FFFF00"/>
+          </a:solidFill>
+          <a:ln>
+            <a:solidFill>
+              <a:srgbClr val="FFFF00"/>
+            </a:solidFill>
+          </a:ln>
+        </p:spPr>
+        <p:style>
+          <a:lnRef idx="2">
+            <a:schemeClr val="accent1">
+              <a:shade val="50000"/>
+            </a:schemeClr>
+          </a:lnRef>
+          <a:fillRef idx="1">
+            <a:schemeClr val="accent1"/>
+          </a:fillRef>
+          <a:effectRef idx="0">
+            <a:schemeClr val="accent1"/>
+          </a:effectRef>
+          <a:fontRef idx="minor">
+            <a:schemeClr val="lt1"/>
+          </a:fontRef>
+        </p:style>
+        <p:txBody>
+          <a:bodyPr rtlCol="0" anchor="ctr"/>
+          <a:lstStyle/>
+          <a:p>
+            <a:pPr algn="ctr"/>
+            <a:endParaRPr lang="it-IT"/>
+          </a:p>
+        </p:txBody>
+      </p:sp>
+      <p:sp>
+        <p:nvSpPr>
+          <p:cNvPr id="93" name="Ovale 92">
+            <a:extLst>
+              <a:ext uri="{FF2B5EF4-FFF2-40B4-BE49-F238E27FC236}">
+                <a16:creationId xmlns:a16="http://schemas.microsoft.com/office/drawing/2014/main" id="{493099A5-FC42-41B9-A9FB-53708B43EC84}"/>
+              </a:ext>
+            </a:extLst>
+          </p:cNvPr>
+          <p:cNvSpPr/>
+          <p:nvPr/>
+        </p:nvSpPr>
+        <p:spPr>
+          <a:xfrm>
+            <a:off x="5814256" y="3931492"/>
+            <a:ext cx="396000" cy="396000"/>
+          </a:xfrm>
+          <a:prstGeom prst="ellipse">
+            <a:avLst/>
+          </a:prstGeom>
+          <a:solidFill>
+            <a:srgbClr val="FFFF00"/>
+          </a:solidFill>
+          <a:ln>
+            <a:solidFill>
+              <a:srgbClr val="FFFF00"/>
+            </a:solidFill>
+          </a:ln>
+        </p:spPr>
+        <p:style>
+          <a:lnRef idx="2">
+            <a:schemeClr val="accent1">
+              <a:shade val="50000"/>
+            </a:schemeClr>
+          </a:lnRef>
+          <a:fillRef idx="1">
+            <a:schemeClr val="accent1"/>
+          </a:fillRef>
+          <a:effectRef idx="0">
+            <a:schemeClr val="accent1"/>
+          </a:effectRef>
+          <a:fontRef idx="minor">
+            <a:schemeClr val="lt1"/>
+          </a:fontRef>
+        </p:style>
+        <p:txBody>
+          <a:bodyPr rtlCol="0" anchor="ctr"/>
+          <a:lstStyle/>
+          <a:p>
+            <a:pPr algn="ctr"/>
+            <a:endParaRPr lang="it-IT"/>
+          </a:p>
+        </p:txBody>
+      </p:sp>
+      <p:sp>
+        <p:nvSpPr>
+          <p:cNvPr id="94" name="Ovale 93">
+            <a:extLst>
+              <a:ext uri="{FF2B5EF4-FFF2-40B4-BE49-F238E27FC236}">
+                <a16:creationId xmlns:a16="http://schemas.microsoft.com/office/drawing/2014/main" id="{A78671FC-3CC1-40F5-AD86-D63DA00449D7}"/>
+              </a:ext>
+            </a:extLst>
+          </p:cNvPr>
+          <p:cNvSpPr/>
+          <p:nvPr/>
+        </p:nvSpPr>
+        <p:spPr>
+          <a:xfrm>
+            <a:off x="7468799" y="3813085"/>
+            <a:ext cx="396000" cy="396000"/>
+          </a:xfrm>
+          <a:prstGeom prst="ellipse">
+            <a:avLst/>
+          </a:prstGeom>
+          <a:solidFill>
+            <a:srgbClr val="FFFF00"/>
+          </a:solidFill>
+          <a:ln>
+            <a:solidFill>
+              <a:srgbClr val="FFFF00"/>
+            </a:solidFill>
+          </a:ln>
+        </p:spPr>
+        <p:style>
+          <a:lnRef idx="2">
+            <a:schemeClr val="accent1">
+              <a:shade val="50000"/>
+            </a:schemeClr>
+          </a:lnRef>
+          <a:fillRef idx="1">
+            <a:schemeClr val="accent1"/>
+          </a:fillRef>
+          <a:effectRef idx="0">
+            <a:schemeClr val="accent1"/>
+          </a:effectRef>
+          <a:fontRef idx="minor">
+            <a:schemeClr val="lt1"/>
+          </a:fontRef>
+        </p:style>
+        <p:txBody>
+          <a:bodyPr rtlCol="0" anchor="ctr"/>
+          <a:lstStyle/>
+          <a:p>
+            <a:pPr algn="ctr"/>
+            <a:endParaRPr lang="it-IT"/>
+          </a:p>
+        </p:txBody>
+      </p:sp>
+      <p:sp>
+        <p:nvSpPr>
+          <p:cNvPr id="95" name="Ovale 94">
+            <a:extLst>
+              <a:ext uri="{FF2B5EF4-FFF2-40B4-BE49-F238E27FC236}">
+                <a16:creationId xmlns:a16="http://schemas.microsoft.com/office/drawing/2014/main" id="{E92C1240-EE05-425E-81E6-DB89994E4F24}"/>
+              </a:ext>
+            </a:extLst>
+          </p:cNvPr>
+          <p:cNvSpPr/>
+          <p:nvPr/>
+        </p:nvSpPr>
+        <p:spPr>
+          <a:xfrm>
+            <a:off x="4683494" y="4205791"/>
+            <a:ext cx="396000" cy="396000"/>
+          </a:xfrm>
+          <a:prstGeom prst="ellipse">
+            <a:avLst/>
+          </a:prstGeom>
+          <a:solidFill>
+            <a:srgbClr val="FFFF00"/>
+          </a:solidFill>
+          <a:ln>
+            <a:solidFill>
+              <a:srgbClr val="FFFF00"/>
+            </a:solidFill>
+          </a:ln>
+        </p:spPr>
+        <p:style>
+          <a:lnRef idx="2">
+            <a:schemeClr val="accent1">
+              <a:shade val="50000"/>
+            </a:schemeClr>
+          </a:lnRef>
+          <a:fillRef idx="1">
+            <a:schemeClr val="accent1"/>
+          </a:fillRef>
+          <a:effectRef idx="0">
+            <a:schemeClr val="accent1"/>
+          </a:effectRef>
+          <a:fontRef idx="minor">
+            <a:schemeClr val="lt1"/>
+          </a:fontRef>
+        </p:style>
+        <p:txBody>
+          <a:bodyPr rtlCol="0" anchor="ctr"/>
+          <a:lstStyle/>
+          <a:p>
+            <a:pPr algn="ctr"/>
+            <a:endParaRPr lang="it-IT"/>
+          </a:p>
+        </p:txBody>
+      </p:sp>
+      <p:sp>
+        <p:nvSpPr>
+          <p:cNvPr id="96" name="Ovale 95">
+            <a:extLst>
+              <a:ext uri="{FF2B5EF4-FFF2-40B4-BE49-F238E27FC236}">
+                <a16:creationId xmlns:a16="http://schemas.microsoft.com/office/drawing/2014/main" id="{030D30FA-1B3C-46E4-9B2F-9EA09C7E3737}"/>
+              </a:ext>
+            </a:extLst>
+          </p:cNvPr>
+          <p:cNvSpPr/>
+          <p:nvPr/>
+        </p:nvSpPr>
+        <p:spPr>
+          <a:xfrm>
+            <a:off x="6814541" y="3881779"/>
+            <a:ext cx="396000" cy="396000"/>
+          </a:xfrm>
+          <a:prstGeom prst="ellipse">
+            <a:avLst/>
+          </a:prstGeom>
+          <a:solidFill>
+            <a:srgbClr val="FFFF00"/>
+          </a:solidFill>
+          <a:ln>
+            <a:solidFill>
+              <a:srgbClr val="FFFF00"/>
+            </a:solidFill>
+          </a:ln>
+        </p:spPr>
+        <p:style>
+          <a:lnRef idx="2">
+            <a:schemeClr val="accent1">
+              <a:shade val="50000"/>
+            </a:schemeClr>
+          </a:lnRef>
+          <a:fillRef idx="1">
+            <a:schemeClr val="accent1"/>
+          </a:fillRef>
+          <a:effectRef idx="0">
+            <a:schemeClr val="accent1"/>
+          </a:effectRef>
+          <a:fontRef idx="minor">
+            <a:schemeClr val="lt1"/>
+          </a:fontRef>
+        </p:style>
+        <p:txBody>
+          <a:bodyPr rtlCol="0" anchor="ctr"/>
+          <a:lstStyle/>
+          <a:p>
+            <a:pPr algn="ctr"/>
+            <a:endParaRPr lang="it-IT"/>
+          </a:p>
+        </p:txBody>
+      </p:sp>
+      <p:sp>
+        <p:nvSpPr>
+          <p:cNvPr id="97" name="Ovale 96">
+            <a:extLst>
+              <a:ext uri="{FF2B5EF4-FFF2-40B4-BE49-F238E27FC236}">
+                <a16:creationId xmlns:a16="http://schemas.microsoft.com/office/drawing/2014/main" id="{8EFF193C-861C-4BDA-875C-D2DFBF48CC08}"/>
+              </a:ext>
+            </a:extLst>
+          </p:cNvPr>
+          <p:cNvSpPr/>
+          <p:nvPr/>
+        </p:nvSpPr>
+        <p:spPr>
+          <a:xfrm>
+            <a:off x="5768325" y="4994792"/>
+            <a:ext cx="396000" cy="396000"/>
+          </a:xfrm>
+          <a:prstGeom prst="ellipse">
+            <a:avLst/>
+          </a:prstGeom>
+          <a:solidFill>
+            <a:srgbClr val="FFFF00"/>
+          </a:solidFill>
+          <a:ln>
+            <a:solidFill>
+              <a:srgbClr val="FFFF00"/>
+            </a:solidFill>
+          </a:ln>
+        </p:spPr>
+        <p:style>
+          <a:lnRef idx="2">
+            <a:schemeClr val="accent1">
+              <a:shade val="50000"/>
+            </a:schemeClr>
+          </a:lnRef>
+          <a:fillRef idx="1">
+            <a:schemeClr val="accent1"/>
+          </a:fillRef>
+          <a:effectRef idx="0">
+            <a:schemeClr val="accent1"/>
+          </a:effectRef>
+          <a:fontRef idx="minor">
+            <a:schemeClr val="lt1"/>
+          </a:fontRef>
+        </p:style>
+        <p:txBody>
+          <a:bodyPr rtlCol="0" anchor="ctr"/>
+          <a:lstStyle/>
+          <a:p>
+            <a:pPr algn="ctr"/>
+            <a:endParaRPr lang="it-IT"/>
+          </a:p>
+        </p:txBody>
+      </p:sp>
+      <p:sp>
+        <p:nvSpPr>
+          <p:cNvPr id="98" name="Ovale 97">
+            <a:extLst>
+              <a:ext uri="{FF2B5EF4-FFF2-40B4-BE49-F238E27FC236}">
+                <a16:creationId xmlns:a16="http://schemas.microsoft.com/office/drawing/2014/main" id="{32F7CEBC-ABDB-431D-9D5C-8071E71E2AB2}"/>
+              </a:ext>
+            </a:extLst>
+          </p:cNvPr>
+          <p:cNvSpPr/>
+          <p:nvPr/>
+        </p:nvSpPr>
+        <p:spPr>
+          <a:xfrm>
+            <a:off x="8327142" y="3942136"/>
+            <a:ext cx="396000" cy="396000"/>
+          </a:xfrm>
+          <a:prstGeom prst="ellipse">
+            <a:avLst/>
+          </a:prstGeom>
+          <a:solidFill>
+            <a:srgbClr val="FFFF00"/>
+          </a:solidFill>
+          <a:ln>
+            <a:solidFill>
+              <a:srgbClr val="FFFF00"/>
+            </a:solidFill>
+          </a:ln>
+        </p:spPr>
+        <p:style>
+          <a:lnRef idx="2">
+            <a:schemeClr val="accent1">
+              <a:shade val="50000"/>
+            </a:schemeClr>
+          </a:lnRef>
+          <a:fillRef idx="1">
+            <a:schemeClr val="accent1"/>
+          </a:fillRef>
+          <a:effectRef idx="0">
+            <a:schemeClr val="accent1"/>
+          </a:effectRef>
+          <a:fontRef idx="minor">
+            <a:schemeClr val="lt1"/>
+          </a:fontRef>
+        </p:style>
+        <p:txBody>
+          <a:bodyPr rtlCol="0" anchor="ctr"/>
+          <a:lstStyle/>
+          <a:p>
+            <a:pPr algn="ctr"/>
+            <a:endParaRPr lang="it-IT"/>
+          </a:p>
+        </p:txBody>
+      </p:sp>
+      <p:sp>
+        <p:nvSpPr>
+          <p:cNvPr id="99" name="Ovale 98">
+            <a:extLst>
+              <a:ext uri="{FF2B5EF4-FFF2-40B4-BE49-F238E27FC236}">
+                <a16:creationId xmlns:a16="http://schemas.microsoft.com/office/drawing/2014/main" id="{402FB1DA-F590-46D4-B124-A7000013E856}"/>
+              </a:ext>
+            </a:extLst>
+          </p:cNvPr>
+          <p:cNvSpPr/>
+          <p:nvPr/>
+        </p:nvSpPr>
+        <p:spPr>
+          <a:xfrm>
+            <a:off x="7931142" y="3078367"/>
+            <a:ext cx="396000" cy="396000"/>
+          </a:xfrm>
+          <a:prstGeom prst="ellipse">
+            <a:avLst/>
+          </a:prstGeom>
+          <a:solidFill>
+            <a:srgbClr val="FFFF00"/>
+          </a:solidFill>
+          <a:ln>
+            <a:solidFill>
+              <a:srgbClr val="FFFF00"/>
+            </a:solidFill>
+          </a:ln>
+        </p:spPr>
+        <p:style>
+          <a:lnRef idx="2">
+            <a:schemeClr val="accent1">
+              <a:shade val="50000"/>
+            </a:schemeClr>
+          </a:lnRef>
+          <a:fillRef idx="1">
+            <a:schemeClr val="accent1"/>
+          </a:fillRef>
+          <a:effectRef idx="0">
+            <a:schemeClr val="accent1"/>
+          </a:effectRef>
+          <a:fontRef idx="minor">
+            <a:schemeClr val="lt1"/>
+          </a:fontRef>
+        </p:style>
+        <p:txBody>
+          <a:bodyPr rtlCol="0" anchor="ctr"/>
+          <a:lstStyle/>
+          <a:p>
+            <a:pPr algn="ctr"/>
+            <a:endParaRPr lang="it-IT"/>
+          </a:p>
+        </p:txBody>
+      </p:sp>
+      <p:sp>
+        <p:nvSpPr>
+          <p:cNvPr id="100" name="Ovale 99">
+            <a:extLst>
+              <a:ext uri="{FF2B5EF4-FFF2-40B4-BE49-F238E27FC236}">
+                <a16:creationId xmlns:a16="http://schemas.microsoft.com/office/drawing/2014/main" id="{8773609D-AC71-4D54-953A-8545B269F4BA}"/>
+              </a:ext>
+            </a:extLst>
+          </p:cNvPr>
+          <p:cNvSpPr/>
+          <p:nvPr/>
+        </p:nvSpPr>
+        <p:spPr>
+          <a:xfrm>
+            <a:off x="7761794" y="2122993"/>
+            <a:ext cx="372838" cy="396000"/>
+          </a:xfrm>
+          <a:prstGeom prst="ellipse">
+            <a:avLst/>
+          </a:prstGeom>
+          <a:solidFill>
+            <a:srgbClr val="FFFF00"/>
+          </a:solidFill>
+          <a:ln>
+            <a:solidFill>
+              <a:srgbClr val="FFFF00"/>
+            </a:solidFill>
+          </a:ln>
+        </p:spPr>
+        <p:style>
+          <a:lnRef idx="2">
+            <a:schemeClr val="accent1">
+              <a:shade val="50000"/>
+            </a:schemeClr>
+          </a:lnRef>
+          <a:fillRef idx="1">
+            <a:schemeClr val="accent1"/>
+          </a:fillRef>
+          <a:effectRef idx="0">
+            <a:schemeClr val="accent1"/>
+          </a:effectRef>
+          <a:fontRef idx="minor">
+            <a:schemeClr val="lt1"/>
+          </a:fontRef>
+        </p:style>
+        <p:txBody>
+          <a:bodyPr rtlCol="0" anchor="ctr"/>
+          <a:lstStyle/>
+          <a:p>
+            <a:pPr algn="ctr"/>
+            <a:endParaRPr lang="it-IT"/>
+          </a:p>
+        </p:txBody>
+      </p:sp>
+      <p:sp>
+        <p:nvSpPr>
+          <p:cNvPr id="101" name="Ovale 100">
+            <a:extLst>
+              <a:ext uri="{FF2B5EF4-FFF2-40B4-BE49-F238E27FC236}">
+                <a16:creationId xmlns:a16="http://schemas.microsoft.com/office/drawing/2014/main" id="{C2F359B4-945E-41FD-8049-B05B3A336862}"/>
+              </a:ext>
+            </a:extLst>
+          </p:cNvPr>
+          <p:cNvSpPr/>
+          <p:nvPr/>
+        </p:nvSpPr>
+        <p:spPr>
+          <a:xfrm>
+            <a:off x="6978366" y="2476947"/>
+            <a:ext cx="372838" cy="396000"/>
+          </a:xfrm>
+          <a:prstGeom prst="ellipse">
+            <a:avLst/>
+          </a:prstGeom>
+          <a:solidFill>
+            <a:srgbClr val="FFFF00"/>
+          </a:solidFill>
+          <a:ln>
+            <a:solidFill>
+              <a:srgbClr val="FFFF00"/>
+            </a:solidFill>
+          </a:ln>
+        </p:spPr>
+        <p:style>
+          <a:lnRef idx="2">
+            <a:schemeClr val="accent1">
+              <a:shade val="50000"/>
+            </a:schemeClr>
+          </a:lnRef>
+          <a:fillRef idx="1">
+            <a:schemeClr val="accent1"/>
+          </a:fillRef>
+          <a:effectRef idx="0">
+            <a:schemeClr val="accent1"/>
+          </a:effectRef>
+          <a:fontRef idx="minor">
+            <a:schemeClr val="lt1"/>
+          </a:fontRef>
+        </p:style>
+        <p:txBody>
+          <a:bodyPr rtlCol="0" anchor="ctr"/>
+          <a:lstStyle/>
+          <a:p>
+            <a:pPr algn="ctr"/>
+            <a:endParaRPr lang="it-IT"/>
+          </a:p>
+        </p:txBody>
+      </p:sp>
+      <p:sp>
+        <p:nvSpPr>
+          <p:cNvPr id="102" name="Ovale 101">
+            <a:extLst>
+              <a:ext uri="{FF2B5EF4-FFF2-40B4-BE49-F238E27FC236}">
+                <a16:creationId xmlns:a16="http://schemas.microsoft.com/office/drawing/2014/main" id="{8ECFF4C3-74B0-4569-8A60-402841251AC1}"/>
+              </a:ext>
+            </a:extLst>
+          </p:cNvPr>
+          <p:cNvSpPr/>
+          <p:nvPr/>
+        </p:nvSpPr>
+        <p:spPr>
+          <a:xfrm>
+            <a:off x="8245337" y="2158528"/>
+            <a:ext cx="372838" cy="396000"/>
+          </a:xfrm>
+          <a:prstGeom prst="ellipse">
+            <a:avLst/>
+          </a:prstGeom>
+          <a:solidFill>
+            <a:srgbClr val="FFFF00"/>
+          </a:solidFill>
+          <a:ln>
+            <a:solidFill>
+              <a:srgbClr val="FFFF00"/>
+            </a:solidFill>
+          </a:ln>
+        </p:spPr>
+        <p:style>
+          <a:lnRef idx="2">
+            <a:schemeClr val="accent1">
+              <a:shade val="50000"/>
+            </a:schemeClr>
+          </a:lnRef>
+          <a:fillRef idx="1">
+            <a:schemeClr val="accent1"/>
+          </a:fillRef>
+          <a:effectRef idx="0">
+            <a:schemeClr val="accent1"/>
+          </a:effectRef>
+          <a:fontRef idx="minor">
+            <a:schemeClr val="lt1"/>
+          </a:fontRef>
+        </p:style>
+        <p:txBody>
+          <a:bodyPr rtlCol="0" anchor="ctr"/>
+          <a:lstStyle/>
+          <a:p>
+            <a:pPr algn="ctr"/>
+            <a:endParaRPr lang="it-IT"/>
+          </a:p>
+        </p:txBody>
+      </p:sp>
+      <p:sp>
+        <p:nvSpPr>
+          <p:cNvPr id="103" name="Ovale 102">
+            <a:extLst>
+              <a:ext uri="{FF2B5EF4-FFF2-40B4-BE49-F238E27FC236}">
+                <a16:creationId xmlns:a16="http://schemas.microsoft.com/office/drawing/2014/main" id="{756920B8-86F5-46FA-BEF3-64FA706AFAE6}"/>
+              </a:ext>
+            </a:extLst>
+          </p:cNvPr>
+          <p:cNvSpPr/>
+          <p:nvPr/>
+        </p:nvSpPr>
+        <p:spPr>
+          <a:xfrm>
+            <a:off x="9030354" y="2550808"/>
+            <a:ext cx="372838" cy="396000"/>
+          </a:xfrm>
+          <a:prstGeom prst="ellipse">
+            <a:avLst/>
+          </a:prstGeom>
+          <a:solidFill>
+            <a:srgbClr val="FFFF00"/>
+          </a:solidFill>
+          <a:ln>
+            <a:solidFill>
+              <a:srgbClr val="FFFF00"/>
+            </a:solidFill>
+          </a:ln>
+        </p:spPr>
+        <p:style>
+          <a:lnRef idx="2">
+            <a:schemeClr val="accent1">
+              <a:shade val="50000"/>
+            </a:schemeClr>
+          </a:lnRef>
+          <a:fillRef idx="1">
+            <a:schemeClr val="accent1"/>
+          </a:fillRef>
+          <a:effectRef idx="0">
+            <a:schemeClr val="accent1"/>
+          </a:effectRef>
+          <a:fontRef idx="minor">
+            <a:schemeClr val="lt1"/>
+          </a:fontRef>
+        </p:style>
+        <p:txBody>
+          <a:bodyPr rtlCol="0" anchor="ctr"/>
+          <a:lstStyle/>
+          <a:p>
+            <a:pPr algn="ctr"/>
+            <a:endParaRPr lang="it-IT"/>
+          </a:p>
+        </p:txBody>
+      </p:sp>
+      <p:sp>
+        <p:nvSpPr>
+          <p:cNvPr id="104" name="Ovale 103">
+            <a:extLst>
+              <a:ext uri="{FF2B5EF4-FFF2-40B4-BE49-F238E27FC236}">
+                <a16:creationId xmlns:a16="http://schemas.microsoft.com/office/drawing/2014/main" id="{D4D39CC2-8A97-49DA-BB64-851ED0E6DA75}"/>
+              </a:ext>
+            </a:extLst>
+          </p:cNvPr>
+          <p:cNvSpPr/>
+          <p:nvPr/>
+        </p:nvSpPr>
+        <p:spPr>
+          <a:xfrm>
+            <a:off x="9234230" y="2956728"/>
+            <a:ext cx="372838" cy="396000"/>
+          </a:xfrm>
+          <a:prstGeom prst="ellipse">
+            <a:avLst/>
+          </a:prstGeom>
+          <a:solidFill>
+            <a:srgbClr val="FFFF00"/>
+          </a:solidFill>
+          <a:ln>
+            <a:solidFill>
+              <a:srgbClr val="FFFF00"/>
+            </a:solidFill>
+          </a:ln>
+        </p:spPr>
+        <p:style>
+          <a:lnRef idx="2">
+            <a:schemeClr val="accent1">
+              <a:shade val="50000"/>
+            </a:schemeClr>
+          </a:lnRef>
+          <a:fillRef idx="1">
+            <a:schemeClr val="accent1"/>
+          </a:fillRef>
+          <a:effectRef idx="0">
+            <a:schemeClr val="accent1"/>
+          </a:effectRef>
+          <a:fontRef idx="minor">
+            <a:schemeClr val="lt1"/>
+          </a:fontRef>
+        </p:style>
+        <p:txBody>
+          <a:bodyPr rtlCol="0" anchor="ctr"/>
+          <a:lstStyle/>
+          <a:p>
+            <a:pPr algn="ctr"/>
+            <a:endParaRPr lang="it-IT"/>
+          </a:p>
+        </p:txBody>
+      </p:sp>
+      <p:sp>
+        <p:nvSpPr>
+          <p:cNvPr id="105" name="Ovale 104">
+            <a:extLst>
+              <a:ext uri="{FF2B5EF4-FFF2-40B4-BE49-F238E27FC236}">
+                <a16:creationId xmlns:a16="http://schemas.microsoft.com/office/drawing/2014/main" id="{3CDFDF2D-C53B-46F0-97C5-AE12B8702E99}"/>
+              </a:ext>
+            </a:extLst>
+          </p:cNvPr>
+          <p:cNvSpPr/>
+          <p:nvPr/>
+        </p:nvSpPr>
+        <p:spPr>
+          <a:xfrm>
+            <a:off x="8276895" y="2685864"/>
+            <a:ext cx="372838" cy="396000"/>
+          </a:xfrm>
+          <a:prstGeom prst="ellipse">
+            <a:avLst/>
+          </a:prstGeom>
+          <a:solidFill>
+            <a:srgbClr val="FFFF00"/>
+          </a:solidFill>
+          <a:ln>
+            <a:solidFill>
+              <a:srgbClr val="FFFF00"/>
+            </a:solidFill>
+          </a:ln>
+        </p:spPr>
+        <p:style>
+          <a:lnRef idx="2">
+            <a:schemeClr val="accent1">
+              <a:shade val="50000"/>
+            </a:schemeClr>
+          </a:lnRef>
+          <a:fillRef idx="1">
+            <a:schemeClr val="accent1"/>
+          </a:fillRef>
+          <a:effectRef idx="0">
+            <a:schemeClr val="accent1"/>
+          </a:effectRef>
+          <a:fontRef idx="minor">
+            <a:schemeClr val="lt1"/>
+          </a:fontRef>
+        </p:style>
+        <p:txBody>
+          <a:bodyPr rtlCol="0" anchor="ctr"/>
+          <a:lstStyle/>
+          <a:p>
+            <a:pPr algn="ctr"/>
+            <a:endParaRPr lang="it-IT"/>
+          </a:p>
+        </p:txBody>
+      </p:sp>
+      <p:sp>
+        <p:nvSpPr>
+          <p:cNvPr id="106" name="Ovale 105">
+            <a:extLst>
+              <a:ext uri="{FF2B5EF4-FFF2-40B4-BE49-F238E27FC236}">
+                <a16:creationId xmlns:a16="http://schemas.microsoft.com/office/drawing/2014/main" id="{3CC0BE65-6318-4F50-B352-B750B5D3F0E4}"/>
+              </a:ext>
+            </a:extLst>
+          </p:cNvPr>
+          <p:cNvSpPr/>
+          <p:nvPr/>
+        </p:nvSpPr>
+        <p:spPr>
+          <a:xfrm>
+            <a:off x="9327694" y="3870177"/>
+            <a:ext cx="372838" cy="396000"/>
+          </a:xfrm>
+          <a:prstGeom prst="ellipse">
+            <a:avLst/>
+          </a:prstGeom>
+          <a:solidFill>
+            <a:srgbClr val="FFFF00"/>
+          </a:solidFill>
+          <a:ln>
+            <a:solidFill>
+              <a:srgbClr val="FFFF00"/>
+            </a:solidFill>
+          </a:ln>
+        </p:spPr>
+        <p:style>
+          <a:lnRef idx="2">
+            <a:schemeClr val="accent1">
+              <a:shade val="50000"/>
+            </a:schemeClr>
+          </a:lnRef>
+          <a:fillRef idx="1">
+            <a:schemeClr val="accent1"/>
+          </a:fillRef>
+          <a:effectRef idx="0">
+            <a:schemeClr val="accent1"/>
+          </a:effectRef>
+          <a:fontRef idx="minor">
+            <a:schemeClr val="lt1"/>
+          </a:fontRef>
+        </p:style>
+        <p:txBody>
+          <a:bodyPr rtlCol="0" anchor="ctr"/>
+          <a:lstStyle/>
+          <a:p>
+            <a:pPr algn="ctr"/>
+            <a:endParaRPr lang="it-IT"/>
+          </a:p>
+        </p:txBody>
+      </p:sp>
+      <p:sp>
+        <p:nvSpPr>
+          <p:cNvPr id="107" name="Ovale 106">
+            <a:extLst>
+              <a:ext uri="{FF2B5EF4-FFF2-40B4-BE49-F238E27FC236}">
+                <a16:creationId xmlns:a16="http://schemas.microsoft.com/office/drawing/2014/main" id="{D256685D-D23A-4AFC-98D4-07B2612B502D}"/>
+              </a:ext>
+            </a:extLst>
+          </p:cNvPr>
+          <p:cNvSpPr/>
+          <p:nvPr/>
+        </p:nvSpPr>
+        <p:spPr>
+          <a:xfrm>
+            <a:off x="9254916" y="3407490"/>
+            <a:ext cx="372838" cy="396000"/>
+          </a:xfrm>
+          <a:prstGeom prst="ellipse">
+            <a:avLst/>
+          </a:prstGeom>
+          <a:solidFill>
+            <a:srgbClr val="FFFF00"/>
+          </a:solidFill>
+          <a:ln>
+            <a:solidFill>
+              <a:srgbClr val="FFFF00"/>
+            </a:solidFill>
+          </a:ln>
+        </p:spPr>
+        <p:style>
+          <a:lnRef idx="2">
+            <a:schemeClr val="accent1">
+              <a:shade val="50000"/>
+            </a:schemeClr>
+          </a:lnRef>
+          <a:fillRef idx="1">
+            <a:schemeClr val="accent1"/>
+          </a:fillRef>
+          <a:effectRef idx="0">
+            <a:schemeClr val="accent1"/>
+          </a:effectRef>
+          <a:fontRef idx="minor">
+            <a:schemeClr val="lt1"/>
+          </a:fontRef>
+        </p:style>
+        <p:txBody>
+          <a:bodyPr rtlCol="0" anchor="ctr"/>
+          <a:lstStyle/>
+          <a:p>
+            <a:pPr algn="ctr"/>
+            <a:endParaRPr lang="it-IT"/>
+          </a:p>
+        </p:txBody>
+      </p:sp>
+      <p:sp>
+        <p:nvSpPr>
+          <p:cNvPr id="108" name="Ovale 107">
+            <a:extLst>
+              <a:ext uri="{FF2B5EF4-FFF2-40B4-BE49-F238E27FC236}">
+                <a16:creationId xmlns:a16="http://schemas.microsoft.com/office/drawing/2014/main" id="{E507EBA1-67C1-44EE-870A-778D98372051}"/>
+              </a:ext>
+            </a:extLst>
+          </p:cNvPr>
+          <p:cNvSpPr/>
+          <p:nvPr/>
+        </p:nvSpPr>
+        <p:spPr>
+          <a:xfrm>
+            <a:off x="8888996" y="4679059"/>
+            <a:ext cx="372838" cy="396000"/>
+          </a:xfrm>
+          <a:prstGeom prst="ellipse">
+            <a:avLst/>
+          </a:prstGeom>
+          <a:solidFill>
+            <a:srgbClr val="FFFF00"/>
+          </a:solidFill>
+          <a:ln>
+            <a:solidFill>
+              <a:srgbClr val="FFFF00"/>
+            </a:solidFill>
+          </a:ln>
+        </p:spPr>
+        <p:style>
+          <a:lnRef idx="2">
+            <a:schemeClr val="accent1">
+              <a:shade val="50000"/>
+            </a:schemeClr>
+          </a:lnRef>
+          <a:fillRef idx="1">
+            <a:schemeClr val="accent1"/>
+          </a:fillRef>
+          <a:effectRef idx="0">
+            <a:schemeClr val="accent1"/>
+          </a:effectRef>
+          <a:fontRef idx="minor">
+            <a:schemeClr val="lt1"/>
+          </a:fontRef>
+        </p:style>
+        <p:txBody>
+          <a:bodyPr rtlCol="0" anchor="ctr"/>
+          <a:lstStyle/>
+          <a:p>
+            <a:pPr algn="ctr"/>
+            <a:endParaRPr lang="it-IT"/>
+          </a:p>
+        </p:txBody>
+      </p:sp>
+      <p:sp>
+        <p:nvSpPr>
+          <p:cNvPr id="109" name="Ovale 108">
+            <a:extLst>
+              <a:ext uri="{FF2B5EF4-FFF2-40B4-BE49-F238E27FC236}">
+                <a16:creationId xmlns:a16="http://schemas.microsoft.com/office/drawing/2014/main" id="{15662693-4F22-4303-8D14-A9F5887FC567}"/>
+              </a:ext>
+            </a:extLst>
+          </p:cNvPr>
+          <p:cNvSpPr/>
+          <p:nvPr/>
+        </p:nvSpPr>
+        <p:spPr>
+          <a:xfrm>
+            <a:off x="3520603" y="1444502"/>
+            <a:ext cx="372838" cy="396000"/>
+          </a:xfrm>
+          <a:prstGeom prst="ellipse">
+            <a:avLst/>
+          </a:prstGeom>
+          <a:solidFill>
+            <a:srgbClr val="FFFF00"/>
+          </a:solidFill>
+          <a:ln>
+            <a:solidFill>
+              <a:srgbClr val="FFFF00"/>
+            </a:solidFill>
+          </a:ln>
+        </p:spPr>
+        <p:style>
+          <a:lnRef idx="2">
+            <a:schemeClr val="accent1">
+              <a:shade val="50000"/>
+            </a:schemeClr>
+          </a:lnRef>
+          <a:fillRef idx="1">
+            <a:schemeClr val="accent1"/>
+          </a:fillRef>
+          <a:effectRef idx="0">
+            <a:schemeClr val="accent1"/>
+          </a:effectRef>
+          <a:fontRef idx="minor">
+            <a:schemeClr val="lt1"/>
+          </a:fontRef>
+        </p:style>
+        <p:txBody>
+          <a:bodyPr rtlCol="0" anchor="ctr"/>
+          <a:lstStyle/>
+          <a:p>
+            <a:pPr algn="ctr"/>
+            <a:endParaRPr lang="it-IT"/>
+          </a:p>
+        </p:txBody>
+      </p:sp>
+      <p:sp>
+        <p:nvSpPr>
+          <p:cNvPr id="110" name="Ovale 109">
+            <a:extLst>
+              <a:ext uri="{FF2B5EF4-FFF2-40B4-BE49-F238E27FC236}">
+                <a16:creationId xmlns:a16="http://schemas.microsoft.com/office/drawing/2014/main" id="{B5304043-5FDB-4934-AA57-57FF358840E5}"/>
+              </a:ext>
+            </a:extLst>
+          </p:cNvPr>
+          <p:cNvSpPr/>
+          <p:nvPr/>
+        </p:nvSpPr>
+        <p:spPr>
+          <a:xfrm>
+            <a:off x="4317872" y="994680"/>
+            <a:ext cx="396000" cy="396000"/>
+          </a:xfrm>
+          <a:prstGeom prst="ellipse">
+            <a:avLst/>
+          </a:prstGeom>
+          <a:solidFill>
+            <a:srgbClr val="FFFF00"/>
+          </a:solidFill>
+          <a:ln>
+            <a:solidFill>
+              <a:srgbClr val="FFFF00"/>
+            </a:solidFill>
+          </a:ln>
+        </p:spPr>
+        <p:style>
+          <a:lnRef idx="2">
+            <a:schemeClr val="accent1">
+              <a:shade val="50000"/>
+            </a:schemeClr>
+          </a:lnRef>
+          <a:fillRef idx="1">
+            <a:schemeClr val="accent1"/>
+          </a:fillRef>
+          <a:effectRef idx="0">
+            <a:schemeClr val="accent1"/>
+          </a:effectRef>
+          <a:fontRef idx="minor">
+            <a:schemeClr val="lt1"/>
+          </a:fontRef>
+        </p:style>
+        <p:txBody>
+          <a:bodyPr rtlCol="0" anchor="ctr"/>
+          <a:lstStyle/>
+          <a:p>
+            <a:pPr algn="ctr"/>
+            <a:endParaRPr lang="it-IT"/>
+          </a:p>
+        </p:txBody>
+      </p:sp>
+      <p:sp>
+        <p:nvSpPr>
+          <p:cNvPr id="111" name="Ovale 110">
+            <a:extLst>
+              <a:ext uri="{FF2B5EF4-FFF2-40B4-BE49-F238E27FC236}">
+                <a16:creationId xmlns:a16="http://schemas.microsoft.com/office/drawing/2014/main" id="{5FB0789F-9EB5-4DA3-85DC-284272AA07FA}"/>
+              </a:ext>
+            </a:extLst>
+          </p:cNvPr>
+          <p:cNvSpPr/>
+          <p:nvPr/>
+        </p:nvSpPr>
+        <p:spPr>
+          <a:xfrm>
+            <a:off x="3999669" y="539969"/>
+            <a:ext cx="396000" cy="396000"/>
+          </a:xfrm>
+          <a:prstGeom prst="ellipse">
+            <a:avLst/>
+          </a:prstGeom>
+          <a:solidFill>
+            <a:srgbClr val="FFFF00"/>
+          </a:solidFill>
+          <a:ln>
+            <a:solidFill>
+              <a:srgbClr val="FFFF00"/>
+            </a:solidFill>
+          </a:ln>
+        </p:spPr>
+        <p:style>
+          <a:lnRef idx="2">
+            <a:schemeClr val="accent1">
+              <a:shade val="50000"/>
+            </a:schemeClr>
+          </a:lnRef>
+          <a:fillRef idx="1">
+            <a:schemeClr val="accent1"/>
+          </a:fillRef>
+          <a:effectRef idx="0">
+            <a:schemeClr val="accent1"/>
+          </a:effectRef>
+          <a:fontRef idx="minor">
+            <a:schemeClr val="lt1"/>
+          </a:fontRef>
+        </p:style>
+        <p:txBody>
+          <a:bodyPr rtlCol="0" anchor="ctr"/>
+          <a:lstStyle/>
+          <a:p>
+            <a:pPr algn="ctr"/>
+            <a:endParaRPr lang="it-IT"/>
+          </a:p>
+        </p:txBody>
+      </p:sp>
+      <p:sp>
+        <p:nvSpPr>
+          <p:cNvPr id="112" name="Ovale 111">
+            <a:extLst>
+              <a:ext uri="{FF2B5EF4-FFF2-40B4-BE49-F238E27FC236}">
+                <a16:creationId xmlns:a16="http://schemas.microsoft.com/office/drawing/2014/main" id="{C4F9EDB5-5989-4296-BC77-0B8B53ED8B33}"/>
+              </a:ext>
+            </a:extLst>
+          </p:cNvPr>
+          <p:cNvSpPr/>
+          <p:nvPr/>
+        </p:nvSpPr>
+        <p:spPr>
+          <a:xfrm>
+            <a:off x="8224849" y="1490599"/>
+            <a:ext cx="396000" cy="396000"/>
+          </a:xfrm>
+          <a:prstGeom prst="ellipse">
+            <a:avLst/>
+          </a:prstGeom>
+          <a:solidFill>
+            <a:srgbClr val="FFFF00"/>
+          </a:solidFill>
+          <a:ln>
+            <a:solidFill>
+              <a:srgbClr val="FFFF00"/>
+            </a:solidFill>
+          </a:ln>
+        </p:spPr>
+        <p:style>
+          <a:lnRef idx="2">
+            <a:schemeClr val="accent1">
+              <a:shade val="50000"/>
+            </a:schemeClr>
+          </a:lnRef>
+          <a:fillRef idx="1">
+            <a:schemeClr val="accent1"/>
+          </a:fillRef>
+          <a:effectRef idx="0">
+            <a:schemeClr val="accent1"/>
+          </a:effectRef>
+          <a:fontRef idx="minor">
+            <a:schemeClr val="lt1"/>
+          </a:fontRef>
+        </p:style>
+        <p:txBody>
+          <a:bodyPr rtlCol="0" anchor="ctr"/>
+          <a:lstStyle/>
+          <a:p>
+            <a:pPr algn="ctr"/>
+            <a:endParaRPr lang="it-IT"/>
+          </a:p>
+        </p:txBody>
+      </p:sp>
+      <p:sp>
+        <p:nvSpPr>
+          <p:cNvPr id="113" name="Ovale 112">
+            <a:extLst>
+              <a:ext uri="{FF2B5EF4-FFF2-40B4-BE49-F238E27FC236}">
+                <a16:creationId xmlns:a16="http://schemas.microsoft.com/office/drawing/2014/main" id="{396EDB20-5D90-4D60-B887-97C70C00F56E}"/>
+              </a:ext>
+            </a:extLst>
+          </p:cNvPr>
+          <p:cNvSpPr/>
+          <p:nvPr/>
+        </p:nvSpPr>
+        <p:spPr>
+          <a:xfrm>
+            <a:off x="4538418" y="495673"/>
+            <a:ext cx="396000" cy="396000"/>
+          </a:xfrm>
+          <a:prstGeom prst="ellipse">
+            <a:avLst/>
+          </a:prstGeom>
+          <a:solidFill>
+            <a:srgbClr val="FFFF00"/>
+          </a:solidFill>
+          <a:ln>
+            <a:solidFill>
+              <a:srgbClr val="FFFF00"/>
+            </a:solidFill>
+          </a:ln>
+        </p:spPr>
+        <p:style>
+          <a:lnRef idx="2">
+            <a:schemeClr val="accent1">
+              <a:shade val="50000"/>
+            </a:schemeClr>
+          </a:lnRef>
+          <a:fillRef idx="1">
+            <a:schemeClr val="accent1"/>
+          </a:fillRef>
+          <a:effectRef idx="0">
+            <a:schemeClr val="accent1"/>
+          </a:effectRef>
+          <a:fontRef idx="minor">
+            <a:schemeClr val="lt1"/>
+          </a:fontRef>
+        </p:style>
+        <p:txBody>
+          <a:bodyPr rtlCol="0" anchor="ctr"/>
+          <a:lstStyle/>
+          <a:p>
+            <a:pPr algn="ctr"/>
+            <a:endParaRPr lang="it-IT"/>
+          </a:p>
+        </p:txBody>
+      </p:sp>
+      <p:sp>
+        <p:nvSpPr>
+          <p:cNvPr id="114" name="Ovale 113">
+            <a:extLst>
+              <a:ext uri="{FF2B5EF4-FFF2-40B4-BE49-F238E27FC236}">
+                <a16:creationId xmlns:a16="http://schemas.microsoft.com/office/drawing/2014/main" id="{B457FE4D-DB7A-407D-BDCE-03392E9DCD4F}"/>
+              </a:ext>
+            </a:extLst>
+          </p:cNvPr>
+          <p:cNvSpPr/>
+          <p:nvPr/>
+        </p:nvSpPr>
+        <p:spPr>
+          <a:xfrm>
+            <a:off x="8363905" y="3304080"/>
+            <a:ext cx="396000" cy="396000"/>
+          </a:xfrm>
+          <a:prstGeom prst="ellipse">
+            <a:avLst/>
+          </a:prstGeom>
+          <a:solidFill>
+            <a:srgbClr val="FFFF00"/>
+          </a:solidFill>
+          <a:ln>
+            <a:solidFill>
+              <a:srgbClr val="FFFF00"/>
+            </a:solidFill>
+          </a:ln>
+        </p:spPr>
+        <p:style>
+          <a:lnRef idx="2">
+            <a:schemeClr val="accent1">
+              <a:shade val="50000"/>
+            </a:schemeClr>
+          </a:lnRef>
+          <a:fillRef idx="1">
+            <a:schemeClr val="accent1"/>
+          </a:fillRef>
+          <a:effectRef idx="0">
+            <a:schemeClr val="accent1"/>
+          </a:effectRef>
+          <a:fontRef idx="minor">
+            <a:schemeClr val="lt1"/>
+          </a:fontRef>
+        </p:style>
+        <p:txBody>
+          <a:bodyPr rtlCol="0" anchor="ctr"/>
+          <a:lstStyle/>
+          <a:p>
+            <a:pPr algn="ctr"/>
+            <a:endParaRPr lang="it-IT"/>
+          </a:p>
+        </p:txBody>
+      </p:sp>
+      <p:sp>
+        <p:nvSpPr>
+          <p:cNvPr id="115" name="Ovale 114">
+            <a:extLst>
+              <a:ext uri="{FF2B5EF4-FFF2-40B4-BE49-F238E27FC236}">
+                <a16:creationId xmlns:a16="http://schemas.microsoft.com/office/drawing/2014/main" id="{51D9C089-1D97-4E36-AA2F-CDC07094E1C4}"/>
+              </a:ext>
+            </a:extLst>
+          </p:cNvPr>
+          <p:cNvSpPr/>
+          <p:nvPr/>
+        </p:nvSpPr>
+        <p:spPr>
+          <a:xfrm>
+            <a:off x="6510412" y="2634783"/>
+            <a:ext cx="396000" cy="396000"/>
+          </a:xfrm>
+          <a:prstGeom prst="ellipse">
+            <a:avLst/>
+          </a:prstGeom>
+          <a:solidFill>
+            <a:srgbClr val="FFFF00"/>
+          </a:solidFill>
+          <a:ln>
+            <a:solidFill>
+              <a:srgbClr val="FFFF00"/>
+            </a:solidFill>
+          </a:ln>
+        </p:spPr>
+        <p:style>
+          <a:lnRef idx="2">
+            <a:schemeClr val="accent1">
+              <a:shade val="50000"/>
+            </a:schemeClr>
+          </a:lnRef>
+          <a:fillRef idx="1">
+            <a:schemeClr val="accent1"/>
+          </a:fillRef>
+          <a:effectRef idx="0">
+            <a:schemeClr val="accent1"/>
+          </a:effectRef>
+          <a:fontRef idx="minor">
+            <a:schemeClr val="lt1"/>
+          </a:fontRef>
+        </p:style>
+        <p:txBody>
+          <a:bodyPr rtlCol="0" anchor="ctr"/>
+          <a:lstStyle/>
+          <a:p>
+            <a:pPr algn="ctr"/>
+            <a:endParaRPr lang="it-IT"/>
+          </a:p>
+        </p:txBody>
+      </p:sp>
+      <p:sp>
+        <p:nvSpPr>
+          <p:cNvPr id="116" name="Ovale 115">
+            <a:extLst>
+              <a:ext uri="{FF2B5EF4-FFF2-40B4-BE49-F238E27FC236}">
+                <a16:creationId xmlns:a16="http://schemas.microsoft.com/office/drawing/2014/main" id="{1635203A-17B2-4B58-BA6C-11D10ED7213D}"/>
+              </a:ext>
+            </a:extLst>
+          </p:cNvPr>
+          <p:cNvSpPr/>
+          <p:nvPr/>
+        </p:nvSpPr>
+        <p:spPr>
+          <a:xfrm>
+            <a:off x="7812459" y="1642210"/>
+            <a:ext cx="396000" cy="396000"/>
+          </a:xfrm>
+          <a:prstGeom prst="ellipse">
+            <a:avLst/>
+          </a:prstGeom>
+          <a:solidFill>
+            <a:srgbClr val="FFFF00"/>
+          </a:solidFill>
+          <a:ln>
+            <a:solidFill>
+              <a:srgbClr val="FFFF00"/>
+            </a:solidFill>
+          </a:ln>
+        </p:spPr>
+        <p:style>
+          <a:lnRef idx="2">
+            <a:schemeClr val="accent1">
+              <a:shade val="50000"/>
+            </a:schemeClr>
+          </a:lnRef>
+          <a:fillRef idx="1">
+            <a:schemeClr val="accent1"/>
+          </a:fillRef>
+          <a:effectRef idx="0">
+            <a:schemeClr val="accent1"/>
+          </a:effectRef>
+          <a:fontRef idx="minor">
+            <a:schemeClr val="lt1"/>
+          </a:fontRef>
+        </p:style>
+        <p:txBody>
+          <a:bodyPr rtlCol="0" anchor="ctr"/>
+          <a:lstStyle/>
+          <a:p>
+            <a:pPr algn="ctr"/>
+            <a:endParaRPr lang="it-IT"/>
+          </a:p>
+        </p:txBody>
+      </p:sp>
+      <p:sp>
+        <p:nvSpPr>
+          <p:cNvPr id="117" name="Ovale 116">
+            <a:extLst>
+              <a:ext uri="{FF2B5EF4-FFF2-40B4-BE49-F238E27FC236}">
+                <a16:creationId xmlns:a16="http://schemas.microsoft.com/office/drawing/2014/main" id="{D992945B-B47A-4B94-A019-BF41EB56AF5A}"/>
+              </a:ext>
+            </a:extLst>
+          </p:cNvPr>
+          <p:cNvSpPr/>
+          <p:nvPr/>
+        </p:nvSpPr>
+        <p:spPr>
+          <a:xfrm>
+            <a:off x="6279198" y="555995"/>
+            <a:ext cx="396000" cy="396000"/>
+          </a:xfrm>
+          <a:prstGeom prst="ellipse">
+            <a:avLst/>
+          </a:prstGeom>
+          <a:solidFill>
+            <a:srgbClr val="FFFF00"/>
+          </a:solidFill>
+          <a:ln>
+            <a:solidFill>
+              <a:srgbClr val="FFFF00"/>
+            </a:solidFill>
+          </a:ln>
+        </p:spPr>
+        <p:style>
+          <a:lnRef idx="2">
+            <a:schemeClr val="accent1">
+              <a:shade val="50000"/>
+            </a:schemeClr>
+          </a:lnRef>
+          <a:fillRef idx="1">
+            <a:schemeClr val="accent1"/>
+          </a:fillRef>
+          <a:effectRef idx="0">
+            <a:schemeClr val="accent1"/>
+          </a:effectRef>
+          <a:fontRef idx="minor">
+            <a:schemeClr val="lt1"/>
+          </a:fontRef>
+        </p:style>
+        <p:txBody>
+          <a:bodyPr rtlCol="0" anchor="ctr"/>
+          <a:lstStyle/>
+          <a:p>
+            <a:pPr algn="ctr"/>
+            <a:endParaRPr lang="it-IT"/>
+          </a:p>
+        </p:txBody>
+      </p:sp>
+      <p:sp>
+        <p:nvSpPr>
+          <p:cNvPr id="118" name="Ovale 117">
+            <a:extLst>
+              <a:ext uri="{FF2B5EF4-FFF2-40B4-BE49-F238E27FC236}">
+                <a16:creationId xmlns:a16="http://schemas.microsoft.com/office/drawing/2014/main" id="{E75FA1DC-29D0-41C5-965C-B021945E8681}"/>
+              </a:ext>
+            </a:extLst>
+          </p:cNvPr>
+          <p:cNvSpPr/>
+          <p:nvPr/>
+        </p:nvSpPr>
+        <p:spPr>
+          <a:xfrm>
+            <a:off x="7601518" y="846738"/>
+            <a:ext cx="396000" cy="396000"/>
+          </a:xfrm>
+          <a:prstGeom prst="ellipse">
+            <a:avLst/>
+          </a:prstGeom>
+          <a:solidFill>
+            <a:srgbClr val="FFFF00"/>
+          </a:solidFill>
+          <a:ln>
+            <a:solidFill>
+              <a:srgbClr val="FFFF00"/>
+            </a:solidFill>
+          </a:ln>
+        </p:spPr>
+        <p:style>
+          <a:lnRef idx="2">
+            <a:schemeClr val="accent1">
+              <a:shade val="50000"/>
+            </a:schemeClr>
+          </a:lnRef>
+          <a:fillRef idx="1">
+            <a:schemeClr val="accent1"/>
+          </a:fillRef>
+          <a:effectRef idx="0">
+            <a:schemeClr val="accent1"/>
+          </a:effectRef>
+          <a:fontRef idx="minor">
+            <a:schemeClr val="lt1"/>
+          </a:fontRef>
+        </p:style>
+        <p:txBody>
+          <a:bodyPr rtlCol="0" anchor="ctr"/>
+          <a:lstStyle/>
+          <a:p>
+            <a:pPr algn="ctr"/>
+            <a:endParaRPr lang="it-IT"/>
+          </a:p>
+        </p:txBody>
+      </p:sp>
+      <p:sp>
+        <p:nvSpPr>
+          <p:cNvPr id="119" name="Ovale 118">
+            <a:extLst>
+              <a:ext uri="{FF2B5EF4-FFF2-40B4-BE49-F238E27FC236}">
+                <a16:creationId xmlns:a16="http://schemas.microsoft.com/office/drawing/2014/main" id="{0C4D5496-2096-4AC1-811D-AEB0502F59FF}"/>
+              </a:ext>
+            </a:extLst>
+          </p:cNvPr>
+          <p:cNvSpPr/>
+          <p:nvPr/>
+        </p:nvSpPr>
+        <p:spPr>
+          <a:xfrm>
+            <a:off x="5418256" y="409267"/>
+            <a:ext cx="396000" cy="396000"/>
+          </a:xfrm>
+          <a:prstGeom prst="ellipse">
+            <a:avLst/>
+          </a:prstGeom>
+          <a:solidFill>
+            <a:srgbClr val="FFFF00"/>
+          </a:solidFill>
+          <a:ln>
+            <a:solidFill>
+              <a:srgbClr val="FFFF00"/>
+            </a:solidFill>
+          </a:ln>
+        </p:spPr>
+        <p:style>
+          <a:lnRef idx="2">
+            <a:schemeClr val="accent1">
+              <a:shade val="50000"/>
+            </a:schemeClr>
+          </a:lnRef>
+          <a:fillRef idx="1">
+            <a:schemeClr val="accent1"/>
+          </a:fillRef>
+          <a:effectRef idx="0">
+            <a:schemeClr val="accent1"/>
+          </a:effectRef>
+          <a:fontRef idx="minor">
+            <a:schemeClr val="lt1"/>
+          </a:fontRef>
+        </p:style>
+        <p:txBody>
+          <a:bodyPr rtlCol="0" anchor="ctr"/>
+          <a:lstStyle/>
+          <a:p>
+            <a:pPr algn="ctr"/>
+            <a:endParaRPr lang="it-IT"/>
+          </a:p>
+        </p:txBody>
+      </p:sp>
+      <p:sp>
+        <p:nvSpPr>
+          <p:cNvPr id="120" name="Ovale 119">
+            <a:extLst>
+              <a:ext uri="{FF2B5EF4-FFF2-40B4-BE49-F238E27FC236}">
+                <a16:creationId xmlns:a16="http://schemas.microsoft.com/office/drawing/2014/main" id="{931E7DC4-1A49-4630-8449-67E85161636C}"/>
+              </a:ext>
+            </a:extLst>
+          </p:cNvPr>
+          <p:cNvSpPr/>
+          <p:nvPr/>
+        </p:nvSpPr>
+        <p:spPr>
+          <a:xfrm>
+            <a:off x="6296441" y="1720092"/>
+            <a:ext cx="396000" cy="396000"/>
+          </a:xfrm>
+          <a:prstGeom prst="ellipse">
+            <a:avLst/>
+          </a:prstGeom>
+          <a:solidFill>
+            <a:srgbClr val="FFFF00"/>
+          </a:solidFill>
+          <a:ln>
+            <a:solidFill>
+              <a:srgbClr val="FFFF00"/>
+            </a:solidFill>
+          </a:ln>
+        </p:spPr>
+        <p:style>
+          <a:lnRef idx="2">
+            <a:schemeClr val="accent1">
+              <a:shade val="50000"/>
+            </a:schemeClr>
+          </a:lnRef>
+          <a:fillRef idx="1">
+            <a:schemeClr val="accent1"/>
+          </a:fillRef>
+          <a:effectRef idx="0">
+            <a:schemeClr val="accent1"/>
+          </a:effectRef>
+          <a:fontRef idx="minor">
+            <a:schemeClr val="lt1"/>
+          </a:fontRef>
+        </p:style>
+        <p:txBody>
+          <a:bodyPr rtlCol="0" anchor="ctr"/>
+          <a:lstStyle/>
+          <a:p>
+            <a:pPr algn="ctr"/>
+            <a:endParaRPr lang="it-IT"/>
+          </a:p>
+        </p:txBody>
+      </p:sp>
+      <p:sp>
+        <p:nvSpPr>
+          <p:cNvPr id="121" name="Ovale 120">
+            <a:extLst>
+              <a:ext uri="{FF2B5EF4-FFF2-40B4-BE49-F238E27FC236}">
+                <a16:creationId xmlns:a16="http://schemas.microsoft.com/office/drawing/2014/main" id="{A9E4221A-7690-4E44-AD62-63098E206D0F}"/>
+              </a:ext>
+            </a:extLst>
+          </p:cNvPr>
+          <p:cNvSpPr/>
+          <p:nvPr/>
+        </p:nvSpPr>
+        <p:spPr>
+          <a:xfrm>
+            <a:off x="3618800" y="1884865"/>
+            <a:ext cx="396000" cy="396000"/>
+          </a:xfrm>
+          <a:prstGeom prst="ellipse">
+            <a:avLst/>
+          </a:prstGeom>
+          <a:solidFill>
+            <a:srgbClr val="FFFF00"/>
+          </a:solidFill>
+          <a:ln>
+            <a:solidFill>
+              <a:srgbClr val="FFFF00"/>
+            </a:solidFill>
+          </a:ln>
+        </p:spPr>
+        <p:style>
+          <a:lnRef idx="2">
+            <a:schemeClr val="accent1">
+              <a:shade val="50000"/>
+            </a:schemeClr>
+          </a:lnRef>
+          <a:fillRef idx="1">
+            <a:schemeClr val="accent1"/>
+          </a:fillRef>
+          <a:effectRef idx="0">
+            <a:schemeClr val="accent1"/>
+          </a:effectRef>
+          <a:fontRef idx="minor">
+            <a:schemeClr val="lt1"/>
+          </a:fontRef>
+        </p:style>
+        <p:txBody>
+          <a:bodyPr rtlCol="0" anchor="ctr"/>
+          <a:lstStyle/>
+          <a:p>
+            <a:pPr algn="ctr"/>
+            <a:endParaRPr lang="it-IT"/>
+          </a:p>
+        </p:txBody>
+      </p:sp>
+      <p:sp>
+        <p:nvSpPr>
+          <p:cNvPr id="122" name="Ovale 121">
+            <a:extLst>
+              <a:ext uri="{FF2B5EF4-FFF2-40B4-BE49-F238E27FC236}">
+                <a16:creationId xmlns:a16="http://schemas.microsoft.com/office/drawing/2014/main" id="{2E25B402-5AC1-4152-AE69-4CEC0100A30E}"/>
+              </a:ext>
+            </a:extLst>
+          </p:cNvPr>
+          <p:cNvSpPr/>
+          <p:nvPr/>
+        </p:nvSpPr>
+        <p:spPr>
+          <a:xfrm>
+            <a:off x="3046661" y="1383650"/>
+            <a:ext cx="396000" cy="396000"/>
+          </a:xfrm>
+          <a:prstGeom prst="ellipse">
+            <a:avLst/>
+          </a:prstGeom>
+          <a:solidFill>
+            <a:srgbClr val="FFFF00"/>
+          </a:solidFill>
+          <a:ln>
+            <a:solidFill>
+              <a:srgbClr val="FFFF00"/>
+            </a:solidFill>
+          </a:ln>
+        </p:spPr>
+        <p:style>
+          <a:lnRef idx="2">
+            <a:schemeClr val="accent1">
+              <a:shade val="50000"/>
+            </a:schemeClr>
+          </a:lnRef>
+          <a:fillRef idx="1">
+            <a:schemeClr val="accent1"/>
+          </a:fillRef>
+          <a:effectRef idx="0">
+            <a:schemeClr val="accent1"/>
+          </a:effectRef>
+          <a:fontRef idx="minor">
+            <a:schemeClr val="lt1"/>
+          </a:fontRef>
+        </p:style>
+        <p:txBody>
+          <a:bodyPr rtlCol="0" anchor="ctr"/>
+          <a:lstStyle/>
+          <a:p>
+            <a:pPr algn="ctr"/>
+            <a:endParaRPr lang="it-IT"/>
+          </a:p>
+        </p:txBody>
+      </p:sp>
+      <p:sp>
+        <p:nvSpPr>
+          <p:cNvPr id="123" name="Ovale 122">
+            <a:extLst>
+              <a:ext uri="{FF2B5EF4-FFF2-40B4-BE49-F238E27FC236}">
+                <a16:creationId xmlns:a16="http://schemas.microsoft.com/office/drawing/2014/main" id="{6307B613-8A22-4173-A24E-F25897D2EE48}"/>
+              </a:ext>
+            </a:extLst>
+          </p:cNvPr>
+          <p:cNvSpPr/>
+          <p:nvPr/>
+        </p:nvSpPr>
+        <p:spPr>
+          <a:xfrm>
+            <a:off x="3291085" y="1027725"/>
+            <a:ext cx="396000" cy="396000"/>
+          </a:xfrm>
+          <a:prstGeom prst="ellipse">
+            <a:avLst/>
+          </a:prstGeom>
+          <a:solidFill>
+            <a:srgbClr val="FFFF00"/>
+          </a:solidFill>
+          <a:ln>
+            <a:solidFill>
+              <a:srgbClr val="FFFF00"/>
+            </a:solidFill>
+          </a:ln>
+        </p:spPr>
+        <p:style>
+          <a:lnRef idx="2">
+            <a:schemeClr val="accent1">
+              <a:shade val="50000"/>
+            </a:schemeClr>
+          </a:lnRef>
+          <a:fillRef idx="1">
+            <a:schemeClr val="accent1"/>
+          </a:fillRef>
+          <a:effectRef idx="0">
+            <a:schemeClr val="accent1"/>
+          </a:effectRef>
+          <a:fontRef idx="minor">
+            <a:schemeClr val="lt1"/>
+          </a:fontRef>
+        </p:style>
+        <p:txBody>
+          <a:bodyPr rtlCol="0" anchor="ctr"/>
+          <a:lstStyle/>
+          <a:p>
+            <a:pPr algn="ctr"/>
+            <a:endParaRPr lang="it-IT"/>
+          </a:p>
+        </p:txBody>
+      </p:sp>
+      <p:sp>
+        <p:nvSpPr>
+          <p:cNvPr id="124" name="Ovale 123">
+            <a:extLst>
+              <a:ext uri="{FF2B5EF4-FFF2-40B4-BE49-F238E27FC236}">
+                <a16:creationId xmlns:a16="http://schemas.microsoft.com/office/drawing/2014/main" id="{549A753E-236B-45EA-8C58-C83A543006F0}"/>
+              </a:ext>
+            </a:extLst>
+          </p:cNvPr>
+          <p:cNvSpPr/>
+          <p:nvPr/>
+        </p:nvSpPr>
+        <p:spPr>
+          <a:xfrm>
+            <a:off x="3001041" y="2524333"/>
+            <a:ext cx="396000" cy="396000"/>
+          </a:xfrm>
+          <a:prstGeom prst="ellipse">
+            <a:avLst/>
+          </a:prstGeom>
+          <a:solidFill>
+            <a:srgbClr val="FFFF00"/>
+          </a:solidFill>
+          <a:ln>
+            <a:solidFill>
+              <a:srgbClr val="FFFF00"/>
+            </a:solidFill>
+          </a:ln>
+        </p:spPr>
+        <p:style>
+          <a:lnRef idx="2">
+            <a:schemeClr val="accent1">
+              <a:shade val="50000"/>
+            </a:schemeClr>
+          </a:lnRef>
+          <a:fillRef idx="1">
+            <a:schemeClr val="accent1"/>
+          </a:fillRef>
+          <a:effectRef idx="0">
+            <a:schemeClr val="accent1"/>
+          </a:effectRef>
+          <a:fontRef idx="minor">
+            <a:schemeClr val="lt1"/>
+          </a:fontRef>
+        </p:style>
+        <p:txBody>
+          <a:bodyPr rtlCol="0" anchor="ctr"/>
+          <a:lstStyle/>
+          <a:p>
+            <a:pPr algn="ctr"/>
+            <a:endParaRPr lang="it-IT"/>
+          </a:p>
+        </p:txBody>
+      </p:sp>
+      <p:sp>
+        <p:nvSpPr>
+          <p:cNvPr id="125" name="Ovale 124">
+            <a:extLst>
+              <a:ext uri="{FF2B5EF4-FFF2-40B4-BE49-F238E27FC236}">
+                <a16:creationId xmlns:a16="http://schemas.microsoft.com/office/drawing/2014/main" id="{0B5BB534-4BCE-4A9C-B900-7790C0552BCA}"/>
+              </a:ext>
+            </a:extLst>
+          </p:cNvPr>
+          <p:cNvSpPr/>
+          <p:nvPr/>
+        </p:nvSpPr>
+        <p:spPr>
+          <a:xfrm>
+            <a:off x="6030053" y="2331761"/>
+            <a:ext cx="396000" cy="396000"/>
+          </a:xfrm>
+          <a:prstGeom prst="ellipse">
+            <a:avLst/>
+          </a:prstGeom>
+          <a:solidFill>
+            <a:srgbClr val="FFFF00"/>
+          </a:solidFill>
+          <a:ln>
+            <a:solidFill>
+              <a:srgbClr val="FFFF00"/>
+            </a:solidFill>
+          </a:ln>
+        </p:spPr>
+        <p:style>
+          <a:lnRef idx="2">
+            <a:schemeClr val="accent1">
+              <a:shade val="50000"/>
+            </a:schemeClr>
+          </a:lnRef>
+          <a:fillRef idx="1">
+            <a:schemeClr val="accent1"/>
+          </a:fillRef>
+          <a:effectRef idx="0">
+            <a:schemeClr val="accent1"/>
+          </a:effectRef>
+          <a:fontRef idx="minor">
+            <a:schemeClr val="lt1"/>
+          </a:fontRef>
+        </p:style>
+        <p:txBody>
+          <a:bodyPr rtlCol="0" anchor="ctr"/>
+          <a:lstStyle/>
+          <a:p>
+            <a:pPr algn="ctr"/>
+            <a:endParaRPr lang="it-IT"/>
+          </a:p>
+        </p:txBody>
+      </p:sp>
+      <p:sp>
+        <p:nvSpPr>
+          <p:cNvPr id="126" name="Ovale 125">
+            <a:extLst>
+              <a:ext uri="{FF2B5EF4-FFF2-40B4-BE49-F238E27FC236}">
+                <a16:creationId xmlns:a16="http://schemas.microsoft.com/office/drawing/2014/main" id="{4C0A0ECA-FC12-403C-AE59-F473E90CBB2A}"/>
+              </a:ext>
+            </a:extLst>
+          </p:cNvPr>
+          <p:cNvSpPr/>
+          <p:nvPr/>
+        </p:nvSpPr>
+        <p:spPr>
+          <a:xfrm>
+            <a:off x="2109057" y="2280865"/>
+            <a:ext cx="396000" cy="396000"/>
+          </a:xfrm>
+          <a:prstGeom prst="ellipse">
+            <a:avLst/>
+          </a:prstGeom>
+          <a:solidFill>
+            <a:srgbClr val="FFFF00"/>
+          </a:solidFill>
+          <a:ln>
+            <a:solidFill>
+              <a:srgbClr val="FFFF00"/>
+            </a:solidFill>
+          </a:ln>
+        </p:spPr>
+        <p:style>
+          <a:lnRef idx="2">
+            <a:schemeClr val="accent1">
+              <a:shade val="50000"/>
+            </a:schemeClr>
+          </a:lnRef>
+          <a:fillRef idx="1">
+            <a:schemeClr val="accent1"/>
+          </a:fillRef>
+          <a:effectRef idx="0">
+            <a:schemeClr val="accent1"/>
+          </a:effectRef>
+          <a:fontRef idx="minor">
+            <a:schemeClr val="lt1"/>
+          </a:fontRef>
+        </p:style>
+        <p:txBody>
+          <a:bodyPr rtlCol="0" anchor="ctr"/>
+          <a:lstStyle/>
+          <a:p>
+            <a:pPr algn="ctr"/>
+            <a:endParaRPr lang="it-IT"/>
+          </a:p>
+        </p:txBody>
+      </p:sp>
+      <p:sp>
+        <p:nvSpPr>
+          <p:cNvPr id="127" name="Ovale 126">
+            <a:extLst>
+              <a:ext uri="{FF2B5EF4-FFF2-40B4-BE49-F238E27FC236}">
+                <a16:creationId xmlns:a16="http://schemas.microsoft.com/office/drawing/2014/main" id="{FF3CFE07-EBB4-4167-A3AE-9F5468EE54FC}"/>
+              </a:ext>
+            </a:extLst>
+          </p:cNvPr>
+          <p:cNvSpPr/>
+          <p:nvPr/>
+        </p:nvSpPr>
+        <p:spPr>
+          <a:xfrm>
+            <a:off x="2674212" y="2204554"/>
+            <a:ext cx="396000" cy="396000"/>
+          </a:xfrm>
+          <a:prstGeom prst="ellipse">
+            <a:avLst/>
+          </a:prstGeom>
+          <a:solidFill>
+            <a:srgbClr val="FFFF00"/>
+          </a:solidFill>
+          <a:ln>
+            <a:solidFill>
+              <a:srgbClr val="FFFF00"/>
+            </a:solidFill>
+          </a:ln>
+        </p:spPr>
+        <p:style>
+          <a:lnRef idx="2">
+            <a:schemeClr val="accent1">
+              <a:shade val="50000"/>
+            </a:schemeClr>
+          </a:lnRef>
+          <a:fillRef idx="1">
+            <a:schemeClr val="accent1"/>
+          </a:fillRef>
+          <a:effectRef idx="0">
+            <a:schemeClr val="accent1"/>
+          </a:effectRef>
+          <a:fontRef idx="minor">
+            <a:schemeClr val="lt1"/>
+          </a:fontRef>
+        </p:style>
+        <p:txBody>
+          <a:bodyPr rtlCol="0" anchor="ctr"/>
+          <a:lstStyle/>
+          <a:p>
+            <a:pPr algn="ctr"/>
+            <a:endParaRPr lang="it-IT"/>
+          </a:p>
+        </p:txBody>
+      </p:sp>
+      <p:sp>
+        <p:nvSpPr>
+          <p:cNvPr id="128" name="Ovale 127">
+            <a:extLst>
+              <a:ext uri="{FF2B5EF4-FFF2-40B4-BE49-F238E27FC236}">
+                <a16:creationId xmlns:a16="http://schemas.microsoft.com/office/drawing/2014/main" id="{9C4D44D6-CD45-4FAE-BC79-8FE599A4F646}"/>
+              </a:ext>
+            </a:extLst>
+          </p:cNvPr>
+          <p:cNvSpPr/>
+          <p:nvPr/>
+        </p:nvSpPr>
+        <p:spPr>
+          <a:xfrm>
+            <a:off x="8547415" y="1801058"/>
+            <a:ext cx="396000" cy="396000"/>
+          </a:xfrm>
+          <a:prstGeom prst="ellipse">
+            <a:avLst/>
+          </a:prstGeom>
+          <a:solidFill>
+            <a:srgbClr val="FFFF00"/>
+          </a:solidFill>
+          <a:ln>
+            <a:solidFill>
+              <a:srgbClr val="FFFF00"/>
+            </a:solidFill>
+          </a:ln>
+        </p:spPr>
+        <p:style>
+          <a:lnRef idx="2">
+            <a:schemeClr val="accent1">
+              <a:shade val="50000"/>
+            </a:schemeClr>
+          </a:lnRef>
+          <a:fillRef idx="1">
+            <a:schemeClr val="accent1"/>
+          </a:fillRef>
+          <a:effectRef idx="0">
+            <a:schemeClr val="accent1"/>
+          </a:effectRef>
+          <a:fontRef idx="minor">
+            <a:schemeClr val="lt1"/>
+          </a:fontRef>
+        </p:style>
+        <p:txBody>
+          <a:bodyPr rtlCol="0" anchor="ctr"/>
+          <a:lstStyle/>
+          <a:p>
+            <a:pPr algn="ctr"/>
+            <a:endParaRPr lang="it-IT"/>
+          </a:p>
+        </p:txBody>
+      </p:sp>
+      <p:sp>
+        <p:nvSpPr>
+          <p:cNvPr id="129" name="Ovale 128">
+            <a:extLst>
+              <a:ext uri="{FF2B5EF4-FFF2-40B4-BE49-F238E27FC236}">
+                <a16:creationId xmlns:a16="http://schemas.microsoft.com/office/drawing/2014/main" id="{795DB1BF-B7B7-46F7-B012-F79399CC3898}"/>
+              </a:ext>
+            </a:extLst>
+          </p:cNvPr>
+          <p:cNvSpPr/>
+          <p:nvPr/>
+        </p:nvSpPr>
+        <p:spPr>
+          <a:xfrm>
+            <a:off x="3933217" y="3567231"/>
+            <a:ext cx="396000" cy="396000"/>
+          </a:xfrm>
+          <a:prstGeom prst="ellipse">
+            <a:avLst/>
+          </a:prstGeom>
+          <a:solidFill>
+            <a:srgbClr val="FFFF00"/>
+          </a:solidFill>
+          <a:ln>
+            <a:solidFill>
+              <a:srgbClr val="FFFF00"/>
+            </a:solidFill>
+          </a:ln>
+        </p:spPr>
+        <p:style>
+          <a:lnRef idx="2">
+            <a:schemeClr val="accent1">
+              <a:shade val="50000"/>
+            </a:schemeClr>
+          </a:lnRef>
+          <a:fillRef idx="1">
+            <a:schemeClr val="accent1"/>
+          </a:fillRef>
+          <a:effectRef idx="0">
+            <a:schemeClr val="accent1"/>
+          </a:effectRef>
+          <a:fontRef idx="minor">
+            <a:schemeClr val="lt1"/>
+          </a:fontRef>
+        </p:style>
+        <p:txBody>
+          <a:bodyPr rtlCol="0" anchor="ctr"/>
+          <a:lstStyle/>
+          <a:p>
+            <a:pPr algn="ctr"/>
+            <a:endParaRPr lang="it-IT"/>
+          </a:p>
+        </p:txBody>
+      </p:sp>
+      <p:sp>
+        <p:nvSpPr>
+          <p:cNvPr id="130" name="Ovale 129">
+            <a:extLst>
+              <a:ext uri="{FF2B5EF4-FFF2-40B4-BE49-F238E27FC236}">
+                <a16:creationId xmlns:a16="http://schemas.microsoft.com/office/drawing/2014/main" id="{8147BD5D-EC4F-42ED-9722-C2E94494D3D9}"/>
+              </a:ext>
+            </a:extLst>
+          </p:cNvPr>
+          <p:cNvSpPr/>
+          <p:nvPr/>
+        </p:nvSpPr>
+        <p:spPr>
+          <a:xfrm>
+            <a:off x="7964399" y="1096583"/>
+            <a:ext cx="396000" cy="396000"/>
+          </a:xfrm>
+          <a:prstGeom prst="ellipse">
+            <a:avLst/>
+          </a:prstGeom>
+          <a:solidFill>
+            <a:srgbClr val="FFFF00"/>
+          </a:solidFill>
+          <a:ln>
+            <a:solidFill>
+              <a:srgbClr val="FFFF00"/>
+            </a:solidFill>
+          </a:ln>
+        </p:spPr>
+        <p:style>
+          <a:lnRef idx="2">
+            <a:schemeClr val="accent1">
+              <a:shade val="50000"/>
+            </a:schemeClr>
+          </a:lnRef>
+          <a:fillRef idx="1">
+            <a:schemeClr val="accent1"/>
+          </a:fillRef>
+          <a:effectRef idx="0">
+            <a:schemeClr val="accent1"/>
+          </a:effectRef>
+          <a:fontRef idx="minor">
+            <a:schemeClr val="lt1"/>
+          </a:fontRef>
+        </p:style>
+        <p:txBody>
+          <a:bodyPr rtlCol="0" anchor="ctr"/>
+          <a:lstStyle/>
+          <a:p>
+            <a:pPr algn="ctr"/>
+            <a:endParaRPr lang="it-IT"/>
+          </a:p>
+        </p:txBody>
+      </p:sp>
+      <p:sp>
+        <p:nvSpPr>
+          <p:cNvPr id="131" name="Ovale 130">
+            <a:extLst>
+              <a:ext uri="{FF2B5EF4-FFF2-40B4-BE49-F238E27FC236}">
+                <a16:creationId xmlns:a16="http://schemas.microsoft.com/office/drawing/2014/main" id="{6C835B0B-0D8D-434A-A95D-DA4E82826BFC}"/>
+              </a:ext>
+            </a:extLst>
+          </p:cNvPr>
+          <p:cNvSpPr/>
+          <p:nvPr/>
+        </p:nvSpPr>
+        <p:spPr>
+          <a:xfrm>
+            <a:off x="4843536" y="3281047"/>
+            <a:ext cx="396000" cy="396000"/>
+          </a:xfrm>
+          <a:prstGeom prst="ellipse">
+            <a:avLst/>
+          </a:prstGeom>
+          <a:solidFill>
+            <a:srgbClr val="FFFF00"/>
+          </a:solidFill>
+          <a:ln>
+            <a:solidFill>
+              <a:srgbClr val="FFFF00"/>
+            </a:solidFill>
+          </a:ln>
+        </p:spPr>
+        <p:style>
+          <a:lnRef idx="2">
+            <a:schemeClr val="accent1">
+              <a:shade val="50000"/>
+            </a:schemeClr>
+          </a:lnRef>
+          <a:fillRef idx="1">
+            <a:schemeClr val="accent1"/>
+          </a:fillRef>
+          <a:effectRef idx="0">
+            <a:schemeClr val="accent1"/>
+          </a:effectRef>
+          <a:fontRef idx="minor">
+            <a:schemeClr val="lt1"/>
+          </a:fontRef>
+        </p:style>
+        <p:txBody>
+          <a:bodyPr rtlCol="0" anchor="ctr"/>
+          <a:lstStyle/>
+          <a:p>
+            <a:pPr algn="ctr"/>
+            <a:endParaRPr lang="it-IT"/>
+          </a:p>
+        </p:txBody>
+      </p:sp>
+      <p:sp>
+        <p:nvSpPr>
+          <p:cNvPr id="132" name="Ovale 131">
+            <a:extLst>
+              <a:ext uri="{FF2B5EF4-FFF2-40B4-BE49-F238E27FC236}">
+                <a16:creationId xmlns:a16="http://schemas.microsoft.com/office/drawing/2014/main" id="{4F8CF7A8-4C4F-47C8-AF7F-A5E95C3AA550}"/>
+              </a:ext>
+            </a:extLst>
+          </p:cNvPr>
+          <p:cNvSpPr/>
+          <p:nvPr/>
+        </p:nvSpPr>
+        <p:spPr>
+          <a:xfrm>
+            <a:off x="8810872" y="3857468"/>
+            <a:ext cx="396000" cy="396000"/>
+          </a:xfrm>
+          <a:prstGeom prst="ellipse">
+            <a:avLst/>
+          </a:prstGeom>
+          <a:solidFill>
+            <a:srgbClr val="FFFF00"/>
+          </a:solidFill>
+          <a:ln>
+            <a:solidFill>
+              <a:srgbClr val="FFFF00"/>
+            </a:solidFill>
+          </a:ln>
+        </p:spPr>
+        <p:style>
+          <a:lnRef idx="2">
+            <a:schemeClr val="accent1">
+              <a:shade val="50000"/>
+            </a:schemeClr>
+          </a:lnRef>
+          <a:fillRef idx="1">
+            <a:schemeClr val="accent1"/>
+          </a:fillRef>
+          <a:effectRef idx="0">
+            <a:schemeClr val="accent1"/>
+          </a:effectRef>
+          <a:fontRef idx="minor">
+            <a:schemeClr val="lt1"/>
+          </a:fontRef>
+        </p:style>
+        <p:txBody>
+          <a:bodyPr rtlCol="0" anchor="ctr"/>
+          <a:lstStyle/>
+          <a:p>
+            <a:pPr algn="ctr"/>
+            <a:endParaRPr lang="it-IT"/>
+          </a:p>
+        </p:txBody>
+      </p:sp>
+      <p:sp>
+        <p:nvSpPr>
+          <p:cNvPr id="133" name="Ovale 132">
+            <a:extLst>
+              <a:ext uri="{FF2B5EF4-FFF2-40B4-BE49-F238E27FC236}">
+                <a16:creationId xmlns:a16="http://schemas.microsoft.com/office/drawing/2014/main" id="{B3C27E15-42B9-4827-A374-8F977DD231CD}"/>
+              </a:ext>
+            </a:extLst>
+          </p:cNvPr>
+          <p:cNvSpPr/>
+          <p:nvPr/>
+        </p:nvSpPr>
+        <p:spPr>
+          <a:xfrm>
+            <a:off x="2265678" y="3077822"/>
+            <a:ext cx="396000" cy="396000"/>
+          </a:xfrm>
+          <a:prstGeom prst="ellipse">
+            <a:avLst/>
+          </a:prstGeom>
+          <a:solidFill>
+            <a:srgbClr val="FFFF00"/>
+          </a:solidFill>
+          <a:ln>
+            <a:solidFill>
+              <a:srgbClr val="FFFF00"/>
+            </a:solidFill>
+          </a:ln>
+        </p:spPr>
+        <p:style>
+          <a:lnRef idx="2">
+            <a:schemeClr val="accent1">
+              <a:shade val="50000"/>
+            </a:schemeClr>
+          </a:lnRef>
+          <a:fillRef idx="1">
+            <a:schemeClr val="accent1"/>
+          </a:fillRef>
+          <a:effectRef idx="0">
+            <a:schemeClr val="accent1"/>
+          </a:effectRef>
+          <a:fontRef idx="minor">
+            <a:schemeClr val="lt1"/>
+          </a:fontRef>
+        </p:style>
+        <p:txBody>
+          <a:bodyPr rtlCol="0" anchor="ctr"/>
+          <a:lstStyle/>
+          <a:p>
+            <a:pPr algn="ctr"/>
+            <a:endParaRPr lang="it-IT"/>
+          </a:p>
+        </p:txBody>
+      </p:sp>
+      <p:sp>
+        <p:nvSpPr>
+          <p:cNvPr id="134" name="Ovale 133">
+            <a:extLst>
+              <a:ext uri="{FF2B5EF4-FFF2-40B4-BE49-F238E27FC236}">
+                <a16:creationId xmlns:a16="http://schemas.microsoft.com/office/drawing/2014/main" id="{F8894935-74CA-4C8D-A2D2-683FE93D6B43}"/>
+              </a:ext>
+            </a:extLst>
+          </p:cNvPr>
+          <p:cNvSpPr/>
+          <p:nvPr/>
+        </p:nvSpPr>
+        <p:spPr>
+          <a:xfrm>
+            <a:off x="2297488" y="1874935"/>
+            <a:ext cx="396000" cy="396000"/>
+          </a:xfrm>
+          <a:prstGeom prst="ellipse">
+            <a:avLst/>
+          </a:prstGeom>
+          <a:solidFill>
+            <a:srgbClr val="FFFF00"/>
+          </a:solidFill>
+          <a:ln>
+            <a:solidFill>
+              <a:srgbClr val="FFFF00"/>
+            </a:solidFill>
+          </a:ln>
+        </p:spPr>
+        <p:style>
+          <a:lnRef idx="2">
+            <a:schemeClr val="accent1">
+              <a:shade val="50000"/>
+            </a:schemeClr>
+          </a:lnRef>
+          <a:fillRef idx="1">
+            <a:schemeClr val="accent1"/>
+          </a:fillRef>
+          <a:effectRef idx="0">
+            <a:schemeClr val="accent1"/>
+          </a:effectRef>
+          <a:fontRef idx="minor">
+            <a:schemeClr val="lt1"/>
+          </a:fontRef>
+        </p:style>
+        <p:txBody>
+          <a:bodyPr rtlCol="0" anchor="ctr"/>
+          <a:lstStyle/>
+          <a:p>
+            <a:pPr algn="ctr"/>
+            <a:endParaRPr lang="it-IT"/>
+          </a:p>
+        </p:txBody>
+      </p:sp>
+      <p:sp>
+        <p:nvSpPr>
+          <p:cNvPr id="135" name="Ovale 134">
+            <a:extLst>
+              <a:ext uri="{FF2B5EF4-FFF2-40B4-BE49-F238E27FC236}">
+                <a16:creationId xmlns:a16="http://schemas.microsoft.com/office/drawing/2014/main" id="{1EF3F7CD-A251-476F-811A-FF62CDE1C6D5}"/>
+              </a:ext>
+            </a:extLst>
+          </p:cNvPr>
+          <p:cNvSpPr/>
+          <p:nvPr/>
+        </p:nvSpPr>
+        <p:spPr>
+          <a:xfrm>
+            <a:off x="1992922" y="2731691"/>
+            <a:ext cx="396000" cy="396000"/>
+          </a:xfrm>
+          <a:prstGeom prst="ellipse">
+            <a:avLst/>
+          </a:prstGeom>
+          <a:solidFill>
+            <a:srgbClr val="FFFF00"/>
+          </a:solidFill>
+          <a:ln>
+            <a:solidFill>
+              <a:srgbClr val="FFFF00"/>
+            </a:solidFill>
+          </a:ln>
+        </p:spPr>
+        <p:style>
+          <a:lnRef idx="2">
+            <a:schemeClr val="accent1">
+              <a:shade val="50000"/>
+            </a:schemeClr>
+          </a:lnRef>
+          <a:fillRef idx="1">
+            <a:schemeClr val="accent1"/>
+          </a:fillRef>
+          <a:effectRef idx="0">
+            <a:schemeClr val="accent1"/>
+          </a:effectRef>
+          <a:fontRef idx="minor">
+            <a:schemeClr val="lt1"/>
+          </a:fontRef>
+        </p:style>
+        <p:txBody>
+          <a:bodyPr rtlCol="0" anchor="ctr"/>
+          <a:lstStyle/>
+          <a:p>
+            <a:pPr algn="ctr"/>
+            <a:endParaRPr lang="it-IT"/>
+          </a:p>
+        </p:txBody>
+      </p:sp>
+      <p:sp>
+        <p:nvSpPr>
+          <p:cNvPr id="136" name="Ovale 135">
+            <a:extLst>
+              <a:ext uri="{FF2B5EF4-FFF2-40B4-BE49-F238E27FC236}">
+                <a16:creationId xmlns:a16="http://schemas.microsoft.com/office/drawing/2014/main" id="{6795DF44-0A6A-41D4-A4AA-1282B1CF299B}"/>
+              </a:ext>
+            </a:extLst>
+          </p:cNvPr>
+          <p:cNvSpPr/>
+          <p:nvPr/>
+        </p:nvSpPr>
+        <p:spPr>
+          <a:xfrm>
+            <a:off x="2627819" y="1559655"/>
+            <a:ext cx="396000" cy="396000"/>
+          </a:xfrm>
+          <a:prstGeom prst="ellipse">
+            <a:avLst/>
+          </a:prstGeom>
+          <a:solidFill>
+            <a:srgbClr val="FFFF00"/>
+          </a:solidFill>
+          <a:ln>
+            <a:solidFill>
+              <a:srgbClr val="FFFF00"/>
+            </a:solidFill>
+          </a:ln>
+        </p:spPr>
+        <p:style>
+          <a:lnRef idx="2">
+            <a:schemeClr val="accent1">
+              <a:shade val="50000"/>
+            </a:schemeClr>
+          </a:lnRef>
+          <a:fillRef idx="1">
+            <a:schemeClr val="accent1"/>
+          </a:fillRef>
+          <a:effectRef idx="0">
+            <a:schemeClr val="accent1"/>
+          </a:effectRef>
+          <a:fontRef idx="minor">
+            <a:schemeClr val="lt1"/>
+          </a:fontRef>
+        </p:style>
+        <p:txBody>
+          <a:bodyPr rtlCol="0" anchor="ctr"/>
+          <a:lstStyle/>
+          <a:p>
+            <a:pPr algn="ctr"/>
+            <a:endParaRPr lang="it-IT"/>
+          </a:p>
+        </p:txBody>
+      </p:sp>
+    </p:spTree>
+    <p:extLst>
+      <p:ext uri="{BB962C8B-B14F-4D97-AF65-F5344CB8AC3E}">
+        <p14:creationId xmlns:p14="http://schemas.microsoft.com/office/powerpoint/2010/main" val="1761041121"/>
+      </p:ext>
+    </p:extLst>
+  </p:cSld>
+  <p:clrMapOvr>
+    <a:masterClrMapping/>
+  </p:clrMapOvr>
+</p:sld>
+</file>
+
+<file path=ppt/slides/slide6.xml><?xml version="1.0" encoding="utf-8"?>
 <p:sld xmlns:a="http://schemas.openxmlformats.org/drawingml/2006/main" xmlns:r="http://schemas.openxmlformats.org/officeDocument/2006/relationships" xmlns:p="http://schemas.openxmlformats.org/presentationml/2006/main" show="0">
   <p:cSld>
     <p:spTree>
@@ -31962,7 +39121,7 @@
 </p:sld>
 </file>
 
-<file path=ppt/slides/slide6.xml><?xml version="1.0" encoding="utf-8"?>
+<file path=ppt/slides/slide7.xml><?xml version="1.0" encoding="utf-8"?>
 <p:sld xmlns:a="http://schemas.openxmlformats.org/drawingml/2006/main" xmlns:r="http://schemas.openxmlformats.org/officeDocument/2006/relationships" xmlns:p="http://schemas.openxmlformats.org/presentationml/2006/main">
   <p:cSld>
     <p:spTree>
